--- a/AutoFill_Extension.pptx
+++ b/AutoFill_Extension.pptx
@@ -2,7 +2,7 @@
 <file path=ppt/presentation.xml><?xml version="1.0" encoding="utf-8"?>
 <p:presentation xmlns:a="http://schemas.openxmlformats.org/drawingml/2006/main" xmlns:r="http://schemas.openxmlformats.org/officeDocument/2006/relationships" xmlns:p="http://schemas.openxmlformats.org/presentationml/2006/main" saveSubsetFonts="1">
   <p:sldMasterIdLst>
-    <p:sldMasterId id="2147483648" r:id="rId1"/>
+    <p:sldMasterId id="2147483660" r:id="rId1"/>
   </p:sldMasterIdLst>
   <p:sldIdLst>
     <p:sldId id="256" r:id="rId2"/>
@@ -11,7 +11,6 @@
     <p:sldId id="259" r:id="rId5"/>
     <p:sldId id="260" r:id="rId6"/>
     <p:sldId id="261" r:id="rId7"/>
-    <p:sldId id="262" r:id="rId8"/>
   </p:sldIdLst>
   <p:sldSz cx="12192000" cy="6858000"/>
   <p:notesSz cx="6858000" cy="9144000"/>
@@ -19,7 +18,7 @@
     <a:defPPr>
       <a:defRPr lang="en-US"/>
     </a:defPPr>
-    <a:lvl1pPr marL="0" algn="l" defTabSz="914400" rtl="0" eaLnBrk="1" latinLnBrk="0" hangingPunct="1">
+    <a:lvl1pPr marL="0" algn="l" defTabSz="457200" rtl="0" eaLnBrk="1" latinLnBrk="0" hangingPunct="1">
       <a:defRPr sz="1800" kern="1200">
         <a:solidFill>
           <a:schemeClr val="tx1"/>
@@ -29,7 +28,7 @@
         <a:cs typeface="+mn-cs"/>
       </a:defRPr>
     </a:lvl1pPr>
-    <a:lvl2pPr marL="457200" algn="l" defTabSz="914400" rtl="0" eaLnBrk="1" latinLnBrk="0" hangingPunct="1">
+    <a:lvl2pPr marL="457200" algn="l" defTabSz="457200" rtl="0" eaLnBrk="1" latinLnBrk="0" hangingPunct="1">
       <a:defRPr sz="1800" kern="1200">
         <a:solidFill>
           <a:schemeClr val="tx1"/>
@@ -39,7 +38,7 @@
         <a:cs typeface="+mn-cs"/>
       </a:defRPr>
     </a:lvl2pPr>
-    <a:lvl3pPr marL="914400" algn="l" defTabSz="914400" rtl="0" eaLnBrk="1" latinLnBrk="0" hangingPunct="1">
+    <a:lvl3pPr marL="914400" algn="l" defTabSz="457200" rtl="0" eaLnBrk="1" latinLnBrk="0" hangingPunct="1">
       <a:defRPr sz="1800" kern="1200">
         <a:solidFill>
           <a:schemeClr val="tx1"/>
@@ -49,7 +48,7 @@
         <a:cs typeface="+mn-cs"/>
       </a:defRPr>
     </a:lvl3pPr>
-    <a:lvl4pPr marL="1371600" algn="l" defTabSz="914400" rtl="0" eaLnBrk="1" latinLnBrk="0" hangingPunct="1">
+    <a:lvl4pPr marL="1371600" algn="l" defTabSz="457200" rtl="0" eaLnBrk="1" latinLnBrk="0" hangingPunct="1">
       <a:defRPr sz="1800" kern="1200">
         <a:solidFill>
           <a:schemeClr val="tx1"/>
@@ -59,7 +58,7 @@
         <a:cs typeface="+mn-cs"/>
       </a:defRPr>
     </a:lvl4pPr>
-    <a:lvl5pPr marL="1828800" algn="l" defTabSz="914400" rtl="0" eaLnBrk="1" latinLnBrk="0" hangingPunct="1">
+    <a:lvl5pPr marL="1828800" algn="l" defTabSz="457200" rtl="0" eaLnBrk="1" latinLnBrk="0" hangingPunct="1">
       <a:defRPr sz="1800" kern="1200">
         <a:solidFill>
           <a:schemeClr val="tx1"/>
@@ -69,7 +68,7 @@
         <a:cs typeface="+mn-cs"/>
       </a:defRPr>
     </a:lvl5pPr>
-    <a:lvl6pPr marL="2286000" algn="l" defTabSz="914400" rtl="0" eaLnBrk="1" latinLnBrk="0" hangingPunct="1">
+    <a:lvl6pPr marL="2286000" algn="l" defTabSz="457200" rtl="0" eaLnBrk="1" latinLnBrk="0" hangingPunct="1">
       <a:defRPr sz="1800" kern="1200">
         <a:solidFill>
           <a:schemeClr val="tx1"/>
@@ -79,7 +78,7 @@
         <a:cs typeface="+mn-cs"/>
       </a:defRPr>
     </a:lvl6pPr>
-    <a:lvl7pPr marL="2743200" algn="l" defTabSz="914400" rtl="0" eaLnBrk="1" latinLnBrk="0" hangingPunct="1">
+    <a:lvl7pPr marL="2743200" algn="l" defTabSz="457200" rtl="0" eaLnBrk="1" latinLnBrk="0" hangingPunct="1">
       <a:defRPr sz="1800" kern="1200">
         <a:solidFill>
           <a:schemeClr val="tx1"/>
@@ -89,7 +88,7 @@
         <a:cs typeface="+mn-cs"/>
       </a:defRPr>
     </a:lvl7pPr>
-    <a:lvl8pPr marL="3200400" algn="l" defTabSz="914400" rtl="0" eaLnBrk="1" latinLnBrk="0" hangingPunct="1">
+    <a:lvl8pPr marL="3200400" algn="l" defTabSz="457200" rtl="0" eaLnBrk="1" latinLnBrk="0" hangingPunct="1">
       <a:defRPr sz="1800" kern="1200">
         <a:solidFill>
           <a:schemeClr val="tx1"/>
@@ -99,7 +98,7 @@
         <a:cs typeface="+mn-cs"/>
       </a:defRPr>
     </a:lvl8pPr>
-    <a:lvl9pPr marL="3657600" algn="l" defTabSz="914400" rtl="0" eaLnBrk="1" latinLnBrk="0" hangingPunct="1">
+    <a:lvl9pPr marL="3657600" algn="l" defTabSz="457200" rtl="0" eaLnBrk="1" latinLnBrk="0" hangingPunct="1">
       <a:defRPr sz="1800" kern="1200">
         <a:solidFill>
           <a:schemeClr val="tx1"/>
@@ -110,6 +109,11 @@
       </a:defRPr>
     </a:lvl9pPr>
   </p:defaultTextStyle>
+  <p:extLst>
+    <p:ext uri="{EFAFB233-063F-42B5-8137-9DF3F51BA10A}">
+      <p15:sldGuideLst xmlns:p15="http://schemas.microsoft.com/office/powerpoint/2012/main"/>
+    </p:ext>
+  </p:extLst>
 </p:presentation>
 </file>
 
@@ -142,15 +146,15 @@
         </p:nvSpPr>
         <p:spPr>
           <a:xfrm>
-            <a:off x="1524000" y="1122363"/>
-            <a:ext cx="9144000" cy="2387600"/>
+            <a:off x="1154955" y="1447800"/>
+            <a:ext cx="8825658" cy="3329581"/>
           </a:xfrm>
         </p:spPr>
         <p:txBody>
           <a:bodyPr anchor="b"/>
           <a:lstStyle>
-            <a:lvl1pPr algn="ctr">
-              <a:defRPr sz="6000"/>
+            <a:lvl1pPr>
+              <a:defRPr sz="7200"/>
             </a:lvl1pPr>
           </a:lstStyle>
           <a:p>
@@ -158,7 +162,7 @@
               <a:rPr lang="en-US" smtClean="0"/>
               <a:t>Click to edit Master title style</a:t>
             </a:r>
-            <a:endParaRPr lang="en-US"/>
+            <a:endParaRPr lang="en-US" dirty="0"/>
           </a:p>
         </p:txBody>
       </p:sp>
@@ -174,48 +178,103 @@
         </p:nvSpPr>
         <p:spPr>
           <a:xfrm>
-            <a:off x="1524000" y="3602038"/>
-            <a:ext cx="9144000" cy="1655762"/>
+            <a:off x="1154955" y="4777380"/>
+            <a:ext cx="8825658" cy="861420"/>
           </a:xfrm>
         </p:spPr>
         <p:txBody>
-          <a:bodyPr/>
+          <a:bodyPr anchor="t"/>
           <a:lstStyle>
-            <a:lvl1pPr marL="0" indent="0" algn="ctr">
-              <a:buNone/>
-              <a:defRPr sz="2400"/>
+            <a:lvl1pPr marL="0" indent="0" algn="l">
+              <a:buNone/>
+              <a:defRPr cap="all">
+                <a:solidFill>
+                  <a:schemeClr val="bg2">
+                    <a:lumMod val="40000"/>
+                    <a:lumOff val="60000"/>
+                  </a:schemeClr>
+                </a:solidFill>
+              </a:defRPr>
             </a:lvl1pPr>
             <a:lvl2pPr marL="457200" indent="0" algn="ctr">
               <a:buNone/>
-              <a:defRPr sz="2000"/>
+              <a:defRPr>
+                <a:solidFill>
+                  <a:schemeClr val="tx1">
+                    <a:tint val="75000"/>
+                  </a:schemeClr>
+                </a:solidFill>
+              </a:defRPr>
             </a:lvl2pPr>
             <a:lvl3pPr marL="914400" indent="0" algn="ctr">
               <a:buNone/>
-              <a:defRPr sz="1800"/>
+              <a:defRPr>
+                <a:solidFill>
+                  <a:schemeClr val="tx1">
+                    <a:tint val="75000"/>
+                  </a:schemeClr>
+                </a:solidFill>
+              </a:defRPr>
             </a:lvl3pPr>
             <a:lvl4pPr marL="1371600" indent="0" algn="ctr">
               <a:buNone/>
-              <a:defRPr sz="1600"/>
+              <a:defRPr>
+                <a:solidFill>
+                  <a:schemeClr val="tx1">
+                    <a:tint val="75000"/>
+                  </a:schemeClr>
+                </a:solidFill>
+              </a:defRPr>
             </a:lvl4pPr>
             <a:lvl5pPr marL="1828800" indent="0" algn="ctr">
               <a:buNone/>
-              <a:defRPr sz="1600"/>
+              <a:defRPr>
+                <a:solidFill>
+                  <a:schemeClr val="tx1">
+                    <a:tint val="75000"/>
+                  </a:schemeClr>
+                </a:solidFill>
+              </a:defRPr>
             </a:lvl5pPr>
             <a:lvl6pPr marL="2286000" indent="0" algn="ctr">
               <a:buNone/>
-              <a:defRPr sz="1600"/>
+              <a:defRPr>
+                <a:solidFill>
+                  <a:schemeClr val="tx1">
+                    <a:tint val="75000"/>
+                  </a:schemeClr>
+                </a:solidFill>
+              </a:defRPr>
             </a:lvl6pPr>
             <a:lvl7pPr marL="2743200" indent="0" algn="ctr">
               <a:buNone/>
-              <a:defRPr sz="1600"/>
+              <a:defRPr>
+                <a:solidFill>
+                  <a:schemeClr val="tx1">
+                    <a:tint val="75000"/>
+                  </a:schemeClr>
+                </a:solidFill>
+              </a:defRPr>
             </a:lvl7pPr>
             <a:lvl8pPr marL="3200400" indent="0" algn="ctr">
               <a:buNone/>
-              <a:defRPr sz="1600"/>
+              <a:defRPr>
+                <a:solidFill>
+                  <a:schemeClr val="tx1">
+                    <a:tint val="75000"/>
+                  </a:schemeClr>
+                </a:solidFill>
+              </a:defRPr>
             </a:lvl8pPr>
             <a:lvl9pPr marL="3657600" indent="0" algn="ctr">
               <a:buNone/>
-              <a:defRPr sz="1600"/>
+              <a:defRPr>
+                <a:solidFill>
+                  <a:schemeClr val="tx1">
+                    <a:tint val="75000"/>
+                  </a:schemeClr>
+                </a:solidFill>
+              </a:defRPr>
             </a:lvl9pPr>
           </a:lstStyle>
           <a:p>
@@ -223,7 +282,7 @@
               <a:rPr lang="en-US" smtClean="0"/>
               <a:t>Click to edit Master subtitle style</a:t>
             </a:r>
-            <a:endParaRPr lang="en-US"/>
+            <a:endParaRPr lang="en-US" dirty="0"/>
           </a:p>
         </p:txBody>
       </p:sp>
@@ -244,7 +303,7 @@
           <a:p>
             <a:fld id="{B6678536-6967-4B9F-9DEF-2A17C5001E54}" type="datetimeFigureOut">
               <a:rPr lang="en-US" smtClean="0"/>
-              <a:t>4/19/2017</a:t>
+              <a:t>4/24/2017</a:t>
             </a:fld>
             <a:endParaRPr lang="en-US"/>
           </a:p>
@@ -295,7 +354,7 @@
     </p:spTree>
     <p:extLst>
       <p:ext uri="{BB962C8B-B14F-4D97-AF65-F5344CB8AC3E}">
-        <p14:creationId xmlns:p14="http://schemas.microsoft.com/office/powerpoint/2010/main" val="4194955738"/>
+        <p14:creationId xmlns:p14="http://schemas.microsoft.com/office/powerpoint/2010/main" val="4005086385"/>
       </p:ext>
     </p:extLst>
   </p:cSld>
@@ -306,6 +365,2572 @@
 </file>
 
 <file path=ppt/slideLayouts/slideLayout10.xml><?xml version="1.0" encoding="utf-8"?>
+<p:sldLayout xmlns:a="http://schemas.openxmlformats.org/drawingml/2006/main" xmlns:r="http://schemas.openxmlformats.org/officeDocument/2006/relationships" xmlns:p="http://schemas.openxmlformats.org/presentationml/2006/main" preserve="1">
+  <p:cSld name="Panoramic Picture with Caption">
+    <p:spTree>
+      <p:nvGrpSpPr>
+        <p:cNvPr id="1" name=""/>
+        <p:cNvGrpSpPr/>
+        <p:nvPr/>
+      </p:nvGrpSpPr>
+      <p:grpSpPr>
+        <a:xfrm>
+          <a:off x="0" y="0"/>
+          <a:ext cx="0" cy="0"/>
+          <a:chOff x="0" y="0"/>
+          <a:chExt cx="0" cy="0"/>
+        </a:xfrm>
+      </p:grpSpPr>
+      <p:sp>
+        <p:nvSpPr>
+          <p:cNvPr id="2" name="Title 1"/>
+          <p:cNvSpPr>
+            <a:spLocks noGrp="1"/>
+          </p:cNvSpPr>
+          <p:nvPr>
+            <p:ph type="title"/>
+          </p:nvPr>
+        </p:nvSpPr>
+        <p:spPr>
+          <a:xfrm>
+            <a:off x="1154956" y="4800587"/>
+            <a:ext cx="8825657" cy="566738"/>
+          </a:xfrm>
+        </p:spPr>
+        <p:txBody>
+          <a:bodyPr anchor="b">
+            <a:normAutofit/>
+          </a:bodyPr>
+          <a:lstStyle>
+            <a:lvl1pPr algn="l">
+              <a:defRPr sz="2400" b="0"/>
+            </a:lvl1pPr>
+          </a:lstStyle>
+          <a:p>
+            <a:r>
+              <a:rPr lang="en-US" smtClean="0"/>
+              <a:t>Click to edit Master title style</a:t>
+            </a:r>
+            <a:endParaRPr lang="en-US" dirty="0"/>
+          </a:p>
+        </p:txBody>
+      </p:sp>
+      <p:sp>
+        <p:nvSpPr>
+          <p:cNvPr id="3" name="Picture Placeholder 2"/>
+          <p:cNvSpPr>
+            <a:spLocks noGrp="1" noChangeAspect="1"/>
+          </p:cNvSpPr>
+          <p:nvPr>
+            <p:ph type="pic" idx="1"/>
+          </p:nvPr>
+        </p:nvSpPr>
+        <p:spPr>
+          <a:xfrm>
+            <a:off x="1154955" y="685800"/>
+            <a:ext cx="8825658" cy="3640666"/>
+          </a:xfrm>
+          <a:prstGeom prst="roundRect">
+            <a:avLst>
+              <a:gd name="adj" fmla="val 1858"/>
+            </a:avLst>
+          </a:prstGeom>
+          <a:effectLst>
+            <a:outerShdw blurRad="50800" dist="50800" dir="5400000" algn="tl" rotWithShape="0">
+              <a:srgbClr val="000000">
+                <a:alpha val="43000"/>
+              </a:srgbClr>
+            </a:outerShdw>
+          </a:effectLst>
+        </p:spPr>
+        <p:txBody>
+          <a:bodyPr anchor="t">
+            <a:normAutofit/>
+          </a:bodyPr>
+          <a:lstStyle>
+            <a:lvl1pPr marL="0" indent="0" algn="ctr">
+              <a:buNone/>
+              <a:defRPr sz="1600"/>
+            </a:lvl1pPr>
+            <a:lvl2pPr marL="457200" indent="0">
+              <a:buNone/>
+              <a:defRPr sz="1600"/>
+            </a:lvl2pPr>
+            <a:lvl3pPr marL="914400" indent="0">
+              <a:buNone/>
+              <a:defRPr sz="1600"/>
+            </a:lvl3pPr>
+            <a:lvl4pPr marL="1371600" indent="0">
+              <a:buNone/>
+              <a:defRPr sz="1600"/>
+            </a:lvl4pPr>
+            <a:lvl5pPr marL="1828800" indent="0">
+              <a:buNone/>
+              <a:defRPr sz="1600"/>
+            </a:lvl5pPr>
+            <a:lvl6pPr marL="2286000" indent="0">
+              <a:buNone/>
+              <a:defRPr sz="1600"/>
+            </a:lvl6pPr>
+            <a:lvl7pPr marL="2743200" indent="0">
+              <a:buNone/>
+              <a:defRPr sz="1600"/>
+            </a:lvl7pPr>
+            <a:lvl8pPr marL="3200400" indent="0">
+              <a:buNone/>
+              <a:defRPr sz="1600"/>
+            </a:lvl8pPr>
+            <a:lvl9pPr marL="3657600" indent="0">
+              <a:buNone/>
+              <a:defRPr sz="1600"/>
+            </a:lvl9pPr>
+          </a:lstStyle>
+          <a:p>
+            <a:r>
+              <a:rPr lang="en-US" smtClean="0"/>
+              <a:t>Click icon to add picture</a:t>
+            </a:r>
+            <a:endParaRPr lang="en-US" dirty="0"/>
+          </a:p>
+        </p:txBody>
+      </p:sp>
+      <p:sp>
+        <p:nvSpPr>
+          <p:cNvPr id="4" name="Text Placeholder 3"/>
+          <p:cNvSpPr>
+            <a:spLocks noGrp="1"/>
+          </p:cNvSpPr>
+          <p:nvPr>
+            <p:ph type="body" sz="half" idx="2"/>
+          </p:nvPr>
+        </p:nvSpPr>
+        <p:spPr>
+          <a:xfrm>
+            <a:off x="1154956" y="5367325"/>
+            <a:ext cx="8825656" cy="493712"/>
+          </a:xfrm>
+        </p:spPr>
+        <p:txBody>
+          <a:bodyPr>
+            <a:normAutofit/>
+          </a:bodyPr>
+          <a:lstStyle>
+            <a:lvl1pPr marL="0" indent="0">
+              <a:buNone/>
+              <a:defRPr sz="1200"/>
+            </a:lvl1pPr>
+            <a:lvl2pPr marL="457200" indent="0">
+              <a:buNone/>
+              <a:defRPr sz="1200"/>
+            </a:lvl2pPr>
+            <a:lvl3pPr marL="914400" indent="0">
+              <a:buNone/>
+              <a:defRPr sz="1000"/>
+            </a:lvl3pPr>
+            <a:lvl4pPr marL="1371600" indent="0">
+              <a:buNone/>
+              <a:defRPr sz="900"/>
+            </a:lvl4pPr>
+            <a:lvl5pPr marL="1828800" indent="0">
+              <a:buNone/>
+              <a:defRPr sz="900"/>
+            </a:lvl5pPr>
+            <a:lvl6pPr marL="2286000" indent="0">
+              <a:buNone/>
+              <a:defRPr sz="900"/>
+            </a:lvl6pPr>
+            <a:lvl7pPr marL="2743200" indent="0">
+              <a:buNone/>
+              <a:defRPr sz="900"/>
+            </a:lvl7pPr>
+            <a:lvl8pPr marL="3200400" indent="0">
+              <a:buNone/>
+              <a:defRPr sz="900"/>
+            </a:lvl8pPr>
+            <a:lvl9pPr marL="3657600" indent="0">
+              <a:buNone/>
+              <a:defRPr sz="900"/>
+            </a:lvl9pPr>
+          </a:lstStyle>
+          <a:p>
+            <a:pPr lvl="0"/>
+            <a:r>
+              <a:rPr lang="en-US" smtClean="0"/>
+              <a:t>Edit Master text styles</a:t>
+            </a:r>
+          </a:p>
+        </p:txBody>
+      </p:sp>
+      <p:sp>
+        <p:nvSpPr>
+          <p:cNvPr id="5" name="Date Placeholder 4"/>
+          <p:cNvSpPr>
+            <a:spLocks noGrp="1"/>
+          </p:cNvSpPr>
+          <p:nvPr>
+            <p:ph type="dt" sz="half" idx="10"/>
+          </p:nvPr>
+        </p:nvSpPr>
+        <p:spPr/>
+        <p:txBody>
+          <a:bodyPr/>
+          <a:lstStyle/>
+          <a:p>
+            <a:fld id="{B6678536-6967-4B9F-9DEF-2A17C5001E54}" type="datetimeFigureOut">
+              <a:rPr lang="en-US" smtClean="0"/>
+              <a:t>4/24/2017</a:t>
+            </a:fld>
+            <a:endParaRPr lang="en-US"/>
+          </a:p>
+        </p:txBody>
+      </p:sp>
+      <p:sp>
+        <p:nvSpPr>
+          <p:cNvPr id="6" name="Footer Placeholder 5"/>
+          <p:cNvSpPr>
+            <a:spLocks noGrp="1"/>
+          </p:cNvSpPr>
+          <p:nvPr>
+            <p:ph type="ftr" sz="quarter" idx="11"/>
+          </p:nvPr>
+        </p:nvSpPr>
+        <p:spPr/>
+        <p:txBody>
+          <a:bodyPr/>
+          <a:lstStyle/>
+          <a:p>
+            <a:endParaRPr lang="en-US"/>
+          </a:p>
+        </p:txBody>
+      </p:sp>
+      <p:sp>
+        <p:nvSpPr>
+          <p:cNvPr id="7" name="Slide Number Placeholder 6"/>
+          <p:cNvSpPr>
+            <a:spLocks noGrp="1"/>
+          </p:cNvSpPr>
+          <p:nvPr>
+            <p:ph type="sldNum" sz="quarter" idx="12"/>
+          </p:nvPr>
+        </p:nvSpPr>
+        <p:spPr/>
+        <p:txBody>
+          <a:bodyPr/>
+          <a:lstStyle/>
+          <a:p>
+            <a:fld id="{8CB634FF-BD91-4DDF-9C40-5BB9F036FCC7}" type="slidenum">
+              <a:rPr lang="en-US" smtClean="0"/>
+              <a:t>‹#›</a:t>
+            </a:fld>
+            <a:endParaRPr lang="en-US"/>
+          </a:p>
+        </p:txBody>
+      </p:sp>
+    </p:spTree>
+    <p:extLst>
+      <p:ext uri="{BB962C8B-B14F-4D97-AF65-F5344CB8AC3E}">
+        <p14:creationId xmlns:p14="http://schemas.microsoft.com/office/powerpoint/2010/main" val="219907895"/>
+      </p:ext>
+    </p:extLst>
+  </p:cSld>
+  <p:clrMapOvr>
+    <a:masterClrMapping/>
+  </p:clrMapOvr>
+</p:sldLayout>
+</file>
+
+<file path=ppt/slideLayouts/slideLayout11.xml><?xml version="1.0" encoding="utf-8"?>
+<p:sldLayout xmlns:a="http://schemas.openxmlformats.org/drawingml/2006/main" xmlns:r="http://schemas.openxmlformats.org/officeDocument/2006/relationships" xmlns:p="http://schemas.openxmlformats.org/presentationml/2006/main" preserve="1">
+  <p:cSld name="Title and Caption">
+    <p:spTree>
+      <p:nvGrpSpPr>
+        <p:cNvPr id="1" name=""/>
+        <p:cNvGrpSpPr/>
+        <p:nvPr/>
+      </p:nvGrpSpPr>
+      <p:grpSpPr>
+        <a:xfrm>
+          <a:off x="0" y="0"/>
+          <a:ext cx="0" cy="0"/>
+          <a:chOff x="0" y="0"/>
+          <a:chExt cx="0" cy="0"/>
+        </a:xfrm>
+      </p:grpSpPr>
+      <p:sp>
+        <p:nvSpPr>
+          <p:cNvPr id="2" name="Title 1"/>
+          <p:cNvSpPr>
+            <a:spLocks noGrp="1"/>
+          </p:cNvSpPr>
+          <p:nvPr>
+            <p:ph type="title"/>
+          </p:nvPr>
+        </p:nvSpPr>
+        <p:spPr>
+          <a:xfrm>
+            <a:off x="1154954" y="1447800"/>
+            <a:ext cx="8825659" cy="1981200"/>
+          </a:xfrm>
+        </p:spPr>
+        <p:txBody>
+          <a:bodyPr/>
+          <a:lstStyle>
+            <a:lvl1pPr>
+              <a:defRPr sz="4800"/>
+            </a:lvl1pPr>
+          </a:lstStyle>
+          <a:p>
+            <a:r>
+              <a:rPr lang="en-US" smtClean="0"/>
+              <a:t>Click to edit Master title style</a:t>
+            </a:r>
+            <a:endParaRPr lang="en-US" dirty="0"/>
+          </a:p>
+        </p:txBody>
+      </p:sp>
+      <p:sp>
+        <p:nvSpPr>
+          <p:cNvPr id="8" name="Text Placeholder 3"/>
+          <p:cNvSpPr>
+            <a:spLocks noGrp="1"/>
+          </p:cNvSpPr>
+          <p:nvPr>
+            <p:ph type="body" sz="half" idx="2"/>
+          </p:nvPr>
+        </p:nvSpPr>
+        <p:spPr>
+          <a:xfrm>
+            <a:off x="1154954" y="3657600"/>
+            <a:ext cx="8825659" cy="2362200"/>
+          </a:xfrm>
+        </p:spPr>
+        <p:txBody>
+          <a:bodyPr anchor="ctr">
+            <a:normAutofit/>
+          </a:bodyPr>
+          <a:lstStyle>
+            <a:lvl1pPr marL="0" indent="0">
+              <a:buNone/>
+              <a:defRPr sz="1800"/>
+            </a:lvl1pPr>
+            <a:lvl2pPr marL="457200" indent="0">
+              <a:buNone/>
+              <a:defRPr sz="1200"/>
+            </a:lvl2pPr>
+            <a:lvl3pPr marL="914400" indent="0">
+              <a:buNone/>
+              <a:defRPr sz="1000"/>
+            </a:lvl3pPr>
+            <a:lvl4pPr marL="1371600" indent="0">
+              <a:buNone/>
+              <a:defRPr sz="900"/>
+            </a:lvl4pPr>
+            <a:lvl5pPr marL="1828800" indent="0">
+              <a:buNone/>
+              <a:defRPr sz="900"/>
+            </a:lvl5pPr>
+            <a:lvl6pPr marL="2286000" indent="0">
+              <a:buNone/>
+              <a:defRPr sz="900"/>
+            </a:lvl6pPr>
+            <a:lvl7pPr marL="2743200" indent="0">
+              <a:buNone/>
+              <a:defRPr sz="900"/>
+            </a:lvl7pPr>
+            <a:lvl8pPr marL="3200400" indent="0">
+              <a:buNone/>
+              <a:defRPr sz="900"/>
+            </a:lvl8pPr>
+            <a:lvl9pPr marL="3657600" indent="0">
+              <a:buNone/>
+              <a:defRPr sz="900"/>
+            </a:lvl9pPr>
+          </a:lstStyle>
+          <a:p>
+            <a:pPr lvl="0"/>
+            <a:r>
+              <a:rPr lang="en-US" smtClean="0"/>
+              <a:t>Edit Master text styles</a:t>
+            </a:r>
+          </a:p>
+        </p:txBody>
+      </p:sp>
+      <p:sp>
+        <p:nvSpPr>
+          <p:cNvPr id="4" name="Date Placeholder 3"/>
+          <p:cNvSpPr>
+            <a:spLocks noGrp="1"/>
+          </p:cNvSpPr>
+          <p:nvPr>
+            <p:ph type="dt" sz="half" idx="10"/>
+          </p:nvPr>
+        </p:nvSpPr>
+        <p:spPr/>
+        <p:txBody>
+          <a:bodyPr/>
+          <a:lstStyle/>
+          <a:p>
+            <a:fld id="{B6678536-6967-4B9F-9DEF-2A17C5001E54}" type="datetimeFigureOut">
+              <a:rPr lang="en-US" smtClean="0"/>
+              <a:t>4/24/2017</a:t>
+            </a:fld>
+            <a:endParaRPr lang="en-US"/>
+          </a:p>
+        </p:txBody>
+      </p:sp>
+      <p:sp>
+        <p:nvSpPr>
+          <p:cNvPr id="5" name="Footer Placeholder 4"/>
+          <p:cNvSpPr>
+            <a:spLocks noGrp="1"/>
+          </p:cNvSpPr>
+          <p:nvPr>
+            <p:ph type="ftr" sz="quarter" idx="11"/>
+          </p:nvPr>
+        </p:nvSpPr>
+        <p:spPr/>
+        <p:txBody>
+          <a:bodyPr/>
+          <a:lstStyle/>
+          <a:p>
+            <a:endParaRPr lang="en-US"/>
+          </a:p>
+        </p:txBody>
+      </p:sp>
+      <p:sp>
+        <p:nvSpPr>
+          <p:cNvPr id="6" name="Slide Number Placeholder 5"/>
+          <p:cNvSpPr>
+            <a:spLocks noGrp="1"/>
+          </p:cNvSpPr>
+          <p:nvPr>
+            <p:ph type="sldNum" sz="quarter" idx="12"/>
+          </p:nvPr>
+        </p:nvSpPr>
+        <p:spPr/>
+        <p:txBody>
+          <a:bodyPr/>
+          <a:lstStyle/>
+          <a:p>
+            <a:fld id="{8CB634FF-BD91-4DDF-9C40-5BB9F036FCC7}" type="slidenum">
+              <a:rPr lang="en-US" smtClean="0"/>
+              <a:t>‹#›</a:t>
+            </a:fld>
+            <a:endParaRPr lang="en-US"/>
+          </a:p>
+        </p:txBody>
+      </p:sp>
+    </p:spTree>
+    <p:extLst>
+      <p:ext uri="{BB962C8B-B14F-4D97-AF65-F5344CB8AC3E}">
+        <p14:creationId xmlns:p14="http://schemas.microsoft.com/office/powerpoint/2010/main" val="3536053196"/>
+      </p:ext>
+    </p:extLst>
+  </p:cSld>
+  <p:clrMapOvr>
+    <a:masterClrMapping/>
+  </p:clrMapOvr>
+</p:sldLayout>
+</file>
+
+<file path=ppt/slideLayouts/slideLayout12.xml><?xml version="1.0" encoding="utf-8"?>
+<p:sldLayout xmlns:a="http://schemas.openxmlformats.org/drawingml/2006/main" xmlns:r="http://schemas.openxmlformats.org/officeDocument/2006/relationships" xmlns:p="http://schemas.openxmlformats.org/presentationml/2006/main" preserve="1">
+  <p:cSld name="Quote with Caption">
+    <p:spTree>
+      <p:nvGrpSpPr>
+        <p:cNvPr id="1" name=""/>
+        <p:cNvGrpSpPr/>
+        <p:nvPr/>
+      </p:nvGrpSpPr>
+      <p:grpSpPr>
+        <a:xfrm>
+          <a:off x="0" y="0"/>
+          <a:ext cx="0" cy="0"/>
+          <a:chOff x="0" y="0"/>
+          <a:chExt cx="0" cy="0"/>
+        </a:xfrm>
+      </p:grpSpPr>
+      <p:sp>
+        <p:nvSpPr>
+          <p:cNvPr id="2" name="Title 1"/>
+          <p:cNvSpPr>
+            <a:spLocks noGrp="1"/>
+          </p:cNvSpPr>
+          <p:nvPr>
+            <p:ph type="title"/>
+          </p:nvPr>
+        </p:nvSpPr>
+        <p:spPr>
+          <a:xfrm>
+            <a:off x="1574801" y="1447800"/>
+            <a:ext cx="7999315" cy="2323374"/>
+          </a:xfrm>
+        </p:spPr>
+        <p:txBody>
+          <a:bodyPr/>
+          <a:lstStyle>
+            <a:lvl1pPr>
+              <a:defRPr sz="4800"/>
+            </a:lvl1pPr>
+          </a:lstStyle>
+          <a:p>
+            <a:r>
+              <a:rPr lang="en-US" smtClean="0"/>
+              <a:t>Click to edit Master title style</a:t>
+            </a:r>
+            <a:endParaRPr lang="en-US" dirty="0"/>
+          </a:p>
+        </p:txBody>
+      </p:sp>
+      <p:sp>
+        <p:nvSpPr>
+          <p:cNvPr id="11" name="Text Placeholder 3"/>
+          <p:cNvSpPr>
+            <a:spLocks noGrp="1"/>
+          </p:cNvSpPr>
+          <p:nvPr>
+            <p:ph type="body" sz="half" idx="14"/>
+          </p:nvPr>
+        </p:nvSpPr>
+        <p:spPr>
+          <a:xfrm>
+            <a:off x="1930400" y="3771174"/>
+            <a:ext cx="7279649" cy="342174"/>
+          </a:xfrm>
+        </p:spPr>
+        <p:txBody>
+          <a:bodyPr vert="horz" lIns="91440" tIns="45720" rIns="91440" bIns="45720" rtlCol="0" anchor="t">
+            <a:normAutofit/>
+          </a:bodyPr>
+          <a:lstStyle>
+            <a:lvl1pPr marL="0" indent="0">
+              <a:buNone/>
+              <a:defRPr lang="en-US" sz="1400" b="0" i="0" kern="1200" cap="small" dirty="0">
+                <a:solidFill>
+                  <a:schemeClr val="bg2">
+                    <a:lumMod val="40000"/>
+                    <a:lumOff val="60000"/>
+                  </a:schemeClr>
+                </a:solidFill>
+                <a:latin typeface="+mj-lt"/>
+                <a:ea typeface="+mj-ea"/>
+                <a:cs typeface="+mj-cs"/>
+              </a:defRPr>
+            </a:lvl1pPr>
+            <a:lvl2pPr marL="457200" indent="0">
+              <a:buNone/>
+              <a:defRPr sz="1200"/>
+            </a:lvl2pPr>
+            <a:lvl3pPr marL="914400" indent="0">
+              <a:buNone/>
+              <a:defRPr sz="1000"/>
+            </a:lvl3pPr>
+            <a:lvl4pPr marL="1371600" indent="0">
+              <a:buNone/>
+              <a:defRPr sz="900"/>
+            </a:lvl4pPr>
+            <a:lvl5pPr marL="1828800" indent="0">
+              <a:buNone/>
+              <a:defRPr sz="900"/>
+            </a:lvl5pPr>
+            <a:lvl6pPr marL="2286000" indent="0">
+              <a:buNone/>
+              <a:defRPr sz="900"/>
+            </a:lvl6pPr>
+            <a:lvl7pPr marL="2743200" indent="0">
+              <a:buNone/>
+              <a:defRPr sz="900"/>
+            </a:lvl7pPr>
+            <a:lvl8pPr marL="3200400" indent="0">
+              <a:buNone/>
+              <a:defRPr sz="900"/>
+            </a:lvl8pPr>
+            <a:lvl9pPr marL="3657600" indent="0">
+              <a:buNone/>
+              <a:defRPr sz="900"/>
+            </a:lvl9pPr>
+          </a:lstStyle>
+          <a:p>
+            <a:pPr marL="0" lvl="0" indent="0">
+              <a:buNone/>
+            </a:pPr>
+            <a:r>
+              <a:rPr lang="en-US" smtClean="0"/>
+              <a:t>Edit Master text styles</a:t>
+            </a:r>
+          </a:p>
+        </p:txBody>
+      </p:sp>
+      <p:sp>
+        <p:nvSpPr>
+          <p:cNvPr id="10" name="Text Placeholder 3"/>
+          <p:cNvSpPr>
+            <a:spLocks noGrp="1"/>
+          </p:cNvSpPr>
+          <p:nvPr>
+            <p:ph type="body" sz="half" idx="2"/>
+          </p:nvPr>
+        </p:nvSpPr>
+        <p:spPr>
+          <a:xfrm>
+            <a:off x="1154954" y="4350657"/>
+            <a:ext cx="8825659" cy="1676400"/>
+          </a:xfrm>
+        </p:spPr>
+        <p:txBody>
+          <a:bodyPr anchor="ctr">
+            <a:normAutofit/>
+          </a:bodyPr>
+          <a:lstStyle>
+            <a:lvl1pPr marL="0" indent="0">
+              <a:buNone/>
+              <a:defRPr sz="1800"/>
+            </a:lvl1pPr>
+            <a:lvl2pPr marL="457200" indent="0">
+              <a:buNone/>
+              <a:defRPr sz="1200"/>
+            </a:lvl2pPr>
+            <a:lvl3pPr marL="914400" indent="0">
+              <a:buNone/>
+              <a:defRPr sz="1000"/>
+            </a:lvl3pPr>
+            <a:lvl4pPr marL="1371600" indent="0">
+              <a:buNone/>
+              <a:defRPr sz="900"/>
+            </a:lvl4pPr>
+            <a:lvl5pPr marL="1828800" indent="0">
+              <a:buNone/>
+              <a:defRPr sz="900"/>
+            </a:lvl5pPr>
+            <a:lvl6pPr marL="2286000" indent="0">
+              <a:buNone/>
+              <a:defRPr sz="900"/>
+            </a:lvl6pPr>
+            <a:lvl7pPr marL="2743200" indent="0">
+              <a:buNone/>
+              <a:defRPr sz="900"/>
+            </a:lvl7pPr>
+            <a:lvl8pPr marL="3200400" indent="0">
+              <a:buNone/>
+              <a:defRPr sz="900"/>
+            </a:lvl8pPr>
+            <a:lvl9pPr marL="3657600" indent="0">
+              <a:buNone/>
+              <a:defRPr sz="900"/>
+            </a:lvl9pPr>
+          </a:lstStyle>
+          <a:p>
+            <a:pPr lvl="0"/>
+            <a:r>
+              <a:rPr lang="en-US" smtClean="0"/>
+              <a:t>Edit Master text styles</a:t>
+            </a:r>
+          </a:p>
+        </p:txBody>
+      </p:sp>
+      <p:sp>
+        <p:nvSpPr>
+          <p:cNvPr id="4" name="Date Placeholder 3"/>
+          <p:cNvSpPr>
+            <a:spLocks noGrp="1"/>
+          </p:cNvSpPr>
+          <p:nvPr>
+            <p:ph type="dt" sz="half" idx="10"/>
+          </p:nvPr>
+        </p:nvSpPr>
+        <p:spPr/>
+        <p:txBody>
+          <a:bodyPr/>
+          <a:lstStyle/>
+          <a:p>
+            <a:fld id="{B6678536-6967-4B9F-9DEF-2A17C5001E54}" type="datetimeFigureOut">
+              <a:rPr lang="en-US" smtClean="0"/>
+              <a:t>4/24/2017</a:t>
+            </a:fld>
+            <a:endParaRPr lang="en-US"/>
+          </a:p>
+        </p:txBody>
+      </p:sp>
+      <p:sp>
+        <p:nvSpPr>
+          <p:cNvPr id="5" name="Footer Placeholder 4"/>
+          <p:cNvSpPr>
+            <a:spLocks noGrp="1"/>
+          </p:cNvSpPr>
+          <p:nvPr>
+            <p:ph type="ftr" sz="quarter" idx="11"/>
+          </p:nvPr>
+        </p:nvSpPr>
+        <p:spPr/>
+        <p:txBody>
+          <a:bodyPr/>
+          <a:lstStyle/>
+          <a:p>
+            <a:endParaRPr lang="en-US"/>
+          </a:p>
+        </p:txBody>
+      </p:sp>
+      <p:sp>
+        <p:nvSpPr>
+          <p:cNvPr id="6" name="Slide Number Placeholder 5"/>
+          <p:cNvSpPr>
+            <a:spLocks noGrp="1"/>
+          </p:cNvSpPr>
+          <p:nvPr>
+            <p:ph type="sldNum" sz="quarter" idx="12"/>
+          </p:nvPr>
+        </p:nvSpPr>
+        <p:spPr/>
+        <p:txBody>
+          <a:bodyPr/>
+          <a:lstStyle/>
+          <a:p>
+            <a:fld id="{8CB634FF-BD91-4DDF-9C40-5BB9F036FCC7}" type="slidenum">
+              <a:rPr lang="en-US" smtClean="0"/>
+              <a:t>‹#›</a:t>
+            </a:fld>
+            <a:endParaRPr lang="en-US"/>
+          </a:p>
+        </p:txBody>
+      </p:sp>
+      <p:sp>
+        <p:nvSpPr>
+          <p:cNvPr id="12" name="TextBox 11"/>
+          <p:cNvSpPr txBox="1"/>
+          <p:nvPr/>
+        </p:nvSpPr>
+        <p:spPr>
+          <a:xfrm>
+            <a:off x="898295" y="971253"/>
+            <a:ext cx="801912" cy="1969770"/>
+          </a:xfrm>
+          <a:prstGeom prst="rect">
+            <a:avLst/>
+          </a:prstGeom>
+          <a:noFill/>
+        </p:spPr>
+        <p:txBody>
+          <a:bodyPr wrap="square" rtlCol="0">
+            <a:spAutoFit/>
+          </a:bodyPr>
+          <a:lstStyle>
+            <a:defPPr>
+              <a:defRPr lang="en-US"/>
+            </a:defPPr>
+            <a:lvl1pPr algn="r">
+              <a:defRPr sz="12200" b="0" i="0">
+                <a:solidFill>
+                  <a:schemeClr val="bg2">
+                    <a:lumMod val="40000"/>
+                    <a:lumOff val="60000"/>
+                  </a:schemeClr>
+                </a:solidFill>
+                <a:latin typeface="Arial"/>
+                <a:ea typeface="+mj-ea"/>
+                <a:cs typeface="+mj-cs"/>
+              </a:defRPr>
+            </a:lvl1pPr>
+          </a:lstStyle>
+          <a:p>
+            <a:pPr lvl="0"/>
+            <a:r>
+              <a:rPr lang="en-US" dirty="0"/>
+              <a:t>“</a:t>
+            </a:r>
+          </a:p>
+        </p:txBody>
+      </p:sp>
+      <p:sp>
+        <p:nvSpPr>
+          <p:cNvPr id="15" name="TextBox 14"/>
+          <p:cNvSpPr txBox="1"/>
+          <p:nvPr/>
+        </p:nvSpPr>
+        <p:spPr>
+          <a:xfrm>
+            <a:off x="9330490" y="2613787"/>
+            <a:ext cx="801912" cy="1969770"/>
+          </a:xfrm>
+          <a:prstGeom prst="rect">
+            <a:avLst/>
+          </a:prstGeom>
+          <a:noFill/>
+        </p:spPr>
+        <p:txBody>
+          <a:bodyPr wrap="square" rtlCol="0">
+            <a:spAutoFit/>
+          </a:bodyPr>
+          <a:lstStyle>
+            <a:defPPr>
+              <a:defRPr lang="en-US"/>
+            </a:defPPr>
+            <a:lvl1pPr algn="r">
+              <a:defRPr sz="12200" b="0" i="0">
+                <a:solidFill>
+                  <a:schemeClr val="bg2">
+                    <a:lumMod val="40000"/>
+                    <a:lumOff val="60000"/>
+                  </a:schemeClr>
+                </a:solidFill>
+                <a:latin typeface="Arial"/>
+                <a:ea typeface="+mj-ea"/>
+                <a:cs typeface="+mj-cs"/>
+              </a:defRPr>
+            </a:lvl1pPr>
+          </a:lstStyle>
+          <a:p>
+            <a:pPr lvl="0"/>
+            <a:r>
+              <a:rPr lang="en-US" dirty="0"/>
+              <a:t>”</a:t>
+            </a:r>
+          </a:p>
+        </p:txBody>
+      </p:sp>
+    </p:spTree>
+    <p:extLst>
+      <p:ext uri="{BB962C8B-B14F-4D97-AF65-F5344CB8AC3E}">
+        <p14:creationId xmlns:p14="http://schemas.microsoft.com/office/powerpoint/2010/main" val="3366963698"/>
+      </p:ext>
+    </p:extLst>
+  </p:cSld>
+  <p:clrMapOvr>
+    <a:masterClrMapping/>
+  </p:clrMapOvr>
+</p:sldLayout>
+</file>
+
+<file path=ppt/slideLayouts/slideLayout13.xml><?xml version="1.0" encoding="utf-8"?>
+<p:sldLayout xmlns:a="http://schemas.openxmlformats.org/drawingml/2006/main" xmlns:r="http://schemas.openxmlformats.org/officeDocument/2006/relationships" xmlns:p="http://schemas.openxmlformats.org/presentationml/2006/main" preserve="1">
+  <p:cSld name="Name Card">
+    <p:spTree>
+      <p:nvGrpSpPr>
+        <p:cNvPr id="1" name=""/>
+        <p:cNvGrpSpPr/>
+        <p:nvPr/>
+      </p:nvGrpSpPr>
+      <p:grpSpPr>
+        <a:xfrm>
+          <a:off x="0" y="0"/>
+          <a:ext cx="0" cy="0"/>
+          <a:chOff x="0" y="0"/>
+          <a:chExt cx="0" cy="0"/>
+        </a:xfrm>
+      </p:grpSpPr>
+      <p:sp>
+        <p:nvSpPr>
+          <p:cNvPr id="2" name="Title 1"/>
+          <p:cNvSpPr>
+            <a:spLocks noGrp="1"/>
+          </p:cNvSpPr>
+          <p:nvPr>
+            <p:ph type="title"/>
+          </p:nvPr>
+        </p:nvSpPr>
+        <p:spPr>
+          <a:xfrm>
+            <a:off x="1154954" y="3124201"/>
+            <a:ext cx="8825660" cy="1653180"/>
+          </a:xfrm>
+        </p:spPr>
+        <p:txBody>
+          <a:bodyPr anchor="b"/>
+          <a:lstStyle>
+            <a:lvl1pPr algn="l">
+              <a:defRPr sz="4000" b="0" cap="none"/>
+            </a:lvl1pPr>
+          </a:lstStyle>
+          <a:p>
+            <a:r>
+              <a:rPr lang="en-US" smtClean="0"/>
+              <a:t>Click to edit Master title style</a:t>
+            </a:r>
+            <a:endParaRPr lang="en-US" dirty="0"/>
+          </a:p>
+        </p:txBody>
+      </p:sp>
+      <p:sp>
+        <p:nvSpPr>
+          <p:cNvPr id="3" name="Text Placeholder 2"/>
+          <p:cNvSpPr>
+            <a:spLocks noGrp="1"/>
+          </p:cNvSpPr>
+          <p:nvPr>
+            <p:ph type="body" idx="1"/>
+          </p:nvPr>
+        </p:nvSpPr>
+        <p:spPr>
+          <a:xfrm>
+            <a:off x="1154954" y="4777381"/>
+            <a:ext cx="8825659" cy="860400"/>
+          </a:xfrm>
+        </p:spPr>
+        <p:txBody>
+          <a:bodyPr anchor="t"/>
+          <a:lstStyle>
+            <a:lvl1pPr marL="0" indent="0" algn="l">
+              <a:buNone/>
+              <a:defRPr sz="2000" cap="none">
+                <a:solidFill>
+                  <a:schemeClr val="bg2">
+                    <a:lumMod val="40000"/>
+                    <a:lumOff val="60000"/>
+                  </a:schemeClr>
+                </a:solidFill>
+              </a:defRPr>
+            </a:lvl1pPr>
+            <a:lvl2pPr marL="457200" indent="0">
+              <a:buNone/>
+              <a:defRPr sz="1800">
+                <a:solidFill>
+                  <a:schemeClr val="tx1">
+                    <a:tint val="75000"/>
+                  </a:schemeClr>
+                </a:solidFill>
+              </a:defRPr>
+            </a:lvl2pPr>
+            <a:lvl3pPr marL="914400" indent="0">
+              <a:buNone/>
+              <a:defRPr sz="1600">
+                <a:solidFill>
+                  <a:schemeClr val="tx1">
+                    <a:tint val="75000"/>
+                  </a:schemeClr>
+                </a:solidFill>
+              </a:defRPr>
+            </a:lvl3pPr>
+            <a:lvl4pPr marL="1371600" indent="0">
+              <a:buNone/>
+              <a:defRPr sz="1400">
+                <a:solidFill>
+                  <a:schemeClr val="tx1">
+                    <a:tint val="75000"/>
+                  </a:schemeClr>
+                </a:solidFill>
+              </a:defRPr>
+            </a:lvl4pPr>
+            <a:lvl5pPr marL="1828800" indent="0">
+              <a:buNone/>
+              <a:defRPr sz="1400">
+                <a:solidFill>
+                  <a:schemeClr val="tx1">
+                    <a:tint val="75000"/>
+                  </a:schemeClr>
+                </a:solidFill>
+              </a:defRPr>
+            </a:lvl5pPr>
+            <a:lvl6pPr marL="2286000" indent="0">
+              <a:buNone/>
+              <a:defRPr sz="1400">
+                <a:solidFill>
+                  <a:schemeClr val="tx1">
+                    <a:tint val="75000"/>
+                  </a:schemeClr>
+                </a:solidFill>
+              </a:defRPr>
+            </a:lvl6pPr>
+            <a:lvl7pPr marL="2743200" indent="0">
+              <a:buNone/>
+              <a:defRPr sz="1400">
+                <a:solidFill>
+                  <a:schemeClr val="tx1">
+                    <a:tint val="75000"/>
+                  </a:schemeClr>
+                </a:solidFill>
+              </a:defRPr>
+            </a:lvl7pPr>
+            <a:lvl8pPr marL="3200400" indent="0">
+              <a:buNone/>
+              <a:defRPr sz="1400">
+                <a:solidFill>
+                  <a:schemeClr val="tx1">
+                    <a:tint val="75000"/>
+                  </a:schemeClr>
+                </a:solidFill>
+              </a:defRPr>
+            </a:lvl8pPr>
+            <a:lvl9pPr marL="3657600" indent="0">
+              <a:buNone/>
+              <a:defRPr sz="1400">
+                <a:solidFill>
+                  <a:schemeClr val="tx1">
+                    <a:tint val="75000"/>
+                  </a:schemeClr>
+                </a:solidFill>
+              </a:defRPr>
+            </a:lvl9pPr>
+          </a:lstStyle>
+          <a:p>
+            <a:pPr lvl="0"/>
+            <a:r>
+              <a:rPr lang="en-US" smtClean="0"/>
+              <a:t>Edit Master text styles</a:t>
+            </a:r>
+          </a:p>
+        </p:txBody>
+      </p:sp>
+      <p:sp>
+        <p:nvSpPr>
+          <p:cNvPr id="4" name="Date Placeholder 3"/>
+          <p:cNvSpPr>
+            <a:spLocks noGrp="1"/>
+          </p:cNvSpPr>
+          <p:nvPr>
+            <p:ph type="dt" sz="half" idx="10"/>
+          </p:nvPr>
+        </p:nvSpPr>
+        <p:spPr/>
+        <p:txBody>
+          <a:bodyPr/>
+          <a:lstStyle/>
+          <a:p>
+            <a:fld id="{B6678536-6967-4B9F-9DEF-2A17C5001E54}" type="datetimeFigureOut">
+              <a:rPr lang="en-US" smtClean="0"/>
+              <a:t>4/24/2017</a:t>
+            </a:fld>
+            <a:endParaRPr lang="en-US"/>
+          </a:p>
+        </p:txBody>
+      </p:sp>
+      <p:sp>
+        <p:nvSpPr>
+          <p:cNvPr id="5" name="Footer Placeholder 4"/>
+          <p:cNvSpPr>
+            <a:spLocks noGrp="1"/>
+          </p:cNvSpPr>
+          <p:nvPr>
+            <p:ph type="ftr" sz="quarter" idx="11"/>
+          </p:nvPr>
+        </p:nvSpPr>
+        <p:spPr/>
+        <p:txBody>
+          <a:bodyPr/>
+          <a:lstStyle/>
+          <a:p>
+            <a:endParaRPr lang="en-US"/>
+          </a:p>
+        </p:txBody>
+      </p:sp>
+      <p:sp>
+        <p:nvSpPr>
+          <p:cNvPr id="6" name="Slide Number Placeholder 5"/>
+          <p:cNvSpPr>
+            <a:spLocks noGrp="1"/>
+          </p:cNvSpPr>
+          <p:nvPr>
+            <p:ph type="sldNum" sz="quarter" idx="12"/>
+          </p:nvPr>
+        </p:nvSpPr>
+        <p:spPr/>
+        <p:txBody>
+          <a:bodyPr/>
+          <a:lstStyle/>
+          <a:p>
+            <a:fld id="{8CB634FF-BD91-4DDF-9C40-5BB9F036FCC7}" type="slidenum">
+              <a:rPr lang="en-US" smtClean="0"/>
+              <a:t>‹#›</a:t>
+            </a:fld>
+            <a:endParaRPr lang="en-US"/>
+          </a:p>
+        </p:txBody>
+      </p:sp>
+    </p:spTree>
+    <p:extLst>
+      <p:ext uri="{BB962C8B-B14F-4D97-AF65-F5344CB8AC3E}">
+        <p14:creationId xmlns:p14="http://schemas.microsoft.com/office/powerpoint/2010/main" val="824588884"/>
+      </p:ext>
+    </p:extLst>
+  </p:cSld>
+  <p:clrMapOvr>
+    <a:masterClrMapping/>
+  </p:clrMapOvr>
+</p:sldLayout>
+</file>
+
+<file path=ppt/slideLayouts/slideLayout14.xml><?xml version="1.0" encoding="utf-8"?>
+<p:sldLayout xmlns:a="http://schemas.openxmlformats.org/drawingml/2006/main" xmlns:r="http://schemas.openxmlformats.org/officeDocument/2006/relationships" xmlns:p="http://schemas.openxmlformats.org/presentationml/2006/main" preserve="1">
+  <p:cSld name="3 Column">
+    <p:spTree>
+      <p:nvGrpSpPr>
+        <p:cNvPr id="1" name=""/>
+        <p:cNvGrpSpPr/>
+        <p:nvPr/>
+      </p:nvGrpSpPr>
+      <p:grpSpPr>
+        <a:xfrm>
+          <a:off x="0" y="0"/>
+          <a:ext cx="0" cy="0"/>
+          <a:chOff x="0" y="0"/>
+          <a:chExt cx="0" cy="0"/>
+        </a:xfrm>
+      </p:grpSpPr>
+      <p:sp>
+        <p:nvSpPr>
+          <p:cNvPr id="2" name="Title 1"/>
+          <p:cNvSpPr>
+            <a:spLocks noGrp="1"/>
+          </p:cNvSpPr>
+          <p:nvPr>
+            <p:ph type="title"/>
+          </p:nvPr>
+        </p:nvSpPr>
+        <p:spPr/>
+        <p:txBody>
+          <a:bodyPr/>
+          <a:lstStyle>
+            <a:lvl1pPr>
+              <a:defRPr sz="4200"/>
+            </a:lvl1pPr>
+          </a:lstStyle>
+          <a:p>
+            <a:r>
+              <a:rPr lang="en-US" smtClean="0"/>
+              <a:t>Click to edit Master title style</a:t>
+            </a:r>
+            <a:endParaRPr lang="en-US" dirty="0"/>
+          </a:p>
+        </p:txBody>
+      </p:sp>
+      <p:sp>
+        <p:nvSpPr>
+          <p:cNvPr id="3" name="Text Placeholder 2"/>
+          <p:cNvSpPr>
+            <a:spLocks noGrp="1"/>
+          </p:cNvSpPr>
+          <p:nvPr>
+            <p:ph type="body" idx="1"/>
+          </p:nvPr>
+        </p:nvSpPr>
+        <p:spPr>
+          <a:xfrm>
+            <a:off x="632947" y="1981200"/>
+            <a:ext cx="2946866" cy="576262"/>
+          </a:xfrm>
+        </p:spPr>
+        <p:txBody>
+          <a:bodyPr anchor="b">
+            <a:noAutofit/>
+          </a:bodyPr>
+          <a:lstStyle>
+            <a:lvl1pPr marL="0" indent="0">
+              <a:buNone/>
+              <a:defRPr sz="2400" b="0">
+                <a:solidFill>
+                  <a:schemeClr val="bg2">
+                    <a:lumMod val="40000"/>
+                    <a:lumOff val="60000"/>
+                  </a:schemeClr>
+                </a:solidFill>
+              </a:defRPr>
+            </a:lvl1pPr>
+            <a:lvl2pPr marL="457200" indent="0">
+              <a:buNone/>
+              <a:defRPr sz="2000" b="1"/>
+            </a:lvl2pPr>
+            <a:lvl3pPr marL="914400" indent="0">
+              <a:buNone/>
+              <a:defRPr sz="1800" b="1"/>
+            </a:lvl3pPr>
+            <a:lvl4pPr marL="1371600" indent="0">
+              <a:buNone/>
+              <a:defRPr sz="1600" b="1"/>
+            </a:lvl4pPr>
+            <a:lvl5pPr marL="1828800" indent="0">
+              <a:buNone/>
+              <a:defRPr sz="1600" b="1"/>
+            </a:lvl5pPr>
+            <a:lvl6pPr marL="2286000" indent="0">
+              <a:buNone/>
+              <a:defRPr sz="1600" b="1"/>
+            </a:lvl6pPr>
+            <a:lvl7pPr marL="2743200" indent="0">
+              <a:buNone/>
+              <a:defRPr sz="1600" b="1"/>
+            </a:lvl7pPr>
+            <a:lvl8pPr marL="3200400" indent="0">
+              <a:buNone/>
+              <a:defRPr sz="1600" b="1"/>
+            </a:lvl8pPr>
+            <a:lvl9pPr marL="3657600" indent="0">
+              <a:buNone/>
+              <a:defRPr sz="1600" b="1"/>
+            </a:lvl9pPr>
+          </a:lstStyle>
+          <a:p>
+            <a:pPr lvl="0"/>
+            <a:r>
+              <a:rPr lang="en-US" smtClean="0"/>
+              <a:t>Edit Master text styles</a:t>
+            </a:r>
+          </a:p>
+        </p:txBody>
+      </p:sp>
+      <p:sp>
+        <p:nvSpPr>
+          <p:cNvPr id="16" name="Text Placeholder 3"/>
+          <p:cNvSpPr>
+            <a:spLocks noGrp="1"/>
+          </p:cNvSpPr>
+          <p:nvPr>
+            <p:ph type="body" sz="half" idx="15"/>
+          </p:nvPr>
+        </p:nvSpPr>
+        <p:spPr>
+          <a:xfrm>
+            <a:off x="652463" y="2667000"/>
+            <a:ext cx="2927350" cy="3589338"/>
+          </a:xfrm>
+        </p:spPr>
+        <p:txBody>
+          <a:bodyPr anchor="t">
+            <a:normAutofit/>
+          </a:bodyPr>
+          <a:lstStyle>
+            <a:lvl1pPr marL="0" indent="0">
+              <a:buNone/>
+              <a:defRPr sz="1400"/>
+            </a:lvl1pPr>
+            <a:lvl2pPr marL="457200" indent="0">
+              <a:buNone/>
+              <a:defRPr sz="1200"/>
+            </a:lvl2pPr>
+            <a:lvl3pPr marL="914400" indent="0">
+              <a:buNone/>
+              <a:defRPr sz="1000"/>
+            </a:lvl3pPr>
+            <a:lvl4pPr marL="1371600" indent="0">
+              <a:buNone/>
+              <a:defRPr sz="900"/>
+            </a:lvl4pPr>
+            <a:lvl5pPr marL="1828800" indent="0">
+              <a:buNone/>
+              <a:defRPr sz="900"/>
+            </a:lvl5pPr>
+            <a:lvl6pPr marL="2286000" indent="0">
+              <a:buNone/>
+              <a:defRPr sz="900"/>
+            </a:lvl6pPr>
+            <a:lvl7pPr marL="2743200" indent="0">
+              <a:buNone/>
+              <a:defRPr sz="900"/>
+            </a:lvl7pPr>
+            <a:lvl8pPr marL="3200400" indent="0">
+              <a:buNone/>
+              <a:defRPr sz="900"/>
+            </a:lvl8pPr>
+            <a:lvl9pPr marL="3657600" indent="0">
+              <a:buNone/>
+              <a:defRPr sz="900"/>
+            </a:lvl9pPr>
+          </a:lstStyle>
+          <a:p>
+            <a:pPr lvl="0"/>
+            <a:r>
+              <a:rPr lang="en-US" smtClean="0"/>
+              <a:t>Edit Master text styles</a:t>
+            </a:r>
+          </a:p>
+        </p:txBody>
+      </p:sp>
+      <p:sp>
+        <p:nvSpPr>
+          <p:cNvPr id="5" name="Text Placeholder 4"/>
+          <p:cNvSpPr>
+            <a:spLocks noGrp="1"/>
+          </p:cNvSpPr>
+          <p:nvPr>
+            <p:ph type="body" sz="quarter" idx="3"/>
+          </p:nvPr>
+        </p:nvSpPr>
+        <p:spPr>
+          <a:xfrm>
+            <a:off x="3883659" y="1981200"/>
+            <a:ext cx="2936241" cy="576262"/>
+          </a:xfrm>
+        </p:spPr>
+        <p:txBody>
+          <a:bodyPr anchor="b">
+            <a:noAutofit/>
+          </a:bodyPr>
+          <a:lstStyle>
+            <a:lvl1pPr marL="0" indent="0">
+              <a:buNone/>
+              <a:defRPr sz="2400" b="0">
+                <a:solidFill>
+                  <a:schemeClr val="bg2">
+                    <a:lumMod val="40000"/>
+                    <a:lumOff val="60000"/>
+                  </a:schemeClr>
+                </a:solidFill>
+              </a:defRPr>
+            </a:lvl1pPr>
+            <a:lvl2pPr marL="457200" indent="0">
+              <a:buNone/>
+              <a:defRPr sz="2000" b="1"/>
+            </a:lvl2pPr>
+            <a:lvl3pPr marL="914400" indent="0">
+              <a:buNone/>
+              <a:defRPr sz="1800" b="1"/>
+            </a:lvl3pPr>
+            <a:lvl4pPr marL="1371600" indent="0">
+              <a:buNone/>
+              <a:defRPr sz="1600" b="1"/>
+            </a:lvl4pPr>
+            <a:lvl5pPr marL="1828800" indent="0">
+              <a:buNone/>
+              <a:defRPr sz="1600" b="1"/>
+            </a:lvl5pPr>
+            <a:lvl6pPr marL="2286000" indent="0">
+              <a:buNone/>
+              <a:defRPr sz="1600" b="1"/>
+            </a:lvl6pPr>
+            <a:lvl7pPr marL="2743200" indent="0">
+              <a:buNone/>
+              <a:defRPr sz="1600" b="1"/>
+            </a:lvl7pPr>
+            <a:lvl8pPr marL="3200400" indent="0">
+              <a:buNone/>
+              <a:defRPr sz="1600" b="1"/>
+            </a:lvl8pPr>
+            <a:lvl9pPr marL="3657600" indent="0">
+              <a:buNone/>
+              <a:defRPr sz="1600" b="1"/>
+            </a:lvl9pPr>
+          </a:lstStyle>
+          <a:p>
+            <a:pPr lvl="0"/>
+            <a:r>
+              <a:rPr lang="en-US" smtClean="0"/>
+              <a:t>Edit Master text styles</a:t>
+            </a:r>
+          </a:p>
+        </p:txBody>
+      </p:sp>
+      <p:sp>
+        <p:nvSpPr>
+          <p:cNvPr id="19" name="Text Placeholder 3"/>
+          <p:cNvSpPr>
+            <a:spLocks noGrp="1"/>
+          </p:cNvSpPr>
+          <p:nvPr>
+            <p:ph type="body" sz="half" idx="16"/>
+          </p:nvPr>
+        </p:nvSpPr>
+        <p:spPr>
+          <a:xfrm>
+            <a:off x="3873106" y="2667000"/>
+            <a:ext cx="2946794" cy="3589338"/>
+          </a:xfrm>
+        </p:spPr>
+        <p:txBody>
+          <a:bodyPr anchor="t">
+            <a:normAutofit/>
+          </a:bodyPr>
+          <a:lstStyle>
+            <a:lvl1pPr marL="0" indent="0">
+              <a:buNone/>
+              <a:defRPr sz="1400"/>
+            </a:lvl1pPr>
+            <a:lvl2pPr marL="457200" indent="0">
+              <a:buNone/>
+              <a:defRPr sz="1200"/>
+            </a:lvl2pPr>
+            <a:lvl3pPr marL="914400" indent="0">
+              <a:buNone/>
+              <a:defRPr sz="1000"/>
+            </a:lvl3pPr>
+            <a:lvl4pPr marL="1371600" indent="0">
+              <a:buNone/>
+              <a:defRPr sz="900"/>
+            </a:lvl4pPr>
+            <a:lvl5pPr marL="1828800" indent="0">
+              <a:buNone/>
+              <a:defRPr sz="900"/>
+            </a:lvl5pPr>
+            <a:lvl6pPr marL="2286000" indent="0">
+              <a:buNone/>
+              <a:defRPr sz="900"/>
+            </a:lvl6pPr>
+            <a:lvl7pPr marL="2743200" indent="0">
+              <a:buNone/>
+              <a:defRPr sz="900"/>
+            </a:lvl7pPr>
+            <a:lvl8pPr marL="3200400" indent="0">
+              <a:buNone/>
+              <a:defRPr sz="900"/>
+            </a:lvl8pPr>
+            <a:lvl9pPr marL="3657600" indent="0">
+              <a:buNone/>
+              <a:defRPr sz="900"/>
+            </a:lvl9pPr>
+          </a:lstStyle>
+          <a:p>
+            <a:pPr lvl="0"/>
+            <a:r>
+              <a:rPr lang="en-US" smtClean="0"/>
+              <a:t>Edit Master text styles</a:t>
+            </a:r>
+          </a:p>
+        </p:txBody>
+      </p:sp>
+      <p:sp>
+        <p:nvSpPr>
+          <p:cNvPr id="14" name="Text Placeholder 4"/>
+          <p:cNvSpPr>
+            <a:spLocks noGrp="1"/>
+          </p:cNvSpPr>
+          <p:nvPr>
+            <p:ph type="body" sz="quarter" idx="13"/>
+          </p:nvPr>
+        </p:nvSpPr>
+        <p:spPr>
+          <a:xfrm>
+            <a:off x="7124700" y="1981200"/>
+            <a:ext cx="2932113" cy="576262"/>
+          </a:xfrm>
+        </p:spPr>
+        <p:txBody>
+          <a:bodyPr anchor="b">
+            <a:noAutofit/>
+          </a:bodyPr>
+          <a:lstStyle>
+            <a:lvl1pPr marL="0" indent="0">
+              <a:buNone/>
+              <a:defRPr sz="2400" b="0">
+                <a:solidFill>
+                  <a:schemeClr val="bg2">
+                    <a:lumMod val="40000"/>
+                    <a:lumOff val="60000"/>
+                  </a:schemeClr>
+                </a:solidFill>
+              </a:defRPr>
+            </a:lvl1pPr>
+            <a:lvl2pPr marL="457200" indent="0">
+              <a:buNone/>
+              <a:defRPr sz="2000" b="1"/>
+            </a:lvl2pPr>
+            <a:lvl3pPr marL="914400" indent="0">
+              <a:buNone/>
+              <a:defRPr sz="1800" b="1"/>
+            </a:lvl3pPr>
+            <a:lvl4pPr marL="1371600" indent="0">
+              <a:buNone/>
+              <a:defRPr sz="1600" b="1"/>
+            </a:lvl4pPr>
+            <a:lvl5pPr marL="1828800" indent="0">
+              <a:buNone/>
+              <a:defRPr sz="1600" b="1"/>
+            </a:lvl5pPr>
+            <a:lvl6pPr marL="2286000" indent="0">
+              <a:buNone/>
+              <a:defRPr sz="1600" b="1"/>
+            </a:lvl6pPr>
+            <a:lvl7pPr marL="2743200" indent="0">
+              <a:buNone/>
+              <a:defRPr sz="1600" b="1"/>
+            </a:lvl7pPr>
+            <a:lvl8pPr marL="3200400" indent="0">
+              <a:buNone/>
+              <a:defRPr sz="1600" b="1"/>
+            </a:lvl8pPr>
+            <a:lvl9pPr marL="3657600" indent="0">
+              <a:buNone/>
+              <a:defRPr sz="1600" b="1"/>
+            </a:lvl9pPr>
+          </a:lstStyle>
+          <a:p>
+            <a:pPr lvl="0"/>
+            <a:r>
+              <a:rPr lang="en-US" smtClean="0"/>
+              <a:t>Edit Master text styles</a:t>
+            </a:r>
+          </a:p>
+        </p:txBody>
+      </p:sp>
+      <p:sp>
+        <p:nvSpPr>
+          <p:cNvPr id="20" name="Text Placeholder 3"/>
+          <p:cNvSpPr>
+            <a:spLocks noGrp="1"/>
+          </p:cNvSpPr>
+          <p:nvPr>
+            <p:ph type="body" sz="half" idx="17"/>
+          </p:nvPr>
+        </p:nvSpPr>
+        <p:spPr>
+          <a:xfrm>
+            <a:off x="7124700" y="2667000"/>
+            <a:ext cx="2932113" cy="3589338"/>
+          </a:xfrm>
+        </p:spPr>
+        <p:txBody>
+          <a:bodyPr anchor="t">
+            <a:normAutofit/>
+          </a:bodyPr>
+          <a:lstStyle>
+            <a:lvl1pPr marL="0" indent="0">
+              <a:buNone/>
+              <a:defRPr sz="1400"/>
+            </a:lvl1pPr>
+            <a:lvl2pPr marL="457200" indent="0">
+              <a:buNone/>
+              <a:defRPr sz="1200"/>
+            </a:lvl2pPr>
+            <a:lvl3pPr marL="914400" indent="0">
+              <a:buNone/>
+              <a:defRPr sz="1000"/>
+            </a:lvl3pPr>
+            <a:lvl4pPr marL="1371600" indent="0">
+              <a:buNone/>
+              <a:defRPr sz="900"/>
+            </a:lvl4pPr>
+            <a:lvl5pPr marL="1828800" indent="0">
+              <a:buNone/>
+              <a:defRPr sz="900"/>
+            </a:lvl5pPr>
+            <a:lvl6pPr marL="2286000" indent="0">
+              <a:buNone/>
+              <a:defRPr sz="900"/>
+            </a:lvl6pPr>
+            <a:lvl7pPr marL="2743200" indent="0">
+              <a:buNone/>
+              <a:defRPr sz="900"/>
+            </a:lvl7pPr>
+            <a:lvl8pPr marL="3200400" indent="0">
+              <a:buNone/>
+              <a:defRPr sz="900"/>
+            </a:lvl8pPr>
+            <a:lvl9pPr marL="3657600" indent="0">
+              <a:buNone/>
+              <a:defRPr sz="900"/>
+            </a:lvl9pPr>
+          </a:lstStyle>
+          <a:p>
+            <a:pPr lvl="0"/>
+            <a:r>
+              <a:rPr lang="en-US" smtClean="0"/>
+              <a:t>Edit Master text styles</a:t>
+            </a:r>
+          </a:p>
+        </p:txBody>
+      </p:sp>
+      <p:cxnSp>
+        <p:nvCxnSpPr>
+          <p:cNvPr id="17" name="Straight Connector 16"/>
+          <p:cNvCxnSpPr/>
+          <p:nvPr/>
+        </p:nvCxnSpPr>
+        <p:spPr>
+          <a:xfrm>
+            <a:off x="3726142" y="2133600"/>
+            <a:ext cx="0" cy="3962400"/>
+          </a:xfrm>
+          <a:prstGeom prst="line">
+            <a:avLst/>
+          </a:prstGeom>
+          <a:ln w="12700" cmpd="sng">
+            <a:solidFill>
+              <a:schemeClr val="bg2">
+                <a:lumMod val="40000"/>
+                <a:lumOff val="60000"/>
+                <a:alpha val="40000"/>
+              </a:schemeClr>
+            </a:solidFill>
+          </a:ln>
+        </p:spPr>
+        <p:style>
+          <a:lnRef idx="2">
+            <a:schemeClr val="accent1"/>
+          </a:lnRef>
+          <a:fillRef idx="0">
+            <a:schemeClr val="accent1"/>
+          </a:fillRef>
+          <a:effectRef idx="1">
+            <a:schemeClr val="accent1"/>
+          </a:effectRef>
+          <a:fontRef idx="minor">
+            <a:schemeClr val="tx1"/>
+          </a:fontRef>
+        </p:style>
+      </p:cxnSp>
+      <p:cxnSp>
+        <p:nvCxnSpPr>
+          <p:cNvPr id="18" name="Straight Connector 17"/>
+          <p:cNvCxnSpPr/>
+          <p:nvPr/>
+        </p:nvCxnSpPr>
+        <p:spPr>
+          <a:xfrm>
+            <a:off x="6962227" y="2133600"/>
+            <a:ext cx="0" cy="3966882"/>
+          </a:xfrm>
+          <a:prstGeom prst="line">
+            <a:avLst/>
+          </a:prstGeom>
+          <a:ln w="12700" cmpd="sng">
+            <a:solidFill>
+              <a:schemeClr val="bg2">
+                <a:lumMod val="40000"/>
+                <a:lumOff val="60000"/>
+                <a:alpha val="40000"/>
+              </a:schemeClr>
+            </a:solidFill>
+          </a:ln>
+        </p:spPr>
+        <p:style>
+          <a:lnRef idx="2">
+            <a:schemeClr val="accent1"/>
+          </a:lnRef>
+          <a:fillRef idx="0">
+            <a:schemeClr val="accent1"/>
+          </a:fillRef>
+          <a:effectRef idx="1">
+            <a:schemeClr val="accent1"/>
+          </a:effectRef>
+          <a:fontRef idx="minor">
+            <a:schemeClr val="tx1"/>
+          </a:fontRef>
+        </p:style>
+      </p:cxnSp>
+      <p:sp>
+        <p:nvSpPr>
+          <p:cNvPr id="7" name="Date Placeholder 3"/>
+          <p:cNvSpPr>
+            <a:spLocks noGrp="1"/>
+          </p:cNvSpPr>
+          <p:nvPr>
+            <p:ph type="dt" sz="half" idx="10"/>
+          </p:nvPr>
+        </p:nvSpPr>
+        <p:spPr/>
+        <p:txBody>
+          <a:bodyPr/>
+          <a:lstStyle/>
+          <a:p>
+            <a:fld id="{B6678536-6967-4B9F-9DEF-2A17C5001E54}" type="datetimeFigureOut">
+              <a:rPr lang="en-US" smtClean="0"/>
+              <a:t>4/24/2017</a:t>
+            </a:fld>
+            <a:endParaRPr lang="en-US"/>
+          </a:p>
+        </p:txBody>
+      </p:sp>
+      <p:sp>
+        <p:nvSpPr>
+          <p:cNvPr id="4" name="Footer Placeholder 4"/>
+          <p:cNvSpPr>
+            <a:spLocks noGrp="1"/>
+          </p:cNvSpPr>
+          <p:nvPr>
+            <p:ph type="ftr" sz="quarter" idx="11"/>
+          </p:nvPr>
+        </p:nvSpPr>
+        <p:spPr/>
+        <p:txBody>
+          <a:bodyPr/>
+          <a:lstStyle/>
+          <a:p>
+            <a:endParaRPr lang="en-US"/>
+          </a:p>
+        </p:txBody>
+      </p:sp>
+      <p:sp>
+        <p:nvSpPr>
+          <p:cNvPr id="6" name="Slide Number Placeholder 5"/>
+          <p:cNvSpPr>
+            <a:spLocks noGrp="1"/>
+          </p:cNvSpPr>
+          <p:nvPr>
+            <p:ph type="sldNum" sz="quarter" idx="12"/>
+          </p:nvPr>
+        </p:nvSpPr>
+        <p:spPr/>
+        <p:txBody>
+          <a:bodyPr/>
+          <a:lstStyle/>
+          <a:p>
+            <a:fld id="{8CB634FF-BD91-4DDF-9C40-5BB9F036FCC7}" type="slidenum">
+              <a:rPr lang="en-US" smtClean="0"/>
+              <a:t>‹#›</a:t>
+            </a:fld>
+            <a:endParaRPr lang="en-US"/>
+          </a:p>
+        </p:txBody>
+      </p:sp>
+    </p:spTree>
+    <p:extLst>
+      <p:ext uri="{BB962C8B-B14F-4D97-AF65-F5344CB8AC3E}">
+        <p14:creationId xmlns:p14="http://schemas.microsoft.com/office/powerpoint/2010/main" val="3719389496"/>
+      </p:ext>
+    </p:extLst>
+  </p:cSld>
+  <p:clrMapOvr>
+    <a:masterClrMapping/>
+  </p:clrMapOvr>
+</p:sldLayout>
+</file>
+
+<file path=ppt/slideLayouts/slideLayout15.xml><?xml version="1.0" encoding="utf-8"?>
+<p:sldLayout xmlns:a="http://schemas.openxmlformats.org/drawingml/2006/main" xmlns:r="http://schemas.openxmlformats.org/officeDocument/2006/relationships" xmlns:p="http://schemas.openxmlformats.org/presentationml/2006/main" preserve="1">
+  <p:cSld name="3 Picture Column">
+    <p:spTree>
+      <p:nvGrpSpPr>
+        <p:cNvPr id="1" name=""/>
+        <p:cNvGrpSpPr/>
+        <p:nvPr/>
+      </p:nvGrpSpPr>
+      <p:grpSpPr>
+        <a:xfrm>
+          <a:off x="0" y="0"/>
+          <a:ext cx="0" cy="0"/>
+          <a:chOff x="0" y="0"/>
+          <a:chExt cx="0" cy="0"/>
+        </a:xfrm>
+      </p:grpSpPr>
+      <p:sp>
+        <p:nvSpPr>
+          <p:cNvPr id="2" name="Title 1"/>
+          <p:cNvSpPr>
+            <a:spLocks noGrp="1"/>
+          </p:cNvSpPr>
+          <p:nvPr>
+            <p:ph type="title"/>
+          </p:nvPr>
+        </p:nvSpPr>
+        <p:spPr/>
+        <p:txBody>
+          <a:bodyPr/>
+          <a:lstStyle>
+            <a:lvl1pPr>
+              <a:defRPr sz="4200"/>
+            </a:lvl1pPr>
+          </a:lstStyle>
+          <a:p>
+            <a:r>
+              <a:rPr lang="en-US" smtClean="0"/>
+              <a:t>Click to edit Master title style</a:t>
+            </a:r>
+            <a:endParaRPr lang="en-US" dirty="0"/>
+          </a:p>
+        </p:txBody>
+      </p:sp>
+      <p:sp>
+        <p:nvSpPr>
+          <p:cNvPr id="3" name="Text Placeholder 2"/>
+          <p:cNvSpPr>
+            <a:spLocks noGrp="1"/>
+          </p:cNvSpPr>
+          <p:nvPr>
+            <p:ph type="body" idx="1"/>
+          </p:nvPr>
+        </p:nvSpPr>
+        <p:spPr>
+          <a:xfrm>
+            <a:off x="652463" y="4250949"/>
+            <a:ext cx="2940050" cy="576262"/>
+          </a:xfrm>
+        </p:spPr>
+        <p:txBody>
+          <a:bodyPr anchor="b">
+            <a:noAutofit/>
+          </a:bodyPr>
+          <a:lstStyle>
+            <a:lvl1pPr marL="0" indent="0">
+              <a:buNone/>
+              <a:defRPr sz="2400" b="0">
+                <a:solidFill>
+                  <a:schemeClr val="bg2">
+                    <a:lumMod val="40000"/>
+                    <a:lumOff val="60000"/>
+                  </a:schemeClr>
+                </a:solidFill>
+              </a:defRPr>
+            </a:lvl1pPr>
+            <a:lvl2pPr marL="457200" indent="0">
+              <a:buNone/>
+              <a:defRPr sz="2000" b="1"/>
+            </a:lvl2pPr>
+            <a:lvl3pPr marL="914400" indent="0">
+              <a:buNone/>
+              <a:defRPr sz="1800" b="1"/>
+            </a:lvl3pPr>
+            <a:lvl4pPr marL="1371600" indent="0">
+              <a:buNone/>
+              <a:defRPr sz="1600" b="1"/>
+            </a:lvl4pPr>
+            <a:lvl5pPr marL="1828800" indent="0">
+              <a:buNone/>
+              <a:defRPr sz="1600" b="1"/>
+            </a:lvl5pPr>
+            <a:lvl6pPr marL="2286000" indent="0">
+              <a:buNone/>
+              <a:defRPr sz="1600" b="1"/>
+            </a:lvl6pPr>
+            <a:lvl7pPr marL="2743200" indent="0">
+              <a:buNone/>
+              <a:defRPr sz="1600" b="1"/>
+            </a:lvl7pPr>
+            <a:lvl8pPr marL="3200400" indent="0">
+              <a:buNone/>
+              <a:defRPr sz="1600" b="1"/>
+            </a:lvl8pPr>
+            <a:lvl9pPr marL="3657600" indent="0">
+              <a:buNone/>
+              <a:defRPr sz="1600" b="1"/>
+            </a:lvl9pPr>
+          </a:lstStyle>
+          <a:p>
+            <a:pPr lvl="0"/>
+            <a:r>
+              <a:rPr lang="en-US" smtClean="0"/>
+              <a:t>Edit Master text styles</a:t>
+            </a:r>
+          </a:p>
+        </p:txBody>
+      </p:sp>
+      <p:sp>
+        <p:nvSpPr>
+          <p:cNvPr id="29" name="Picture Placeholder 2"/>
+          <p:cNvSpPr>
+            <a:spLocks noGrp="1" noChangeAspect="1"/>
+          </p:cNvSpPr>
+          <p:nvPr>
+            <p:ph type="pic" idx="15"/>
+          </p:nvPr>
+        </p:nvSpPr>
+        <p:spPr>
+          <a:xfrm>
+            <a:off x="652463" y="2209800"/>
+            <a:ext cx="2940050" cy="1524000"/>
+          </a:xfrm>
+          <a:prstGeom prst="roundRect">
+            <a:avLst>
+              <a:gd name="adj" fmla="val 1858"/>
+            </a:avLst>
+          </a:prstGeom>
+          <a:effectLst>
+            <a:outerShdw blurRad="50800" dist="50800" dir="5400000" algn="tl" rotWithShape="0">
+              <a:srgbClr val="000000">
+                <a:alpha val="43000"/>
+              </a:srgbClr>
+            </a:outerShdw>
+          </a:effectLst>
+        </p:spPr>
+        <p:txBody>
+          <a:bodyPr anchor="t">
+            <a:normAutofit/>
+          </a:bodyPr>
+          <a:lstStyle>
+            <a:lvl1pPr marL="0" indent="0" algn="ctr">
+              <a:buNone/>
+              <a:defRPr sz="1600"/>
+            </a:lvl1pPr>
+            <a:lvl2pPr marL="457200" indent="0">
+              <a:buNone/>
+              <a:defRPr sz="1600"/>
+            </a:lvl2pPr>
+            <a:lvl3pPr marL="914400" indent="0">
+              <a:buNone/>
+              <a:defRPr sz="1600"/>
+            </a:lvl3pPr>
+            <a:lvl4pPr marL="1371600" indent="0">
+              <a:buNone/>
+              <a:defRPr sz="1600"/>
+            </a:lvl4pPr>
+            <a:lvl5pPr marL="1828800" indent="0">
+              <a:buNone/>
+              <a:defRPr sz="1600"/>
+            </a:lvl5pPr>
+            <a:lvl6pPr marL="2286000" indent="0">
+              <a:buNone/>
+              <a:defRPr sz="1600"/>
+            </a:lvl6pPr>
+            <a:lvl7pPr marL="2743200" indent="0">
+              <a:buNone/>
+              <a:defRPr sz="1600"/>
+            </a:lvl7pPr>
+            <a:lvl8pPr marL="3200400" indent="0">
+              <a:buNone/>
+              <a:defRPr sz="1600"/>
+            </a:lvl8pPr>
+            <a:lvl9pPr marL="3657600" indent="0">
+              <a:buNone/>
+              <a:defRPr sz="1600"/>
+            </a:lvl9pPr>
+          </a:lstStyle>
+          <a:p>
+            <a:r>
+              <a:rPr lang="en-US" smtClean="0"/>
+              <a:t>Click icon to add picture</a:t>
+            </a:r>
+            <a:endParaRPr lang="en-US" dirty="0"/>
+          </a:p>
+        </p:txBody>
+      </p:sp>
+      <p:sp>
+        <p:nvSpPr>
+          <p:cNvPr id="22" name="Text Placeholder 3"/>
+          <p:cNvSpPr>
+            <a:spLocks noGrp="1"/>
+          </p:cNvSpPr>
+          <p:nvPr>
+            <p:ph type="body" sz="half" idx="18"/>
+          </p:nvPr>
+        </p:nvSpPr>
+        <p:spPr>
+          <a:xfrm>
+            <a:off x="652463" y="4827211"/>
+            <a:ext cx="2940050" cy="659189"/>
+          </a:xfrm>
+        </p:spPr>
+        <p:txBody>
+          <a:bodyPr anchor="t">
+            <a:normAutofit/>
+          </a:bodyPr>
+          <a:lstStyle>
+            <a:lvl1pPr marL="0" indent="0">
+              <a:buNone/>
+              <a:defRPr sz="1400"/>
+            </a:lvl1pPr>
+            <a:lvl2pPr marL="457200" indent="0">
+              <a:buNone/>
+              <a:defRPr sz="1200"/>
+            </a:lvl2pPr>
+            <a:lvl3pPr marL="914400" indent="0">
+              <a:buNone/>
+              <a:defRPr sz="1000"/>
+            </a:lvl3pPr>
+            <a:lvl4pPr marL="1371600" indent="0">
+              <a:buNone/>
+              <a:defRPr sz="900"/>
+            </a:lvl4pPr>
+            <a:lvl5pPr marL="1828800" indent="0">
+              <a:buNone/>
+              <a:defRPr sz="900"/>
+            </a:lvl5pPr>
+            <a:lvl6pPr marL="2286000" indent="0">
+              <a:buNone/>
+              <a:defRPr sz="900"/>
+            </a:lvl6pPr>
+            <a:lvl7pPr marL="2743200" indent="0">
+              <a:buNone/>
+              <a:defRPr sz="900"/>
+            </a:lvl7pPr>
+            <a:lvl8pPr marL="3200400" indent="0">
+              <a:buNone/>
+              <a:defRPr sz="900"/>
+            </a:lvl8pPr>
+            <a:lvl9pPr marL="3657600" indent="0">
+              <a:buNone/>
+              <a:defRPr sz="900"/>
+            </a:lvl9pPr>
+          </a:lstStyle>
+          <a:p>
+            <a:pPr lvl="0"/>
+            <a:r>
+              <a:rPr lang="en-US" smtClean="0"/>
+              <a:t>Edit Master text styles</a:t>
+            </a:r>
+          </a:p>
+        </p:txBody>
+      </p:sp>
+      <p:sp>
+        <p:nvSpPr>
+          <p:cNvPr id="5" name="Text Placeholder 4"/>
+          <p:cNvSpPr>
+            <a:spLocks noGrp="1"/>
+          </p:cNvSpPr>
+          <p:nvPr>
+            <p:ph type="body" sz="quarter" idx="3"/>
+          </p:nvPr>
+        </p:nvSpPr>
+        <p:spPr>
+          <a:xfrm>
+            <a:off x="3889375" y="4250949"/>
+            <a:ext cx="2930525" cy="576262"/>
+          </a:xfrm>
+        </p:spPr>
+        <p:txBody>
+          <a:bodyPr anchor="b">
+            <a:noAutofit/>
+          </a:bodyPr>
+          <a:lstStyle>
+            <a:lvl1pPr marL="0" indent="0">
+              <a:buNone/>
+              <a:defRPr sz="2400" b="0">
+                <a:solidFill>
+                  <a:schemeClr val="bg2">
+                    <a:lumMod val="40000"/>
+                    <a:lumOff val="60000"/>
+                  </a:schemeClr>
+                </a:solidFill>
+              </a:defRPr>
+            </a:lvl1pPr>
+            <a:lvl2pPr marL="457200" indent="0">
+              <a:buNone/>
+              <a:defRPr sz="2000" b="1"/>
+            </a:lvl2pPr>
+            <a:lvl3pPr marL="914400" indent="0">
+              <a:buNone/>
+              <a:defRPr sz="1800" b="1"/>
+            </a:lvl3pPr>
+            <a:lvl4pPr marL="1371600" indent="0">
+              <a:buNone/>
+              <a:defRPr sz="1600" b="1"/>
+            </a:lvl4pPr>
+            <a:lvl5pPr marL="1828800" indent="0">
+              <a:buNone/>
+              <a:defRPr sz="1600" b="1"/>
+            </a:lvl5pPr>
+            <a:lvl6pPr marL="2286000" indent="0">
+              <a:buNone/>
+              <a:defRPr sz="1600" b="1"/>
+            </a:lvl6pPr>
+            <a:lvl7pPr marL="2743200" indent="0">
+              <a:buNone/>
+              <a:defRPr sz="1600" b="1"/>
+            </a:lvl7pPr>
+            <a:lvl8pPr marL="3200400" indent="0">
+              <a:buNone/>
+              <a:defRPr sz="1600" b="1"/>
+            </a:lvl8pPr>
+            <a:lvl9pPr marL="3657600" indent="0">
+              <a:buNone/>
+              <a:defRPr sz="1600" b="1"/>
+            </a:lvl9pPr>
+          </a:lstStyle>
+          <a:p>
+            <a:pPr lvl="0"/>
+            <a:r>
+              <a:rPr lang="en-US" smtClean="0"/>
+              <a:t>Edit Master text styles</a:t>
+            </a:r>
+          </a:p>
+        </p:txBody>
+      </p:sp>
+      <p:sp>
+        <p:nvSpPr>
+          <p:cNvPr id="30" name="Picture Placeholder 2"/>
+          <p:cNvSpPr>
+            <a:spLocks noGrp="1" noChangeAspect="1"/>
+          </p:cNvSpPr>
+          <p:nvPr>
+            <p:ph type="pic" idx="21"/>
+          </p:nvPr>
+        </p:nvSpPr>
+        <p:spPr>
+          <a:xfrm>
+            <a:off x="3889374" y="2209800"/>
+            <a:ext cx="2930525" cy="1524000"/>
+          </a:xfrm>
+          <a:prstGeom prst="roundRect">
+            <a:avLst>
+              <a:gd name="adj" fmla="val 1858"/>
+            </a:avLst>
+          </a:prstGeom>
+          <a:effectLst>
+            <a:outerShdw blurRad="50800" dist="50800" dir="5400000" algn="tl" rotWithShape="0">
+              <a:srgbClr val="000000">
+                <a:alpha val="43000"/>
+              </a:srgbClr>
+            </a:outerShdw>
+          </a:effectLst>
+        </p:spPr>
+        <p:txBody>
+          <a:bodyPr anchor="t">
+            <a:normAutofit/>
+          </a:bodyPr>
+          <a:lstStyle>
+            <a:lvl1pPr marL="0" indent="0" algn="ctr">
+              <a:buNone/>
+              <a:defRPr sz="1600"/>
+            </a:lvl1pPr>
+            <a:lvl2pPr marL="457200" indent="0">
+              <a:buNone/>
+              <a:defRPr sz="1600"/>
+            </a:lvl2pPr>
+            <a:lvl3pPr marL="914400" indent="0">
+              <a:buNone/>
+              <a:defRPr sz="1600"/>
+            </a:lvl3pPr>
+            <a:lvl4pPr marL="1371600" indent="0">
+              <a:buNone/>
+              <a:defRPr sz="1600"/>
+            </a:lvl4pPr>
+            <a:lvl5pPr marL="1828800" indent="0">
+              <a:buNone/>
+              <a:defRPr sz="1600"/>
+            </a:lvl5pPr>
+            <a:lvl6pPr marL="2286000" indent="0">
+              <a:buNone/>
+              <a:defRPr sz="1600"/>
+            </a:lvl6pPr>
+            <a:lvl7pPr marL="2743200" indent="0">
+              <a:buNone/>
+              <a:defRPr sz="1600"/>
+            </a:lvl7pPr>
+            <a:lvl8pPr marL="3200400" indent="0">
+              <a:buNone/>
+              <a:defRPr sz="1600"/>
+            </a:lvl8pPr>
+            <a:lvl9pPr marL="3657600" indent="0">
+              <a:buNone/>
+              <a:defRPr sz="1600"/>
+            </a:lvl9pPr>
+          </a:lstStyle>
+          <a:p>
+            <a:r>
+              <a:rPr lang="en-US" smtClean="0"/>
+              <a:t>Click icon to add picture</a:t>
+            </a:r>
+            <a:endParaRPr lang="en-US" dirty="0"/>
+          </a:p>
+        </p:txBody>
+      </p:sp>
+      <p:sp>
+        <p:nvSpPr>
+          <p:cNvPr id="23" name="Text Placeholder 3"/>
+          <p:cNvSpPr>
+            <a:spLocks noGrp="1"/>
+          </p:cNvSpPr>
+          <p:nvPr>
+            <p:ph type="body" sz="half" idx="19"/>
+          </p:nvPr>
+        </p:nvSpPr>
+        <p:spPr>
+          <a:xfrm>
+            <a:off x="3888022" y="4827210"/>
+            <a:ext cx="2934406" cy="659189"/>
+          </a:xfrm>
+        </p:spPr>
+        <p:txBody>
+          <a:bodyPr anchor="t">
+            <a:normAutofit/>
+          </a:bodyPr>
+          <a:lstStyle>
+            <a:lvl1pPr marL="0" indent="0">
+              <a:buNone/>
+              <a:defRPr sz="1400"/>
+            </a:lvl1pPr>
+            <a:lvl2pPr marL="457200" indent="0">
+              <a:buNone/>
+              <a:defRPr sz="1200"/>
+            </a:lvl2pPr>
+            <a:lvl3pPr marL="914400" indent="0">
+              <a:buNone/>
+              <a:defRPr sz="1000"/>
+            </a:lvl3pPr>
+            <a:lvl4pPr marL="1371600" indent="0">
+              <a:buNone/>
+              <a:defRPr sz="900"/>
+            </a:lvl4pPr>
+            <a:lvl5pPr marL="1828800" indent="0">
+              <a:buNone/>
+              <a:defRPr sz="900"/>
+            </a:lvl5pPr>
+            <a:lvl6pPr marL="2286000" indent="0">
+              <a:buNone/>
+              <a:defRPr sz="900"/>
+            </a:lvl6pPr>
+            <a:lvl7pPr marL="2743200" indent="0">
+              <a:buNone/>
+              <a:defRPr sz="900"/>
+            </a:lvl7pPr>
+            <a:lvl8pPr marL="3200400" indent="0">
+              <a:buNone/>
+              <a:defRPr sz="900"/>
+            </a:lvl8pPr>
+            <a:lvl9pPr marL="3657600" indent="0">
+              <a:buNone/>
+              <a:defRPr sz="900"/>
+            </a:lvl9pPr>
+          </a:lstStyle>
+          <a:p>
+            <a:pPr lvl="0"/>
+            <a:r>
+              <a:rPr lang="en-US" smtClean="0"/>
+              <a:t>Edit Master text styles</a:t>
+            </a:r>
+          </a:p>
+        </p:txBody>
+      </p:sp>
+      <p:sp>
+        <p:nvSpPr>
+          <p:cNvPr id="14" name="Text Placeholder 4"/>
+          <p:cNvSpPr>
+            <a:spLocks noGrp="1"/>
+          </p:cNvSpPr>
+          <p:nvPr>
+            <p:ph type="body" sz="quarter" idx="13"/>
+          </p:nvPr>
+        </p:nvSpPr>
+        <p:spPr>
+          <a:xfrm>
+            <a:off x="7124700" y="4250949"/>
+            <a:ext cx="2932113" cy="576262"/>
+          </a:xfrm>
+        </p:spPr>
+        <p:txBody>
+          <a:bodyPr anchor="b">
+            <a:noAutofit/>
+          </a:bodyPr>
+          <a:lstStyle>
+            <a:lvl1pPr marL="0" indent="0">
+              <a:buNone/>
+              <a:defRPr sz="2400" b="0">
+                <a:solidFill>
+                  <a:schemeClr val="bg2">
+                    <a:lumMod val="40000"/>
+                    <a:lumOff val="60000"/>
+                  </a:schemeClr>
+                </a:solidFill>
+              </a:defRPr>
+            </a:lvl1pPr>
+            <a:lvl2pPr marL="457200" indent="0">
+              <a:buNone/>
+              <a:defRPr sz="2000" b="1"/>
+            </a:lvl2pPr>
+            <a:lvl3pPr marL="914400" indent="0">
+              <a:buNone/>
+              <a:defRPr sz="1800" b="1"/>
+            </a:lvl3pPr>
+            <a:lvl4pPr marL="1371600" indent="0">
+              <a:buNone/>
+              <a:defRPr sz="1600" b="1"/>
+            </a:lvl4pPr>
+            <a:lvl5pPr marL="1828800" indent="0">
+              <a:buNone/>
+              <a:defRPr sz="1600" b="1"/>
+            </a:lvl5pPr>
+            <a:lvl6pPr marL="2286000" indent="0">
+              <a:buNone/>
+              <a:defRPr sz="1600" b="1"/>
+            </a:lvl6pPr>
+            <a:lvl7pPr marL="2743200" indent="0">
+              <a:buNone/>
+              <a:defRPr sz="1600" b="1"/>
+            </a:lvl7pPr>
+            <a:lvl8pPr marL="3200400" indent="0">
+              <a:buNone/>
+              <a:defRPr sz="1600" b="1"/>
+            </a:lvl8pPr>
+            <a:lvl9pPr marL="3657600" indent="0">
+              <a:buNone/>
+              <a:defRPr sz="1600" b="1"/>
+            </a:lvl9pPr>
+          </a:lstStyle>
+          <a:p>
+            <a:pPr lvl="0"/>
+            <a:r>
+              <a:rPr lang="en-US" smtClean="0"/>
+              <a:t>Edit Master text styles</a:t>
+            </a:r>
+          </a:p>
+        </p:txBody>
+      </p:sp>
+      <p:sp>
+        <p:nvSpPr>
+          <p:cNvPr id="31" name="Picture Placeholder 2"/>
+          <p:cNvSpPr>
+            <a:spLocks noGrp="1" noChangeAspect="1"/>
+          </p:cNvSpPr>
+          <p:nvPr>
+            <p:ph type="pic" idx="22"/>
+          </p:nvPr>
+        </p:nvSpPr>
+        <p:spPr>
+          <a:xfrm>
+            <a:off x="7124699" y="2209800"/>
+            <a:ext cx="2932113" cy="1524000"/>
+          </a:xfrm>
+          <a:prstGeom prst="roundRect">
+            <a:avLst>
+              <a:gd name="adj" fmla="val 1858"/>
+            </a:avLst>
+          </a:prstGeom>
+          <a:effectLst>
+            <a:outerShdw blurRad="50800" dist="50800" dir="5400000" algn="tl" rotWithShape="0">
+              <a:srgbClr val="000000">
+                <a:alpha val="43000"/>
+              </a:srgbClr>
+            </a:outerShdw>
+          </a:effectLst>
+        </p:spPr>
+        <p:txBody>
+          <a:bodyPr anchor="t">
+            <a:normAutofit/>
+          </a:bodyPr>
+          <a:lstStyle>
+            <a:lvl1pPr marL="0" indent="0" algn="ctr">
+              <a:buNone/>
+              <a:defRPr sz="1600"/>
+            </a:lvl1pPr>
+            <a:lvl2pPr marL="457200" indent="0">
+              <a:buNone/>
+              <a:defRPr sz="1600"/>
+            </a:lvl2pPr>
+            <a:lvl3pPr marL="914400" indent="0">
+              <a:buNone/>
+              <a:defRPr sz="1600"/>
+            </a:lvl3pPr>
+            <a:lvl4pPr marL="1371600" indent="0">
+              <a:buNone/>
+              <a:defRPr sz="1600"/>
+            </a:lvl4pPr>
+            <a:lvl5pPr marL="1828800" indent="0">
+              <a:buNone/>
+              <a:defRPr sz="1600"/>
+            </a:lvl5pPr>
+            <a:lvl6pPr marL="2286000" indent="0">
+              <a:buNone/>
+              <a:defRPr sz="1600"/>
+            </a:lvl6pPr>
+            <a:lvl7pPr marL="2743200" indent="0">
+              <a:buNone/>
+              <a:defRPr sz="1600"/>
+            </a:lvl7pPr>
+            <a:lvl8pPr marL="3200400" indent="0">
+              <a:buNone/>
+              <a:defRPr sz="1600"/>
+            </a:lvl8pPr>
+            <a:lvl9pPr marL="3657600" indent="0">
+              <a:buNone/>
+              <a:defRPr sz="1600"/>
+            </a:lvl9pPr>
+          </a:lstStyle>
+          <a:p>
+            <a:r>
+              <a:rPr lang="en-US" smtClean="0"/>
+              <a:t>Click icon to add picture</a:t>
+            </a:r>
+            <a:endParaRPr lang="en-US" dirty="0"/>
+          </a:p>
+        </p:txBody>
+      </p:sp>
+      <p:sp>
+        <p:nvSpPr>
+          <p:cNvPr id="24" name="Text Placeholder 3"/>
+          <p:cNvSpPr>
+            <a:spLocks noGrp="1"/>
+          </p:cNvSpPr>
+          <p:nvPr>
+            <p:ph type="body" sz="half" idx="20"/>
+          </p:nvPr>
+        </p:nvSpPr>
+        <p:spPr>
+          <a:xfrm>
+            <a:off x="7124575" y="4827208"/>
+            <a:ext cx="2935997" cy="659189"/>
+          </a:xfrm>
+        </p:spPr>
+        <p:txBody>
+          <a:bodyPr anchor="t">
+            <a:normAutofit/>
+          </a:bodyPr>
+          <a:lstStyle>
+            <a:lvl1pPr marL="0" indent="0">
+              <a:buNone/>
+              <a:defRPr sz="1400"/>
+            </a:lvl1pPr>
+            <a:lvl2pPr marL="457200" indent="0">
+              <a:buNone/>
+              <a:defRPr sz="1200"/>
+            </a:lvl2pPr>
+            <a:lvl3pPr marL="914400" indent="0">
+              <a:buNone/>
+              <a:defRPr sz="1000"/>
+            </a:lvl3pPr>
+            <a:lvl4pPr marL="1371600" indent="0">
+              <a:buNone/>
+              <a:defRPr sz="900"/>
+            </a:lvl4pPr>
+            <a:lvl5pPr marL="1828800" indent="0">
+              <a:buNone/>
+              <a:defRPr sz="900"/>
+            </a:lvl5pPr>
+            <a:lvl6pPr marL="2286000" indent="0">
+              <a:buNone/>
+              <a:defRPr sz="900"/>
+            </a:lvl6pPr>
+            <a:lvl7pPr marL="2743200" indent="0">
+              <a:buNone/>
+              <a:defRPr sz="900"/>
+            </a:lvl7pPr>
+            <a:lvl8pPr marL="3200400" indent="0">
+              <a:buNone/>
+              <a:defRPr sz="900"/>
+            </a:lvl8pPr>
+            <a:lvl9pPr marL="3657600" indent="0">
+              <a:buNone/>
+              <a:defRPr sz="900"/>
+            </a:lvl9pPr>
+          </a:lstStyle>
+          <a:p>
+            <a:pPr lvl="0"/>
+            <a:r>
+              <a:rPr lang="en-US" smtClean="0"/>
+              <a:t>Edit Master text styles</a:t>
+            </a:r>
+          </a:p>
+        </p:txBody>
+      </p:sp>
+      <p:cxnSp>
+        <p:nvCxnSpPr>
+          <p:cNvPr id="19" name="Straight Connector 18"/>
+          <p:cNvCxnSpPr/>
+          <p:nvPr/>
+        </p:nvCxnSpPr>
+        <p:spPr>
+          <a:xfrm>
+            <a:off x="3726142" y="2133600"/>
+            <a:ext cx="0" cy="3962400"/>
+          </a:xfrm>
+          <a:prstGeom prst="line">
+            <a:avLst/>
+          </a:prstGeom>
+          <a:ln w="12700" cmpd="sng">
+            <a:solidFill>
+              <a:schemeClr val="bg2">
+                <a:lumMod val="40000"/>
+                <a:lumOff val="60000"/>
+                <a:alpha val="40000"/>
+              </a:schemeClr>
+            </a:solidFill>
+          </a:ln>
+        </p:spPr>
+        <p:style>
+          <a:lnRef idx="2">
+            <a:schemeClr val="accent1"/>
+          </a:lnRef>
+          <a:fillRef idx="0">
+            <a:schemeClr val="accent1"/>
+          </a:fillRef>
+          <a:effectRef idx="1">
+            <a:schemeClr val="accent1"/>
+          </a:effectRef>
+          <a:fontRef idx="minor">
+            <a:schemeClr val="tx1"/>
+          </a:fontRef>
+        </p:style>
+      </p:cxnSp>
+      <p:cxnSp>
+        <p:nvCxnSpPr>
+          <p:cNvPr id="20" name="Straight Connector 19"/>
+          <p:cNvCxnSpPr/>
+          <p:nvPr/>
+        </p:nvCxnSpPr>
+        <p:spPr>
+          <a:xfrm>
+            <a:off x="6962227" y="2133600"/>
+            <a:ext cx="0" cy="3966882"/>
+          </a:xfrm>
+          <a:prstGeom prst="line">
+            <a:avLst/>
+          </a:prstGeom>
+          <a:ln w="12700" cmpd="sng">
+            <a:solidFill>
+              <a:schemeClr val="bg2">
+                <a:lumMod val="40000"/>
+                <a:lumOff val="60000"/>
+                <a:alpha val="40000"/>
+              </a:schemeClr>
+            </a:solidFill>
+          </a:ln>
+        </p:spPr>
+        <p:style>
+          <a:lnRef idx="2">
+            <a:schemeClr val="accent1"/>
+          </a:lnRef>
+          <a:fillRef idx="0">
+            <a:schemeClr val="accent1"/>
+          </a:fillRef>
+          <a:effectRef idx="1">
+            <a:schemeClr val="accent1"/>
+          </a:effectRef>
+          <a:fontRef idx="minor">
+            <a:schemeClr val="tx1"/>
+          </a:fontRef>
+        </p:style>
+      </p:cxnSp>
+      <p:sp>
+        <p:nvSpPr>
+          <p:cNvPr id="7" name="Date Placeholder 3"/>
+          <p:cNvSpPr>
+            <a:spLocks noGrp="1"/>
+          </p:cNvSpPr>
+          <p:nvPr>
+            <p:ph type="dt" sz="half" idx="10"/>
+          </p:nvPr>
+        </p:nvSpPr>
+        <p:spPr/>
+        <p:txBody>
+          <a:bodyPr/>
+          <a:lstStyle/>
+          <a:p>
+            <a:fld id="{B6678536-6967-4B9F-9DEF-2A17C5001E54}" type="datetimeFigureOut">
+              <a:rPr lang="en-US" smtClean="0"/>
+              <a:t>4/24/2017</a:t>
+            </a:fld>
+            <a:endParaRPr lang="en-US"/>
+          </a:p>
+        </p:txBody>
+      </p:sp>
+      <p:sp>
+        <p:nvSpPr>
+          <p:cNvPr id="4" name="Footer Placeholder 4"/>
+          <p:cNvSpPr>
+            <a:spLocks noGrp="1"/>
+          </p:cNvSpPr>
+          <p:nvPr>
+            <p:ph type="ftr" sz="quarter" idx="11"/>
+          </p:nvPr>
+        </p:nvSpPr>
+        <p:spPr/>
+        <p:txBody>
+          <a:bodyPr/>
+          <a:lstStyle/>
+          <a:p>
+            <a:endParaRPr lang="en-US"/>
+          </a:p>
+        </p:txBody>
+      </p:sp>
+      <p:sp>
+        <p:nvSpPr>
+          <p:cNvPr id="6" name="Slide Number Placeholder 5"/>
+          <p:cNvSpPr>
+            <a:spLocks noGrp="1"/>
+          </p:cNvSpPr>
+          <p:nvPr>
+            <p:ph type="sldNum" sz="quarter" idx="12"/>
+          </p:nvPr>
+        </p:nvSpPr>
+        <p:spPr/>
+        <p:txBody>
+          <a:bodyPr/>
+          <a:lstStyle/>
+          <a:p>
+            <a:fld id="{8CB634FF-BD91-4DDF-9C40-5BB9F036FCC7}" type="slidenum">
+              <a:rPr lang="en-US" smtClean="0"/>
+              <a:t>‹#›</a:t>
+            </a:fld>
+            <a:endParaRPr lang="en-US"/>
+          </a:p>
+        </p:txBody>
+      </p:sp>
+    </p:spTree>
+    <p:extLst>
+      <p:ext uri="{BB962C8B-B14F-4D97-AF65-F5344CB8AC3E}">
+        <p14:creationId xmlns:p14="http://schemas.microsoft.com/office/powerpoint/2010/main" val="1616413721"/>
+      </p:ext>
+    </p:extLst>
+  </p:cSld>
+  <p:clrMapOvr>
+    <a:masterClrMapping/>
+  </p:clrMapOvr>
+</p:sldLayout>
+</file>
+
+<file path=ppt/slideLayouts/slideLayout16.xml><?xml version="1.0" encoding="utf-8"?>
 <p:sldLayout xmlns:a="http://schemas.openxmlformats.org/drawingml/2006/main" xmlns:r="http://schemas.openxmlformats.org/officeDocument/2006/relationships" xmlns:p="http://schemas.openxmlformats.org/presentationml/2006/main" type="vertTx" preserve="1">
   <p:cSld name="Title and Vertical Text">
     <p:spTree>
@@ -341,7 +2966,7 @@
               <a:rPr lang="en-US" smtClean="0"/>
               <a:t>Click to edit Master title style</a:t>
             </a:r>
-            <a:endParaRPr lang="en-US"/>
+            <a:endParaRPr lang="en-US" dirty="0"/>
           </a:p>
         </p:txBody>
       </p:sp>
@@ -357,13 +2982,13 @@
         </p:nvSpPr>
         <p:spPr/>
         <p:txBody>
-          <a:bodyPr vert="eaVert"/>
+          <a:bodyPr vert="eaVert" anchor="t" anchorCtr="0"/>
           <a:lstStyle/>
           <a:p>
             <a:pPr lvl="0"/>
             <a:r>
               <a:rPr lang="en-US" smtClean="0"/>
-              <a:t>Click to edit Master text styles</a:t>
+              <a:t>Edit Master text styles</a:t>
             </a:r>
           </a:p>
           <a:p>
@@ -393,7 +3018,7 @@
               <a:rPr lang="en-US" smtClean="0"/>
               <a:t>Fifth level</a:t>
             </a:r>
-            <a:endParaRPr lang="en-US"/>
+            <a:endParaRPr lang="en-US" dirty="0"/>
           </a:p>
         </p:txBody>
       </p:sp>
@@ -414,7 +3039,7 @@
           <a:p>
             <a:fld id="{B6678536-6967-4B9F-9DEF-2A17C5001E54}" type="datetimeFigureOut">
               <a:rPr lang="en-US" smtClean="0"/>
-              <a:t>4/19/2017</a:t>
+              <a:t>4/24/2017</a:t>
             </a:fld>
             <a:endParaRPr lang="en-US"/>
           </a:p>
@@ -465,7 +3090,7 @@
     </p:spTree>
     <p:extLst>
       <p:ext uri="{BB962C8B-B14F-4D97-AF65-F5344CB8AC3E}">
-        <p14:creationId xmlns:p14="http://schemas.microsoft.com/office/powerpoint/2010/main" val="2188165883"/>
+        <p14:creationId xmlns:p14="http://schemas.microsoft.com/office/powerpoint/2010/main" val="4285574285"/>
       </p:ext>
     </p:extLst>
   </p:cSld>
@@ -475,7 +3100,7 @@
 </p:sldLayout>
 </file>
 
-<file path=ppt/slideLayouts/slideLayout11.xml><?xml version="1.0" encoding="utf-8"?>
+<file path=ppt/slideLayouts/slideLayout17.xml><?xml version="1.0" encoding="utf-8"?>
 <p:sldLayout xmlns:a="http://schemas.openxmlformats.org/drawingml/2006/main" xmlns:r="http://schemas.openxmlformats.org/officeDocument/2006/relationships" xmlns:p="http://schemas.openxmlformats.org/presentationml/2006/main" type="vertTitleAndTx" preserve="1">
   <p:cSld name="Vertical Title and Text">
     <p:spTree>
@@ -504,46 +3129,46 @@
         </p:nvSpPr>
         <p:spPr>
           <a:xfrm>
-            <a:off x="8724900" y="365125"/>
-            <a:ext cx="2628900" cy="5811838"/>
+            <a:off x="8304212" y="430213"/>
+            <a:ext cx="1752601" cy="5826125"/>
           </a:xfrm>
         </p:spPr>
         <p:txBody>
+          <a:bodyPr vert="eaVert" anchor="b" anchorCtr="0"/>
+          <a:lstStyle/>
+          <a:p>
+            <a:r>
+              <a:rPr lang="en-US" smtClean="0"/>
+              <a:t>Click to edit Master title style</a:t>
+            </a:r>
+            <a:endParaRPr lang="en-US" dirty="0"/>
+          </a:p>
+        </p:txBody>
+      </p:sp>
+      <p:sp>
+        <p:nvSpPr>
+          <p:cNvPr id="3" name="Vertical Text Placeholder 2"/>
+          <p:cNvSpPr>
+            <a:spLocks noGrp="1"/>
+          </p:cNvSpPr>
+          <p:nvPr>
+            <p:ph type="body" orient="vert" idx="1"/>
+          </p:nvPr>
+        </p:nvSpPr>
+        <p:spPr>
+          <a:xfrm>
+            <a:off x="652463" y="887414"/>
+            <a:ext cx="7423149" cy="5368924"/>
+          </a:xfrm>
+        </p:spPr>
+        <p:txBody>
           <a:bodyPr vert="eaVert"/>
           <a:lstStyle/>
           <a:p>
-            <a:r>
-              <a:rPr lang="en-US" smtClean="0"/>
-              <a:t>Click to edit Master title style</a:t>
-            </a:r>
-            <a:endParaRPr lang="en-US"/>
-          </a:p>
-        </p:txBody>
-      </p:sp>
-      <p:sp>
-        <p:nvSpPr>
-          <p:cNvPr id="3" name="Vertical Text Placeholder 2"/>
-          <p:cNvSpPr>
-            <a:spLocks noGrp="1"/>
-          </p:cNvSpPr>
-          <p:nvPr>
-            <p:ph type="body" orient="vert" idx="1"/>
-          </p:nvPr>
-        </p:nvSpPr>
-        <p:spPr>
-          <a:xfrm>
-            <a:off x="838200" y="365125"/>
-            <a:ext cx="7734300" cy="5811838"/>
-          </a:xfrm>
-        </p:spPr>
-        <p:txBody>
-          <a:bodyPr vert="eaVert"/>
-          <a:lstStyle/>
-          <a:p>
             <a:pPr lvl="0"/>
             <a:r>
               <a:rPr lang="en-US" smtClean="0"/>
-              <a:t>Click to edit Master text styles</a:t>
+              <a:t>Edit Master text styles</a:t>
             </a:r>
           </a:p>
           <a:p>
@@ -573,7 +3198,7 @@
               <a:rPr lang="en-US" smtClean="0"/>
               <a:t>Fifth level</a:t>
             </a:r>
-            <a:endParaRPr lang="en-US"/>
+            <a:endParaRPr lang="en-US" dirty="0"/>
           </a:p>
         </p:txBody>
       </p:sp>
@@ -594,7 +3219,7 @@
           <a:p>
             <a:fld id="{B6678536-6967-4B9F-9DEF-2A17C5001E54}" type="datetimeFigureOut">
               <a:rPr lang="en-US" smtClean="0"/>
-              <a:t>4/19/2017</a:t>
+              <a:t>4/24/2017</a:t>
             </a:fld>
             <a:endParaRPr lang="en-US"/>
           </a:p>
@@ -645,7 +3270,7 @@
     </p:spTree>
     <p:extLst>
       <p:ext uri="{BB962C8B-B14F-4D97-AF65-F5344CB8AC3E}">
-        <p14:creationId xmlns:p14="http://schemas.microsoft.com/office/powerpoint/2010/main" val="3559459593"/>
+        <p14:creationId xmlns:p14="http://schemas.microsoft.com/office/powerpoint/2010/main" val="28068710"/>
       </p:ext>
     </p:extLst>
   </p:cSld>
@@ -691,7 +3316,7 @@
               <a:rPr lang="en-US" smtClean="0"/>
               <a:t>Click to edit Master title style</a:t>
             </a:r>
-            <a:endParaRPr lang="en-US"/>
+            <a:endParaRPr lang="en-US" dirty="0"/>
           </a:p>
         </p:txBody>
       </p:sp>
@@ -713,7 +3338,7 @@
             <a:pPr lvl="0"/>
             <a:r>
               <a:rPr lang="en-US" smtClean="0"/>
-              <a:t>Click to edit Master text styles</a:t>
+              <a:t>Edit Master text styles</a:t>
             </a:r>
           </a:p>
           <a:p>
@@ -743,13 +3368,13 @@
               <a:rPr lang="en-US" smtClean="0"/>
               <a:t>Fifth level</a:t>
             </a:r>
-            <a:endParaRPr lang="en-US"/>
-          </a:p>
-        </p:txBody>
-      </p:sp>
-      <p:sp>
-        <p:nvSpPr>
-          <p:cNvPr id="4" name="Date Placeholder 3"/>
+            <a:endParaRPr lang="en-US" dirty="0"/>
+          </a:p>
+        </p:txBody>
+      </p:sp>
+      <p:sp>
+        <p:nvSpPr>
+          <p:cNvPr id="7" name="Date Placeholder 3"/>
           <p:cNvSpPr>
             <a:spLocks noGrp="1"/>
           </p:cNvSpPr>
@@ -764,7 +3389,7 @@
           <a:p>
             <a:fld id="{B6678536-6967-4B9F-9DEF-2A17C5001E54}" type="datetimeFigureOut">
               <a:rPr lang="en-US" smtClean="0"/>
-              <a:t>4/19/2017</a:t>
+              <a:t>4/24/2017</a:t>
             </a:fld>
             <a:endParaRPr lang="en-US"/>
           </a:p>
@@ -815,7 +3440,7 @@
     </p:spTree>
     <p:extLst>
       <p:ext uri="{BB962C8B-B14F-4D97-AF65-F5344CB8AC3E}">
-        <p14:creationId xmlns:p14="http://schemas.microsoft.com/office/powerpoint/2010/main" val="760896232"/>
+        <p14:creationId xmlns:p14="http://schemas.microsoft.com/office/powerpoint/2010/main" val="1058114262"/>
       </p:ext>
     </p:extLst>
   </p:cSld>
@@ -854,15 +3479,15 @@
         </p:nvSpPr>
         <p:spPr>
           <a:xfrm>
-            <a:off x="831850" y="1709738"/>
-            <a:ext cx="10515600" cy="2852737"/>
+            <a:off x="1154956" y="2861733"/>
+            <a:ext cx="8825657" cy="1915647"/>
           </a:xfrm>
         </p:spPr>
         <p:txBody>
           <a:bodyPr anchor="b"/>
           <a:lstStyle>
-            <a:lvl1pPr>
-              <a:defRPr sz="6000"/>
+            <a:lvl1pPr algn="l">
+              <a:defRPr sz="4000" b="0" cap="none"/>
             </a:lvl1pPr>
           </a:lstStyle>
           <a:p>
@@ -870,7 +3495,7 @@
               <a:rPr lang="en-US" smtClean="0"/>
               <a:t>Click to edit Master title style</a:t>
             </a:r>
-            <a:endParaRPr lang="en-US"/>
+            <a:endParaRPr lang="en-US" dirty="0"/>
           </a:p>
         </p:txBody>
       </p:sp>
@@ -886,26 +3511,27 @@
         </p:nvSpPr>
         <p:spPr>
           <a:xfrm>
-            <a:off x="831850" y="4589463"/>
-            <a:ext cx="10515600" cy="1500187"/>
+            <a:off x="1154955" y="4777381"/>
+            <a:ext cx="8825658" cy="860400"/>
           </a:xfrm>
         </p:spPr>
         <p:txBody>
-          <a:bodyPr/>
+          <a:bodyPr anchor="t"/>
           <a:lstStyle>
-            <a:lvl1pPr marL="0" indent="0">
-              <a:buNone/>
-              <a:defRPr sz="2400">
+            <a:lvl1pPr marL="0" indent="0" algn="l">
+              <a:buNone/>
+              <a:defRPr sz="2000" cap="all">
                 <a:solidFill>
-                  <a:schemeClr val="tx1">
-                    <a:tint val="75000"/>
+                  <a:schemeClr val="bg2">
+                    <a:lumMod val="40000"/>
+                    <a:lumOff val="60000"/>
                   </a:schemeClr>
                 </a:solidFill>
               </a:defRPr>
             </a:lvl1pPr>
             <a:lvl2pPr marL="457200" indent="0">
               <a:buNone/>
-              <a:defRPr sz="2000">
+              <a:defRPr sz="1800">
                 <a:solidFill>
                   <a:schemeClr val="tx1">
                     <a:tint val="75000"/>
@@ -915,7 +3541,7 @@
             </a:lvl2pPr>
             <a:lvl3pPr marL="914400" indent="0">
               <a:buNone/>
-              <a:defRPr sz="1800">
+              <a:defRPr sz="1600">
                 <a:solidFill>
                   <a:schemeClr val="tx1">
                     <a:tint val="75000"/>
@@ -925,7 +3551,7 @@
             </a:lvl3pPr>
             <a:lvl4pPr marL="1371600" indent="0">
               <a:buNone/>
-              <a:defRPr sz="1600">
+              <a:defRPr sz="1400">
                 <a:solidFill>
                   <a:schemeClr val="tx1">
                     <a:tint val="75000"/>
@@ -935,7 +3561,7 @@
             </a:lvl4pPr>
             <a:lvl5pPr marL="1828800" indent="0">
               <a:buNone/>
-              <a:defRPr sz="1600">
+              <a:defRPr sz="1400">
                 <a:solidFill>
                   <a:schemeClr val="tx1">
                     <a:tint val="75000"/>
@@ -945,7 +3571,7 @@
             </a:lvl5pPr>
             <a:lvl6pPr marL="2286000" indent="0">
               <a:buNone/>
-              <a:defRPr sz="1600">
+              <a:defRPr sz="1400">
                 <a:solidFill>
                   <a:schemeClr val="tx1">
                     <a:tint val="75000"/>
@@ -955,7 +3581,7 @@
             </a:lvl6pPr>
             <a:lvl7pPr marL="2743200" indent="0">
               <a:buNone/>
-              <a:defRPr sz="1600">
+              <a:defRPr sz="1400">
                 <a:solidFill>
                   <a:schemeClr val="tx1">
                     <a:tint val="75000"/>
@@ -965,7 +3591,7 @@
             </a:lvl7pPr>
             <a:lvl8pPr marL="3200400" indent="0">
               <a:buNone/>
-              <a:defRPr sz="1600">
+              <a:defRPr sz="1400">
                 <a:solidFill>
                   <a:schemeClr val="tx1">
                     <a:tint val="75000"/>
@@ -975,7 +3601,7 @@
             </a:lvl8pPr>
             <a:lvl9pPr marL="3657600" indent="0">
               <a:buNone/>
-              <a:defRPr sz="1600">
+              <a:defRPr sz="1400">
                 <a:solidFill>
                   <a:schemeClr val="tx1">
                     <a:tint val="75000"/>
@@ -988,7 +3614,7 @@
             <a:pPr lvl="0"/>
             <a:r>
               <a:rPr lang="en-US" smtClean="0"/>
-              <a:t>Click to edit Master text styles</a:t>
+              <a:t>Edit Master text styles</a:t>
             </a:r>
           </a:p>
         </p:txBody>
@@ -1010,7 +3636,7 @@
           <a:p>
             <a:fld id="{B6678536-6967-4B9F-9DEF-2A17C5001E54}" type="datetimeFigureOut">
               <a:rPr lang="en-US" smtClean="0"/>
-              <a:t>4/19/2017</a:t>
+              <a:t>4/24/2017</a:t>
             </a:fld>
             <a:endParaRPr lang="en-US"/>
           </a:p>
@@ -1061,7 +3687,7 @@
     </p:spTree>
     <p:extLst>
       <p:ext uri="{BB962C8B-B14F-4D97-AF65-F5344CB8AC3E}">
-        <p14:creationId xmlns:p14="http://schemas.microsoft.com/office/powerpoint/2010/main" val="750376401"/>
+        <p14:creationId xmlns:p14="http://schemas.microsoft.com/office/powerpoint/2010/main" val="2352072915"/>
       </p:ext>
     </p:extLst>
   </p:cSld>
@@ -1107,7 +3733,7 @@
               <a:rPr lang="en-US" smtClean="0"/>
               <a:t>Click to edit Master title style</a:t>
             </a:r>
-            <a:endParaRPr lang="en-US"/>
+            <a:endParaRPr lang="en-US" dirty="0"/>
           </a:p>
         </p:txBody>
       </p:sp>
@@ -1123,126 +3749,186 @@
         </p:nvSpPr>
         <p:spPr>
           <a:xfrm>
-            <a:off x="838200" y="1825625"/>
-            <a:ext cx="5181600" cy="4351338"/>
+            <a:off x="1103312" y="2060575"/>
+            <a:ext cx="4396339" cy="4195763"/>
           </a:xfrm>
         </p:spPr>
         <p:txBody>
+          <a:bodyPr>
+            <a:normAutofit/>
+          </a:bodyPr>
+          <a:lstStyle>
+            <a:lvl1pPr>
+              <a:defRPr sz="1800"/>
+            </a:lvl1pPr>
+            <a:lvl2pPr>
+              <a:defRPr sz="1600"/>
+            </a:lvl2pPr>
+            <a:lvl3pPr>
+              <a:defRPr sz="1400"/>
+            </a:lvl3pPr>
+            <a:lvl4pPr>
+              <a:defRPr sz="1200"/>
+            </a:lvl4pPr>
+            <a:lvl5pPr>
+              <a:defRPr sz="1200"/>
+            </a:lvl5pPr>
+            <a:lvl6pPr>
+              <a:defRPr sz="1200"/>
+            </a:lvl6pPr>
+            <a:lvl7pPr>
+              <a:defRPr sz="1200"/>
+            </a:lvl7pPr>
+            <a:lvl8pPr>
+              <a:defRPr sz="1200"/>
+            </a:lvl8pPr>
+            <a:lvl9pPr>
+              <a:defRPr sz="1200"/>
+            </a:lvl9pPr>
+          </a:lstStyle>
+          <a:p>
+            <a:pPr lvl="0"/>
+            <a:r>
+              <a:rPr lang="en-US" smtClean="0"/>
+              <a:t>Edit Master text styles</a:t>
+            </a:r>
+          </a:p>
+          <a:p>
+            <a:pPr lvl="1"/>
+            <a:r>
+              <a:rPr lang="en-US" smtClean="0"/>
+              <a:t>Second level</a:t>
+            </a:r>
+          </a:p>
+          <a:p>
+            <a:pPr lvl="2"/>
+            <a:r>
+              <a:rPr lang="en-US" smtClean="0"/>
+              <a:t>Third level</a:t>
+            </a:r>
+          </a:p>
+          <a:p>
+            <a:pPr lvl="3"/>
+            <a:r>
+              <a:rPr lang="en-US" smtClean="0"/>
+              <a:t>Fourth level</a:t>
+            </a:r>
+          </a:p>
+          <a:p>
+            <a:pPr lvl="4"/>
+            <a:r>
+              <a:rPr lang="en-US" smtClean="0"/>
+              <a:t>Fifth level</a:t>
+            </a:r>
+            <a:endParaRPr lang="en-US" dirty="0"/>
+          </a:p>
+        </p:txBody>
+      </p:sp>
+      <p:sp>
+        <p:nvSpPr>
+          <p:cNvPr id="4" name="Content Placeholder 3"/>
+          <p:cNvSpPr>
+            <a:spLocks noGrp="1"/>
+          </p:cNvSpPr>
+          <p:nvPr>
+            <p:ph sz="half" idx="2"/>
+          </p:nvPr>
+        </p:nvSpPr>
+        <p:spPr>
+          <a:xfrm>
+            <a:off x="5654493" y="2056092"/>
+            <a:ext cx="4396341" cy="4200245"/>
+          </a:xfrm>
+        </p:spPr>
+        <p:txBody>
+          <a:bodyPr>
+            <a:normAutofit/>
+          </a:bodyPr>
+          <a:lstStyle>
+            <a:lvl1pPr>
+              <a:defRPr sz="1800"/>
+            </a:lvl1pPr>
+            <a:lvl2pPr>
+              <a:defRPr sz="1600"/>
+            </a:lvl2pPr>
+            <a:lvl3pPr>
+              <a:defRPr sz="1400"/>
+            </a:lvl3pPr>
+            <a:lvl4pPr>
+              <a:defRPr sz="1200"/>
+            </a:lvl4pPr>
+            <a:lvl5pPr>
+              <a:defRPr sz="1200"/>
+            </a:lvl5pPr>
+            <a:lvl6pPr>
+              <a:defRPr sz="1200"/>
+            </a:lvl6pPr>
+            <a:lvl7pPr>
+              <a:defRPr sz="1200"/>
+            </a:lvl7pPr>
+            <a:lvl8pPr>
+              <a:defRPr sz="1200"/>
+            </a:lvl8pPr>
+            <a:lvl9pPr>
+              <a:defRPr sz="1200"/>
+            </a:lvl9pPr>
+          </a:lstStyle>
+          <a:p>
+            <a:pPr lvl="0"/>
+            <a:r>
+              <a:rPr lang="en-US" smtClean="0"/>
+              <a:t>Edit Master text styles</a:t>
+            </a:r>
+          </a:p>
+          <a:p>
+            <a:pPr lvl="1"/>
+            <a:r>
+              <a:rPr lang="en-US" smtClean="0"/>
+              <a:t>Second level</a:t>
+            </a:r>
+          </a:p>
+          <a:p>
+            <a:pPr lvl="2"/>
+            <a:r>
+              <a:rPr lang="en-US" smtClean="0"/>
+              <a:t>Third level</a:t>
+            </a:r>
+          </a:p>
+          <a:p>
+            <a:pPr lvl="3"/>
+            <a:r>
+              <a:rPr lang="en-US" smtClean="0"/>
+              <a:t>Fourth level</a:t>
+            </a:r>
+          </a:p>
+          <a:p>
+            <a:pPr lvl="4"/>
+            <a:r>
+              <a:rPr lang="en-US" smtClean="0"/>
+              <a:t>Fifth level</a:t>
+            </a:r>
+            <a:endParaRPr lang="en-US" dirty="0"/>
+          </a:p>
+        </p:txBody>
+      </p:sp>
+      <p:sp>
+        <p:nvSpPr>
+          <p:cNvPr id="5" name="Date Placeholder 4"/>
+          <p:cNvSpPr>
+            <a:spLocks noGrp="1"/>
+          </p:cNvSpPr>
+          <p:nvPr>
+            <p:ph type="dt" sz="half" idx="10"/>
+          </p:nvPr>
+        </p:nvSpPr>
+        <p:spPr/>
+        <p:txBody>
           <a:bodyPr/>
           <a:lstStyle/>
           <a:p>
-            <a:pPr lvl="0"/>
-            <a:r>
-              <a:rPr lang="en-US" smtClean="0"/>
-              <a:t>Click to edit Master text styles</a:t>
-            </a:r>
-          </a:p>
-          <a:p>
-            <a:pPr lvl="1"/>
-            <a:r>
-              <a:rPr lang="en-US" smtClean="0"/>
-              <a:t>Second level</a:t>
-            </a:r>
-          </a:p>
-          <a:p>
-            <a:pPr lvl="2"/>
-            <a:r>
-              <a:rPr lang="en-US" smtClean="0"/>
-              <a:t>Third level</a:t>
-            </a:r>
-          </a:p>
-          <a:p>
-            <a:pPr lvl="3"/>
-            <a:r>
-              <a:rPr lang="en-US" smtClean="0"/>
-              <a:t>Fourth level</a:t>
-            </a:r>
-          </a:p>
-          <a:p>
-            <a:pPr lvl="4"/>
-            <a:r>
-              <a:rPr lang="en-US" smtClean="0"/>
-              <a:t>Fifth level</a:t>
-            </a:r>
-            <a:endParaRPr lang="en-US"/>
-          </a:p>
-        </p:txBody>
-      </p:sp>
-      <p:sp>
-        <p:nvSpPr>
-          <p:cNvPr id="4" name="Content Placeholder 3"/>
-          <p:cNvSpPr>
-            <a:spLocks noGrp="1"/>
-          </p:cNvSpPr>
-          <p:nvPr>
-            <p:ph sz="half" idx="2"/>
-          </p:nvPr>
-        </p:nvSpPr>
-        <p:spPr>
-          <a:xfrm>
-            <a:off x="6172200" y="1825625"/>
-            <a:ext cx="5181600" cy="4351338"/>
-          </a:xfrm>
-        </p:spPr>
-        <p:txBody>
-          <a:bodyPr/>
-          <a:lstStyle/>
-          <a:p>
-            <a:pPr lvl="0"/>
-            <a:r>
-              <a:rPr lang="en-US" smtClean="0"/>
-              <a:t>Click to edit Master text styles</a:t>
-            </a:r>
-          </a:p>
-          <a:p>
-            <a:pPr lvl="1"/>
-            <a:r>
-              <a:rPr lang="en-US" smtClean="0"/>
-              <a:t>Second level</a:t>
-            </a:r>
-          </a:p>
-          <a:p>
-            <a:pPr lvl="2"/>
-            <a:r>
-              <a:rPr lang="en-US" smtClean="0"/>
-              <a:t>Third level</a:t>
-            </a:r>
-          </a:p>
-          <a:p>
-            <a:pPr lvl="3"/>
-            <a:r>
-              <a:rPr lang="en-US" smtClean="0"/>
-              <a:t>Fourth level</a:t>
-            </a:r>
-          </a:p>
-          <a:p>
-            <a:pPr lvl="4"/>
-            <a:r>
-              <a:rPr lang="en-US" smtClean="0"/>
-              <a:t>Fifth level</a:t>
-            </a:r>
-            <a:endParaRPr lang="en-US"/>
-          </a:p>
-        </p:txBody>
-      </p:sp>
-      <p:sp>
-        <p:nvSpPr>
-          <p:cNvPr id="5" name="Date Placeholder 4"/>
-          <p:cNvSpPr>
-            <a:spLocks noGrp="1"/>
-          </p:cNvSpPr>
-          <p:nvPr>
-            <p:ph type="dt" sz="half" idx="10"/>
-          </p:nvPr>
-        </p:nvSpPr>
-        <p:spPr/>
-        <p:txBody>
-          <a:bodyPr/>
-          <a:lstStyle/>
-          <a:p>
             <a:fld id="{B6678536-6967-4B9F-9DEF-2A17C5001E54}" type="datetimeFigureOut">
               <a:rPr lang="en-US" smtClean="0"/>
-              <a:t>4/19/2017</a:t>
+              <a:t>4/24/2017</a:t>
             </a:fld>
             <a:endParaRPr lang="en-US"/>
           </a:p>
@@ -1293,7 +3979,7 @@
     </p:spTree>
     <p:extLst>
       <p:ext uri="{BB962C8B-B14F-4D97-AF65-F5344CB8AC3E}">
-        <p14:creationId xmlns:p14="http://schemas.microsoft.com/office/powerpoint/2010/main" val="2446089170"/>
+        <p14:creationId xmlns:p14="http://schemas.microsoft.com/office/powerpoint/2010/main" val="2075271029"/>
       </p:ext>
     </p:extLst>
   </p:cSld>
@@ -1330,46 +4016,54 @@
             <p:ph type="title"/>
           </p:nvPr>
         </p:nvSpPr>
+        <p:spPr/>
+        <p:txBody>
+          <a:bodyPr/>
+          <a:lstStyle>
+            <a:lvl1pPr>
+              <a:defRPr/>
+            </a:lvl1pPr>
+          </a:lstStyle>
+          <a:p>
+            <a:r>
+              <a:rPr lang="en-US" smtClean="0"/>
+              <a:t>Click to edit Master title style</a:t>
+            </a:r>
+            <a:endParaRPr lang="en-US" dirty="0"/>
+          </a:p>
+        </p:txBody>
+      </p:sp>
+      <p:sp>
+        <p:nvSpPr>
+          <p:cNvPr id="3" name="Text Placeholder 2"/>
+          <p:cNvSpPr>
+            <a:spLocks noGrp="1"/>
+          </p:cNvSpPr>
+          <p:nvPr>
+            <p:ph type="body" idx="1"/>
+          </p:nvPr>
+        </p:nvSpPr>
         <p:spPr>
           <a:xfrm>
-            <a:off x="839788" y="365125"/>
-            <a:ext cx="10515600" cy="1325563"/>
+            <a:off x="1103313" y="1905000"/>
+            <a:ext cx="4396338" cy="576262"/>
           </a:xfrm>
         </p:spPr>
         <p:txBody>
-          <a:bodyPr/>
-          <a:lstStyle/>
-          <a:p>
-            <a:r>
-              <a:rPr lang="en-US" smtClean="0"/>
-              <a:t>Click to edit Master title style</a:t>
-            </a:r>
-            <a:endParaRPr lang="en-US"/>
-          </a:p>
-        </p:txBody>
-      </p:sp>
-      <p:sp>
-        <p:nvSpPr>
-          <p:cNvPr id="3" name="Text Placeholder 2"/>
-          <p:cNvSpPr>
-            <a:spLocks noGrp="1"/>
-          </p:cNvSpPr>
-          <p:nvPr>
-            <p:ph type="body" idx="1"/>
-          </p:nvPr>
-        </p:nvSpPr>
-        <p:spPr>
-          <a:xfrm>
-            <a:off x="839788" y="1681163"/>
-            <a:ext cx="5157787" cy="823912"/>
-          </a:xfrm>
-        </p:spPr>
-        <p:txBody>
-          <a:bodyPr anchor="b"/>
+          <a:bodyPr anchor="b">
+            <a:noAutofit/>
+          </a:bodyPr>
           <a:lstStyle>
             <a:lvl1pPr marL="0" indent="0">
               <a:buNone/>
-              <a:defRPr sz="2400" b="1"/>
+              <a:defRPr sz="2400" b="0">
+                <a:solidFill>
+                  <a:schemeClr val="bg2">
+                    <a:lumMod val="40000"/>
+                    <a:lumOff val="60000"/>
+                  </a:schemeClr>
+                </a:solidFill>
+              </a:defRPr>
             </a:lvl1pPr>
             <a:lvl2pPr marL="457200" indent="0">
               <a:buNone/>
@@ -1408,7 +4102,7 @@
             <a:pPr lvl="0"/>
             <a:r>
               <a:rPr lang="en-US" smtClean="0"/>
-              <a:t>Click to edit Master text styles</a:t>
+              <a:t>Edit Master text styles</a:t>
             </a:r>
           </a:p>
         </p:txBody>
@@ -1425,18 +4119,48 @@
         </p:nvSpPr>
         <p:spPr>
           <a:xfrm>
-            <a:off x="839788" y="2505075"/>
-            <a:ext cx="5157787" cy="3684588"/>
+            <a:off x="1103312" y="2514600"/>
+            <a:ext cx="4396339" cy="3741738"/>
           </a:xfrm>
         </p:spPr>
         <p:txBody>
-          <a:bodyPr/>
-          <a:lstStyle/>
+          <a:bodyPr>
+            <a:normAutofit/>
+          </a:bodyPr>
+          <a:lstStyle>
+            <a:lvl1pPr>
+              <a:defRPr sz="1800"/>
+            </a:lvl1pPr>
+            <a:lvl2pPr>
+              <a:defRPr sz="1600"/>
+            </a:lvl2pPr>
+            <a:lvl3pPr>
+              <a:defRPr sz="1400"/>
+            </a:lvl3pPr>
+            <a:lvl4pPr>
+              <a:defRPr sz="1200"/>
+            </a:lvl4pPr>
+            <a:lvl5pPr>
+              <a:defRPr sz="1200"/>
+            </a:lvl5pPr>
+            <a:lvl6pPr>
+              <a:defRPr sz="1200"/>
+            </a:lvl6pPr>
+            <a:lvl7pPr>
+              <a:defRPr sz="1200"/>
+            </a:lvl7pPr>
+            <a:lvl8pPr>
+              <a:defRPr sz="1200"/>
+            </a:lvl8pPr>
+            <a:lvl9pPr>
+              <a:defRPr sz="1200"/>
+            </a:lvl9pPr>
+          </a:lstStyle>
           <a:p>
             <a:pPr lvl="0"/>
             <a:r>
               <a:rPr lang="en-US" smtClean="0"/>
-              <a:t>Click to edit Master text styles</a:t>
+              <a:t>Edit Master text styles</a:t>
             </a:r>
           </a:p>
           <a:p>
@@ -1466,7 +4190,7 @@
               <a:rPr lang="en-US" smtClean="0"/>
               <a:t>Fifth level</a:t>
             </a:r>
-            <a:endParaRPr lang="en-US"/>
+            <a:endParaRPr lang="en-US" dirty="0"/>
           </a:p>
         </p:txBody>
       </p:sp>
@@ -1482,16 +4206,25 @@
         </p:nvSpPr>
         <p:spPr>
           <a:xfrm>
-            <a:off x="6172200" y="1681163"/>
-            <a:ext cx="5183188" cy="823912"/>
+            <a:off x="5654495" y="1905000"/>
+            <a:ext cx="4396339" cy="576262"/>
           </a:xfrm>
         </p:spPr>
         <p:txBody>
-          <a:bodyPr anchor="b"/>
+          <a:bodyPr anchor="b">
+            <a:noAutofit/>
+          </a:bodyPr>
           <a:lstStyle>
             <a:lvl1pPr marL="0" indent="0">
               <a:buNone/>
-              <a:defRPr sz="2400" b="1"/>
+              <a:defRPr sz="2400" b="0">
+                <a:solidFill>
+                  <a:schemeClr val="bg2">
+                    <a:lumMod val="40000"/>
+                    <a:lumOff val="60000"/>
+                  </a:schemeClr>
+                </a:solidFill>
+              </a:defRPr>
             </a:lvl1pPr>
             <a:lvl2pPr marL="457200" indent="0">
               <a:buNone/>
@@ -1530,7 +4263,7 @@
             <a:pPr lvl="0"/>
             <a:r>
               <a:rPr lang="en-US" smtClean="0"/>
-              <a:t>Click to edit Master text styles</a:t>
+              <a:t>Edit Master text styles</a:t>
             </a:r>
           </a:p>
         </p:txBody>
@@ -1547,69 +4280,99 @@
         </p:nvSpPr>
         <p:spPr>
           <a:xfrm>
-            <a:off x="6172200" y="2505075"/>
-            <a:ext cx="5183188" cy="3684588"/>
+            <a:off x="5654495" y="2514600"/>
+            <a:ext cx="4396339" cy="3741738"/>
           </a:xfrm>
         </p:spPr>
         <p:txBody>
+          <a:bodyPr>
+            <a:normAutofit/>
+          </a:bodyPr>
+          <a:lstStyle>
+            <a:lvl1pPr>
+              <a:defRPr sz="1800"/>
+            </a:lvl1pPr>
+            <a:lvl2pPr>
+              <a:defRPr sz="1600"/>
+            </a:lvl2pPr>
+            <a:lvl3pPr>
+              <a:defRPr sz="1400"/>
+            </a:lvl3pPr>
+            <a:lvl4pPr>
+              <a:defRPr sz="1200"/>
+            </a:lvl4pPr>
+            <a:lvl5pPr>
+              <a:defRPr sz="1200"/>
+            </a:lvl5pPr>
+            <a:lvl6pPr>
+              <a:defRPr sz="1200"/>
+            </a:lvl6pPr>
+            <a:lvl7pPr>
+              <a:defRPr sz="1200"/>
+            </a:lvl7pPr>
+            <a:lvl8pPr>
+              <a:defRPr sz="1200"/>
+            </a:lvl8pPr>
+            <a:lvl9pPr>
+              <a:defRPr sz="1200"/>
+            </a:lvl9pPr>
+          </a:lstStyle>
+          <a:p>
+            <a:pPr lvl="0"/>
+            <a:r>
+              <a:rPr lang="en-US" smtClean="0"/>
+              <a:t>Edit Master text styles</a:t>
+            </a:r>
+          </a:p>
+          <a:p>
+            <a:pPr lvl="1"/>
+            <a:r>
+              <a:rPr lang="en-US" smtClean="0"/>
+              <a:t>Second level</a:t>
+            </a:r>
+          </a:p>
+          <a:p>
+            <a:pPr lvl="2"/>
+            <a:r>
+              <a:rPr lang="en-US" smtClean="0"/>
+              <a:t>Third level</a:t>
+            </a:r>
+          </a:p>
+          <a:p>
+            <a:pPr lvl="3"/>
+            <a:r>
+              <a:rPr lang="en-US" smtClean="0"/>
+              <a:t>Fourth level</a:t>
+            </a:r>
+          </a:p>
+          <a:p>
+            <a:pPr lvl="4"/>
+            <a:r>
+              <a:rPr lang="en-US" smtClean="0"/>
+              <a:t>Fifth level</a:t>
+            </a:r>
+            <a:endParaRPr lang="en-US" dirty="0"/>
+          </a:p>
+        </p:txBody>
+      </p:sp>
+      <p:sp>
+        <p:nvSpPr>
+          <p:cNvPr id="7" name="Date Placeholder 6"/>
+          <p:cNvSpPr>
+            <a:spLocks noGrp="1"/>
+          </p:cNvSpPr>
+          <p:nvPr>
+            <p:ph type="dt" sz="half" idx="10"/>
+          </p:nvPr>
+        </p:nvSpPr>
+        <p:spPr/>
+        <p:txBody>
           <a:bodyPr/>
           <a:lstStyle/>
           <a:p>
-            <a:pPr lvl="0"/>
-            <a:r>
-              <a:rPr lang="en-US" smtClean="0"/>
-              <a:t>Click to edit Master text styles</a:t>
-            </a:r>
-          </a:p>
-          <a:p>
-            <a:pPr lvl="1"/>
-            <a:r>
-              <a:rPr lang="en-US" smtClean="0"/>
-              <a:t>Second level</a:t>
-            </a:r>
-          </a:p>
-          <a:p>
-            <a:pPr lvl="2"/>
-            <a:r>
-              <a:rPr lang="en-US" smtClean="0"/>
-              <a:t>Third level</a:t>
-            </a:r>
-          </a:p>
-          <a:p>
-            <a:pPr lvl="3"/>
-            <a:r>
-              <a:rPr lang="en-US" smtClean="0"/>
-              <a:t>Fourth level</a:t>
-            </a:r>
-          </a:p>
-          <a:p>
-            <a:pPr lvl="4"/>
-            <a:r>
-              <a:rPr lang="en-US" smtClean="0"/>
-              <a:t>Fifth level</a:t>
-            </a:r>
-            <a:endParaRPr lang="en-US"/>
-          </a:p>
-        </p:txBody>
-      </p:sp>
-      <p:sp>
-        <p:nvSpPr>
-          <p:cNvPr id="7" name="Date Placeholder 6"/>
-          <p:cNvSpPr>
-            <a:spLocks noGrp="1"/>
-          </p:cNvSpPr>
-          <p:nvPr>
-            <p:ph type="dt" sz="half" idx="10"/>
-          </p:nvPr>
-        </p:nvSpPr>
-        <p:spPr/>
-        <p:txBody>
-          <a:bodyPr/>
-          <a:lstStyle/>
-          <a:p>
             <a:fld id="{B6678536-6967-4B9F-9DEF-2A17C5001E54}" type="datetimeFigureOut">
               <a:rPr lang="en-US" smtClean="0"/>
-              <a:t>4/19/2017</a:t>
+              <a:t>4/24/2017</a:t>
             </a:fld>
             <a:endParaRPr lang="en-US"/>
           </a:p>
@@ -1660,7 +4423,7 @@
     </p:spTree>
     <p:extLst>
       <p:ext uri="{BB962C8B-B14F-4D97-AF65-F5344CB8AC3E}">
-        <p14:creationId xmlns:p14="http://schemas.microsoft.com/office/powerpoint/2010/main" val="1442243999"/>
+        <p14:creationId xmlns:p14="http://schemas.microsoft.com/office/powerpoint/2010/main" val="2345445621"/>
       </p:ext>
     </p:extLst>
   </p:cSld>
@@ -1706,13 +4469,13 @@
               <a:rPr lang="en-US" smtClean="0"/>
               <a:t>Click to edit Master title style</a:t>
             </a:r>
-            <a:endParaRPr lang="en-US"/>
-          </a:p>
-        </p:txBody>
-      </p:sp>
-      <p:sp>
-        <p:nvSpPr>
-          <p:cNvPr id="3" name="Date Placeholder 2"/>
+            <a:endParaRPr lang="en-US" dirty="0"/>
+          </a:p>
+        </p:txBody>
+      </p:sp>
+      <p:sp>
+        <p:nvSpPr>
+          <p:cNvPr id="7" name="Date Placeholder 2"/>
           <p:cNvSpPr>
             <a:spLocks noGrp="1"/>
           </p:cNvSpPr>
@@ -1727,7 +4490,7 @@
           <a:p>
             <a:fld id="{B6678536-6967-4B9F-9DEF-2A17C5001E54}" type="datetimeFigureOut">
               <a:rPr lang="en-US" smtClean="0"/>
-              <a:t>4/19/2017</a:t>
+              <a:t>4/24/2017</a:t>
             </a:fld>
             <a:endParaRPr lang="en-US"/>
           </a:p>
@@ -1735,7 +4498,7 @@
       </p:sp>
       <p:sp>
         <p:nvSpPr>
-          <p:cNvPr id="4" name="Footer Placeholder 3"/>
+          <p:cNvPr id="5" name="Footer Placeholder 3"/>
           <p:cNvSpPr>
             <a:spLocks noGrp="1"/>
           </p:cNvSpPr>
@@ -1754,7 +4517,7 @@
       </p:sp>
       <p:sp>
         <p:nvSpPr>
-          <p:cNvPr id="5" name="Slide Number Placeholder 4"/>
+          <p:cNvPr id="6" name="Slide Number Placeholder 4"/>
           <p:cNvSpPr>
             <a:spLocks noGrp="1"/>
           </p:cNvSpPr>
@@ -1778,7 +4541,7 @@
     </p:spTree>
     <p:extLst>
       <p:ext uri="{BB962C8B-B14F-4D97-AF65-F5344CB8AC3E}">
-        <p14:creationId xmlns:p14="http://schemas.microsoft.com/office/powerpoint/2010/main" val="3786507701"/>
+        <p14:creationId xmlns:p14="http://schemas.microsoft.com/office/powerpoint/2010/main" val="3596532597"/>
       </p:ext>
     </p:extLst>
   </p:cSld>
@@ -1807,7 +4570,7 @@
       </p:grpSpPr>
       <p:sp>
         <p:nvSpPr>
-          <p:cNvPr id="2" name="Date Placeholder 1"/>
+          <p:cNvPr id="7" name="Date Placeholder 1"/>
           <p:cNvSpPr>
             <a:spLocks noGrp="1"/>
           </p:cNvSpPr>
@@ -1822,7 +4585,7 @@
           <a:p>
             <a:fld id="{B6678536-6967-4B9F-9DEF-2A17C5001E54}" type="datetimeFigureOut">
               <a:rPr lang="en-US" smtClean="0"/>
-              <a:t>4/19/2017</a:t>
+              <a:t>4/24/2017</a:t>
             </a:fld>
             <a:endParaRPr lang="en-US"/>
           </a:p>
@@ -1830,7 +4593,7 @@
       </p:sp>
       <p:sp>
         <p:nvSpPr>
-          <p:cNvPr id="3" name="Footer Placeholder 2"/>
+          <p:cNvPr id="5" name="Footer Placeholder 2"/>
           <p:cNvSpPr>
             <a:spLocks noGrp="1"/>
           </p:cNvSpPr>
@@ -1849,7 +4612,7 @@
       </p:sp>
       <p:sp>
         <p:nvSpPr>
-          <p:cNvPr id="4" name="Slide Number Placeholder 3"/>
+          <p:cNvPr id="6" name="Slide Number Placeholder 3"/>
           <p:cNvSpPr>
             <a:spLocks noGrp="1"/>
           </p:cNvSpPr>
@@ -1873,7 +4636,7 @@
     </p:spTree>
     <p:extLst>
       <p:ext uri="{BB962C8B-B14F-4D97-AF65-F5344CB8AC3E}">
-        <p14:creationId xmlns:p14="http://schemas.microsoft.com/office/powerpoint/2010/main" val="2589151058"/>
+        <p14:creationId xmlns:p14="http://schemas.microsoft.com/office/powerpoint/2010/main" val="2102768237"/>
       </p:ext>
     </p:extLst>
   </p:cSld>
@@ -1912,15 +4675,15 @@
         </p:nvSpPr>
         <p:spPr>
           <a:xfrm>
-            <a:off x="839788" y="457200"/>
-            <a:ext cx="3932237" cy="1600200"/>
+            <a:off x="1154953" y="1447800"/>
+            <a:ext cx="3401064" cy="1447800"/>
           </a:xfrm>
         </p:spPr>
         <p:txBody>
           <a:bodyPr anchor="b"/>
           <a:lstStyle>
-            <a:lvl1pPr>
-              <a:defRPr sz="3200"/>
+            <a:lvl1pPr algn="l">
+              <a:defRPr sz="2400" b="0"/>
             </a:lvl1pPr>
           </a:lstStyle>
           <a:p>
@@ -1928,7 +4691,7 @@
               <a:rPr lang="en-US" smtClean="0"/>
               <a:t>Click to edit Master title style</a:t>
             </a:r>
-            <a:endParaRPr lang="en-US"/>
+            <a:endParaRPr lang="en-US" dirty="0"/>
           </a:p>
         </p:txBody>
       </p:sp>
@@ -1944,46 +4707,48 @@
         </p:nvSpPr>
         <p:spPr>
           <a:xfrm>
-            <a:off x="5183188" y="987425"/>
-            <a:ext cx="6172200" cy="4873625"/>
+            <a:off x="4784616" y="1447800"/>
+            <a:ext cx="5195997" cy="4572000"/>
           </a:xfrm>
         </p:spPr>
         <p:txBody>
-          <a:bodyPr/>
+          <a:bodyPr anchor="ctr">
+            <a:normAutofit/>
+          </a:bodyPr>
           <a:lstStyle>
             <a:lvl1pPr>
-              <a:defRPr sz="3200"/>
+              <a:defRPr sz="2000"/>
             </a:lvl1pPr>
             <a:lvl2pPr>
-              <a:defRPr sz="2800"/>
+              <a:defRPr sz="1800"/>
             </a:lvl2pPr>
             <a:lvl3pPr>
-              <a:defRPr sz="2400"/>
+              <a:defRPr sz="1600"/>
             </a:lvl3pPr>
             <a:lvl4pPr>
-              <a:defRPr sz="2000"/>
+              <a:defRPr sz="1400"/>
             </a:lvl4pPr>
             <a:lvl5pPr>
-              <a:defRPr sz="2000"/>
+              <a:defRPr sz="1400"/>
             </a:lvl5pPr>
             <a:lvl6pPr>
-              <a:defRPr sz="2000"/>
+              <a:defRPr sz="1400"/>
             </a:lvl6pPr>
             <a:lvl7pPr>
-              <a:defRPr sz="2000"/>
+              <a:defRPr sz="1400"/>
             </a:lvl7pPr>
             <a:lvl8pPr>
-              <a:defRPr sz="2000"/>
+              <a:defRPr sz="1400"/>
             </a:lvl8pPr>
             <a:lvl9pPr>
-              <a:defRPr sz="2000"/>
+              <a:defRPr sz="1400"/>
             </a:lvl9pPr>
           </a:lstStyle>
           <a:p>
             <a:pPr lvl="0"/>
             <a:r>
               <a:rPr lang="en-US" smtClean="0"/>
-              <a:t>Click to edit Master text styles</a:t>
+              <a:t>Edit Master text styles</a:t>
             </a:r>
           </a:p>
           <a:p>
@@ -2013,7 +4778,7 @@
               <a:rPr lang="en-US" smtClean="0"/>
               <a:t>Fifth level</a:t>
             </a:r>
-            <a:endParaRPr lang="en-US"/>
+            <a:endParaRPr lang="en-US" dirty="0"/>
           </a:p>
         </p:txBody>
       </p:sp>
@@ -2029,8 +4794,8 @@
         </p:nvSpPr>
         <p:spPr>
           <a:xfrm>
-            <a:off x="839788" y="2057400"/>
-            <a:ext cx="3932237" cy="3811588"/>
+            <a:off x="1154953" y="3129280"/>
+            <a:ext cx="3401063" cy="2895599"/>
           </a:xfrm>
         </p:spPr>
         <p:txBody>
@@ -2038,53 +4803,53 @@
           <a:lstStyle>
             <a:lvl1pPr marL="0" indent="0">
               <a:buNone/>
-              <a:defRPr sz="1600"/>
+              <a:defRPr sz="1400"/>
             </a:lvl1pPr>
             <a:lvl2pPr marL="457200" indent="0">
               <a:buNone/>
-              <a:defRPr sz="1400"/>
+              <a:defRPr sz="1200"/>
             </a:lvl2pPr>
             <a:lvl3pPr marL="914400" indent="0">
               <a:buNone/>
-              <a:defRPr sz="1200"/>
+              <a:defRPr sz="1000"/>
             </a:lvl3pPr>
             <a:lvl4pPr marL="1371600" indent="0">
               <a:buNone/>
-              <a:defRPr sz="1000"/>
+              <a:defRPr sz="900"/>
             </a:lvl4pPr>
             <a:lvl5pPr marL="1828800" indent="0">
               <a:buNone/>
-              <a:defRPr sz="1000"/>
+              <a:defRPr sz="900"/>
             </a:lvl5pPr>
             <a:lvl6pPr marL="2286000" indent="0">
               <a:buNone/>
-              <a:defRPr sz="1000"/>
+              <a:defRPr sz="900"/>
             </a:lvl6pPr>
             <a:lvl7pPr marL="2743200" indent="0">
               <a:buNone/>
-              <a:defRPr sz="1000"/>
+              <a:defRPr sz="900"/>
             </a:lvl7pPr>
             <a:lvl8pPr marL="3200400" indent="0">
               <a:buNone/>
-              <a:defRPr sz="1000"/>
+              <a:defRPr sz="900"/>
             </a:lvl8pPr>
             <a:lvl9pPr marL="3657600" indent="0">
               <a:buNone/>
-              <a:defRPr sz="1000"/>
+              <a:defRPr sz="900"/>
             </a:lvl9pPr>
           </a:lstStyle>
           <a:p>
             <a:pPr lvl="0"/>
             <a:r>
               <a:rPr lang="en-US" smtClean="0"/>
-              <a:t>Click to edit Master text styles</a:t>
-            </a:r>
-          </a:p>
-        </p:txBody>
-      </p:sp>
-      <p:sp>
-        <p:nvSpPr>
-          <p:cNvPr id="5" name="Date Placeholder 4"/>
+              <a:t>Edit Master text styles</a:t>
+            </a:r>
+          </a:p>
+        </p:txBody>
+      </p:sp>
+      <p:sp>
+        <p:nvSpPr>
+          <p:cNvPr id="7" name="Date Placeholder 4"/>
           <p:cNvSpPr>
             <a:spLocks noGrp="1"/>
           </p:cNvSpPr>
@@ -2099,7 +4864,7 @@
           <a:p>
             <a:fld id="{B6678536-6967-4B9F-9DEF-2A17C5001E54}" type="datetimeFigureOut">
               <a:rPr lang="en-US" smtClean="0"/>
-              <a:t>4/19/2017</a:t>
+              <a:t>4/24/2017</a:t>
             </a:fld>
             <a:endParaRPr lang="en-US"/>
           </a:p>
@@ -2107,7 +4872,7 @@
       </p:sp>
       <p:sp>
         <p:nvSpPr>
-          <p:cNvPr id="6" name="Footer Placeholder 5"/>
+          <p:cNvPr id="5" name="Footer Placeholder 5"/>
           <p:cNvSpPr>
             <a:spLocks noGrp="1"/>
           </p:cNvSpPr>
@@ -2126,7 +4891,7 @@
       </p:sp>
       <p:sp>
         <p:nvSpPr>
-          <p:cNvPr id="7" name="Slide Number Placeholder 6"/>
+          <p:cNvPr id="6" name="Slide Number Placeholder 6"/>
           <p:cNvSpPr>
             <a:spLocks noGrp="1"/>
           </p:cNvSpPr>
@@ -2150,7 +4915,7 @@
     </p:spTree>
     <p:extLst>
       <p:ext uri="{BB962C8B-B14F-4D97-AF65-F5344CB8AC3E}">
-        <p14:creationId xmlns:p14="http://schemas.microsoft.com/office/powerpoint/2010/main" val="410269406"/>
+        <p14:creationId xmlns:p14="http://schemas.microsoft.com/office/powerpoint/2010/main" val="924052325"/>
       </p:ext>
     </p:extLst>
   </p:cSld>
@@ -2189,15 +4954,17 @@
         </p:nvSpPr>
         <p:spPr>
           <a:xfrm>
-            <a:off x="839788" y="457200"/>
-            <a:ext cx="3932237" cy="1600200"/>
+            <a:off x="1153907" y="1854192"/>
+            <a:ext cx="5092906" cy="1574808"/>
           </a:xfrm>
         </p:spPr>
         <p:txBody>
-          <a:bodyPr anchor="b"/>
+          <a:bodyPr anchor="b">
+            <a:normAutofit/>
+          </a:bodyPr>
           <a:lstStyle>
-            <a:lvl1pPr>
-              <a:defRPr sz="3200"/>
+            <a:lvl1pPr algn="l">
+              <a:defRPr sz="3600" b="0"/>
             </a:lvl1pPr>
           </a:lstStyle>
           <a:p>
@@ -2205,7 +4972,7 @@
               <a:rPr lang="en-US" smtClean="0"/>
               <a:t>Click to edit Master title style</a:t>
             </a:r>
-            <a:endParaRPr lang="en-US"/>
+            <a:endParaRPr lang="en-US" dirty="0"/>
           </a:p>
         </p:txBody>
       </p:sp>
@@ -2213,7 +4980,7 @@
         <p:nvSpPr>
           <p:cNvPr id="3" name="Picture Placeholder 2"/>
           <p:cNvSpPr>
-            <a:spLocks noGrp="1"/>
+            <a:spLocks noGrp="1" noChangeAspect="1"/>
           </p:cNvSpPr>
           <p:nvPr>
             <p:ph type="pic" idx="1"/>
@@ -2221,116 +4988,136 @@
         </p:nvSpPr>
         <p:spPr>
           <a:xfrm>
-            <a:off x="5183188" y="987425"/>
-            <a:ext cx="6172200" cy="4873625"/>
+            <a:off x="6949546" y="1143000"/>
+            <a:ext cx="3200400" cy="4572000"/>
           </a:xfrm>
+          <a:prstGeom prst="roundRect">
+            <a:avLst>
+              <a:gd name="adj" fmla="val 1858"/>
+            </a:avLst>
+          </a:prstGeom>
+          <a:effectLst>
+            <a:outerShdw blurRad="50800" dist="50800" dir="5400000" algn="tl" rotWithShape="0">
+              <a:srgbClr val="000000">
+                <a:alpha val="43000"/>
+              </a:srgbClr>
+            </a:outerShdw>
+          </a:effectLst>
         </p:spPr>
         <p:txBody>
-          <a:bodyPr/>
+          <a:bodyPr anchor="t">
+            <a:normAutofit/>
+          </a:bodyPr>
           <a:lstStyle>
-            <a:lvl1pPr marL="0" indent="0">
-              <a:buNone/>
-              <a:defRPr sz="3200"/>
-            </a:lvl1pPr>
-            <a:lvl2pPr marL="457200" indent="0">
-              <a:buNone/>
-              <a:defRPr sz="2800"/>
-            </a:lvl2pPr>
-            <a:lvl3pPr marL="914400" indent="0">
-              <a:buNone/>
-              <a:defRPr sz="2400"/>
-            </a:lvl3pPr>
-            <a:lvl4pPr marL="1371600" indent="0">
-              <a:buNone/>
-              <a:defRPr sz="2000"/>
-            </a:lvl4pPr>
-            <a:lvl5pPr marL="1828800" indent="0">
-              <a:buNone/>
-              <a:defRPr sz="2000"/>
-            </a:lvl5pPr>
-            <a:lvl6pPr marL="2286000" indent="0">
-              <a:buNone/>
-              <a:defRPr sz="2000"/>
-            </a:lvl6pPr>
-            <a:lvl7pPr marL="2743200" indent="0">
-              <a:buNone/>
-              <a:defRPr sz="2000"/>
-            </a:lvl7pPr>
-            <a:lvl8pPr marL="3200400" indent="0">
-              <a:buNone/>
-              <a:defRPr sz="2000"/>
-            </a:lvl8pPr>
-            <a:lvl9pPr marL="3657600" indent="0">
-              <a:buNone/>
-              <a:defRPr sz="2000"/>
-            </a:lvl9pPr>
-          </a:lstStyle>
-          <a:p>
-            <a:endParaRPr lang="en-US"/>
-          </a:p>
-        </p:txBody>
-      </p:sp>
-      <p:sp>
-        <p:nvSpPr>
-          <p:cNvPr id="4" name="Text Placeholder 3"/>
-          <p:cNvSpPr>
-            <a:spLocks noGrp="1"/>
-          </p:cNvSpPr>
-          <p:nvPr>
-            <p:ph type="body" sz="half" idx="2"/>
-          </p:nvPr>
-        </p:nvSpPr>
-        <p:spPr>
-          <a:xfrm>
-            <a:off x="839788" y="2057400"/>
-            <a:ext cx="3932237" cy="3811588"/>
-          </a:xfrm>
-        </p:spPr>
-        <p:txBody>
-          <a:bodyPr/>
-          <a:lstStyle>
-            <a:lvl1pPr marL="0" indent="0">
+            <a:lvl1pPr marL="0" indent="0" algn="ctr">
               <a:buNone/>
               <a:defRPr sz="1600"/>
             </a:lvl1pPr>
             <a:lvl2pPr marL="457200" indent="0">
               <a:buNone/>
-              <a:defRPr sz="1400"/>
+              <a:defRPr sz="1600"/>
             </a:lvl2pPr>
             <a:lvl3pPr marL="914400" indent="0">
               <a:buNone/>
-              <a:defRPr sz="1200"/>
+              <a:defRPr sz="1600"/>
             </a:lvl3pPr>
             <a:lvl4pPr marL="1371600" indent="0">
               <a:buNone/>
-              <a:defRPr sz="1000"/>
+              <a:defRPr sz="1600"/>
             </a:lvl4pPr>
             <a:lvl5pPr marL="1828800" indent="0">
               <a:buNone/>
-              <a:defRPr sz="1000"/>
+              <a:defRPr sz="1600"/>
             </a:lvl5pPr>
             <a:lvl6pPr marL="2286000" indent="0">
               <a:buNone/>
-              <a:defRPr sz="1000"/>
+              <a:defRPr sz="1600"/>
             </a:lvl6pPr>
             <a:lvl7pPr marL="2743200" indent="0">
               <a:buNone/>
-              <a:defRPr sz="1000"/>
+              <a:defRPr sz="1600"/>
             </a:lvl7pPr>
             <a:lvl8pPr marL="3200400" indent="0">
               <a:buNone/>
-              <a:defRPr sz="1000"/>
+              <a:defRPr sz="1600"/>
             </a:lvl8pPr>
             <a:lvl9pPr marL="3657600" indent="0">
               <a:buNone/>
-              <a:defRPr sz="1000"/>
+              <a:defRPr sz="1600"/>
             </a:lvl9pPr>
           </a:lstStyle>
           <a:p>
+            <a:r>
+              <a:rPr lang="en-US" smtClean="0"/>
+              <a:t>Click icon to add picture</a:t>
+            </a:r>
+            <a:endParaRPr lang="en-US" dirty="0"/>
+          </a:p>
+        </p:txBody>
+      </p:sp>
+      <p:sp>
+        <p:nvSpPr>
+          <p:cNvPr id="4" name="Text Placeholder 3"/>
+          <p:cNvSpPr>
+            <a:spLocks noGrp="1"/>
+          </p:cNvSpPr>
+          <p:nvPr>
+            <p:ph type="body" sz="half" idx="2"/>
+          </p:nvPr>
+        </p:nvSpPr>
+        <p:spPr>
+          <a:xfrm>
+            <a:off x="1154954" y="3657600"/>
+            <a:ext cx="5084979" cy="1371600"/>
+          </a:xfrm>
+        </p:spPr>
+        <p:txBody>
+          <a:bodyPr>
+            <a:normAutofit/>
+          </a:bodyPr>
+          <a:lstStyle>
+            <a:lvl1pPr marL="0" indent="0">
+              <a:buNone/>
+              <a:defRPr sz="1400"/>
+            </a:lvl1pPr>
+            <a:lvl2pPr marL="457200" indent="0">
+              <a:buNone/>
+              <a:defRPr sz="1200"/>
+            </a:lvl2pPr>
+            <a:lvl3pPr marL="914400" indent="0">
+              <a:buNone/>
+              <a:defRPr sz="1000"/>
+            </a:lvl3pPr>
+            <a:lvl4pPr marL="1371600" indent="0">
+              <a:buNone/>
+              <a:defRPr sz="900"/>
+            </a:lvl4pPr>
+            <a:lvl5pPr marL="1828800" indent="0">
+              <a:buNone/>
+              <a:defRPr sz="900"/>
+            </a:lvl5pPr>
+            <a:lvl6pPr marL="2286000" indent="0">
+              <a:buNone/>
+              <a:defRPr sz="900"/>
+            </a:lvl6pPr>
+            <a:lvl7pPr marL="2743200" indent="0">
+              <a:buNone/>
+              <a:defRPr sz="900"/>
+            </a:lvl7pPr>
+            <a:lvl8pPr marL="3200400" indent="0">
+              <a:buNone/>
+              <a:defRPr sz="900"/>
+            </a:lvl8pPr>
+            <a:lvl9pPr marL="3657600" indent="0">
+              <a:buNone/>
+              <a:defRPr sz="900"/>
+            </a:lvl9pPr>
+          </a:lstStyle>
+          <a:p>
             <a:pPr lvl="0"/>
             <a:r>
               <a:rPr lang="en-US" smtClean="0"/>
-              <a:t>Click to edit Master text styles</a:t>
+              <a:t>Edit Master text styles</a:t>
             </a:r>
           </a:p>
         </p:txBody>
@@ -2352,7 +5139,7 @@
           <a:p>
             <a:fld id="{B6678536-6967-4B9F-9DEF-2A17C5001E54}" type="datetimeFigureOut">
               <a:rPr lang="en-US" smtClean="0"/>
-              <a:t>4/19/2017</a:t>
+              <a:t>4/24/2017</a:t>
             </a:fld>
             <a:endParaRPr lang="en-US"/>
           </a:p>
@@ -2403,7 +5190,7 @@
     </p:spTree>
     <p:extLst>
       <p:ext uri="{BB962C8B-B14F-4D97-AF65-F5344CB8AC3E}">
-        <p14:creationId xmlns:p14="http://schemas.microsoft.com/office/powerpoint/2010/main" val="3236143141"/>
+        <p14:creationId xmlns:p14="http://schemas.microsoft.com/office/powerpoint/2010/main" val="375362465"/>
       </p:ext>
     </p:extLst>
   </p:cSld>
@@ -2417,8 +5204,8 @@
 <p:sldMaster xmlns:a="http://schemas.openxmlformats.org/drawingml/2006/main" xmlns:r="http://schemas.openxmlformats.org/officeDocument/2006/relationships" xmlns:p="http://schemas.openxmlformats.org/presentationml/2006/main">
   <p:cSld>
     <p:bg>
-      <p:bgRef idx="1001">
-        <a:schemeClr val="bg1"/>
+      <p:bgRef idx="1003">
+        <a:schemeClr val="bg2"/>
       </p:bgRef>
     </p:bg>
     <p:spTree>
@@ -2435,125 +5222,420 @@
           <a:chExt cx="0" cy="0"/>
         </a:xfrm>
       </p:grpSpPr>
-      <p:sp>
-        <p:nvSpPr>
-          <p:cNvPr id="2" name="Title Placeholder 1"/>
-          <p:cNvSpPr>
-            <a:spLocks noGrp="1"/>
-          </p:cNvSpPr>
-          <p:nvPr>
-            <p:ph type="title"/>
-          </p:nvPr>
-        </p:nvSpPr>
+      <p:pic>
+        <p:nvPicPr>
+          <p:cNvPr id="8" name="Picture 7"/>
+          <p:cNvPicPr>
+            <a:picLocks noChangeAspect="1"/>
+          </p:cNvPicPr>
+          <p:nvPr/>
+        </p:nvPicPr>
+        <p:blipFill rotWithShape="1">
+          <a:blip r:embed="rId19">
+            <a:extLst>
+              <a:ext uri="{28A0092B-C50C-407E-A947-70E740481C1C}">
+                <a14:useLocalDpi xmlns:a14="http://schemas.microsoft.com/office/drawing/2010/main" val="0"/>
+              </a:ext>
+            </a:extLst>
+          </a:blip>
+          <a:srcRect l="3613"/>
+          <a:stretch/>
+        </p:blipFill>
         <p:spPr>
           <a:xfrm>
-            <a:off x="838200" y="365125"/>
-            <a:ext cx="10515600" cy="1325563"/>
+            <a:off x="0" y="2669685"/>
+            <a:ext cx="4037012" cy="4188315"/>
           </a:xfrm>
           <a:prstGeom prst="rect">
             <a:avLst/>
           </a:prstGeom>
         </p:spPr>
-        <p:txBody>
-          <a:bodyPr vert="horz" lIns="91440" tIns="45720" rIns="91440" bIns="45720" rtlCol="0" anchor="ctr">
-            <a:normAutofit/>
-          </a:bodyPr>
-          <a:lstStyle/>
-          <a:p>
-            <a:r>
-              <a:rPr lang="en-US" smtClean="0"/>
-              <a:t>Click to edit Master title style</a:t>
-            </a:r>
-            <a:endParaRPr lang="en-US"/>
-          </a:p>
-        </p:txBody>
-      </p:sp>
-      <p:sp>
-        <p:nvSpPr>
-          <p:cNvPr id="3" name="Text Placeholder 2"/>
-          <p:cNvSpPr>
-            <a:spLocks noGrp="1"/>
-          </p:cNvSpPr>
-          <p:nvPr>
-            <p:ph type="body" idx="1"/>
-          </p:nvPr>
-        </p:nvSpPr>
+      </p:pic>
+      <p:pic>
+        <p:nvPicPr>
+          <p:cNvPr id="7" name="Picture 6"/>
+          <p:cNvPicPr>
+            <a:picLocks noChangeAspect="1"/>
+          </p:cNvPicPr>
+          <p:nvPr/>
+        </p:nvPicPr>
+        <p:blipFill rotWithShape="1">
+          <a:blip r:embed="rId20">
+            <a:extLst>
+              <a:ext uri="{28A0092B-C50C-407E-A947-70E740481C1C}">
+                <a14:useLocalDpi xmlns:a14="http://schemas.microsoft.com/office/drawing/2010/main" val="0"/>
+              </a:ext>
+            </a:extLst>
+          </a:blip>
+          <a:srcRect l="35640"/>
+          <a:stretch/>
+        </p:blipFill>
         <p:spPr>
           <a:xfrm>
-            <a:off x="838200" y="1825625"/>
-            <a:ext cx="10515600" cy="4351338"/>
+            <a:off x="0" y="2892347"/>
+            <a:ext cx="1522412" cy="2365453"/>
           </a:xfrm>
           <a:prstGeom prst="rect">
             <a:avLst/>
           </a:prstGeom>
         </p:spPr>
-        <p:txBody>
-          <a:bodyPr vert="horz" lIns="91440" tIns="45720" rIns="91440" bIns="45720" rtlCol="0">
-            <a:normAutofit/>
-          </a:bodyPr>
-          <a:lstStyle/>
-          <a:p>
-            <a:pPr lvl="0"/>
-            <a:r>
-              <a:rPr lang="en-US" smtClean="0"/>
-              <a:t>Click to edit Master text styles</a:t>
-            </a:r>
-          </a:p>
-          <a:p>
-            <a:pPr lvl="1"/>
-            <a:r>
-              <a:rPr lang="en-US" smtClean="0"/>
-              <a:t>Second level</a:t>
-            </a:r>
-          </a:p>
-          <a:p>
-            <a:pPr lvl="2"/>
-            <a:r>
-              <a:rPr lang="en-US" smtClean="0"/>
-              <a:t>Third level</a:t>
-            </a:r>
-          </a:p>
-          <a:p>
-            <a:pPr lvl="3"/>
-            <a:r>
-              <a:rPr lang="en-US" smtClean="0"/>
-              <a:t>Fourth level</a:t>
-            </a:r>
-          </a:p>
-          <a:p>
-            <a:pPr lvl="4"/>
-            <a:r>
-              <a:rPr lang="en-US" smtClean="0"/>
-              <a:t>Fifth level</a:t>
-            </a:r>
-            <a:endParaRPr lang="en-US"/>
-          </a:p>
-        </p:txBody>
-      </p:sp>
-      <p:sp>
-        <p:nvSpPr>
-          <p:cNvPr id="4" name="Date Placeholder 3"/>
-          <p:cNvSpPr>
-            <a:spLocks noGrp="1"/>
-          </p:cNvSpPr>
-          <p:nvPr>
-            <p:ph type="dt" sz="half" idx="2"/>
-          </p:nvPr>
+      </p:pic>
+      <p:sp>
+        <p:nvSpPr>
+          <p:cNvPr id="16" name="Oval 15"/>
+          <p:cNvSpPr/>
+          <p:nvPr/>
         </p:nvSpPr>
         <p:spPr>
           <a:xfrm>
-            <a:off x="838200" y="6356350"/>
-            <a:ext cx="2743200" cy="365125"/>
+            <a:off x="8609012" y="1676400"/>
+            <a:ext cx="2819400" cy="2819400"/>
+          </a:xfrm>
+          <a:prstGeom prst="ellipse">
+            <a:avLst/>
+          </a:prstGeom>
+          <a:gradFill flip="none" rotWithShape="1">
+            <a:gsLst>
+              <a:gs pos="0">
+                <a:schemeClr val="bg2">
+                  <a:lumMod val="60000"/>
+                  <a:lumOff val="40000"/>
+                  <a:alpha val="7000"/>
+                </a:schemeClr>
+              </a:gs>
+              <a:gs pos="69000">
+                <a:schemeClr val="bg2">
+                  <a:lumMod val="60000"/>
+                  <a:lumOff val="40000"/>
+                  <a:alpha val="0"/>
+                </a:schemeClr>
+              </a:gs>
+              <a:gs pos="36000">
+                <a:schemeClr val="bg2">
+                  <a:lumMod val="60000"/>
+                  <a:lumOff val="40000"/>
+                  <a:alpha val="6000"/>
+                </a:schemeClr>
+              </a:gs>
+            </a:gsLst>
+            <a:path path="circle">
+              <a:fillToRect l="50000" t="50000" r="50000" b="50000"/>
+            </a:path>
+            <a:tileRect/>
+          </a:gradFill>
+          <a:ln>
+            <a:noFill/>
+          </a:ln>
+          <a:effectLst/>
+        </p:spPr>
+        <p:style>
+          <a:lnRef idx="1">
+            <a:schemeClr val="accent1"/>
+          </a:lnRef>
+          <a:fillRef idx="3">
+            <a:schemeClr val="accent1"/>
+          </a:fillRef>
+          <a:effectRef idx="2">
+            <a:schemeClr val="accent1"/>
+          </a:effectRef>
+          <a:fontRef idx="minor">
+            <a:schemeClr val="lt1"/>
+          </a:fontRef>
+        </p:style>
+      </p:sp>
+      <p:pic>
+        <p:nvPicPr>
+          <p:cNvPr id="9" name="Picture 8"/>
+          <p:cNvPicPr>
+            <a:picLocks noChangeAspect="1"/>
+          </p:cNvPicPr>
+          <p:nvPr/>
+        </p:nvPicPr>
+        <p:blipFill rotWithShape="1">
+          <a:blip r:embed="rId21">
+            <a:extLst>
+              <a:ext uri="{28A0092B-C50C-407E-A947-70E740481C1C}">
+                <a14:useLocalDpi xmlns:a14="http://schemas.microsoft.com/office/drawing/2010/main" val="0"/>
+              </a:ext>
+            </a:extLst>
+          </a:blip>
+          <a:srcRect t="28813"/>
+          <a:stretch/>
+        </p:blipFill>
+        <p:spPr>
+          <a:xfrm>
+            <a:off x="7999412" y="0"/>
+            <a:ext cx="1603387" cy="1141407"/>
           </a:xfrm>
           <a:prstGeom prst="rect">
             <a:avLst/>
           </a:prstGeom>
         </p:spPr>
-        <p:txBody>
-          <a:bodyPr vert="horz" lIns="91440" tIns="45720" rIns="91440" bIns="45720" rtlCol="0" anchor="ctr"/>
+      </p:pic>
+      <p:pic>
+        <p:nvPicPr>
+          <p:cNvPr id="10" name="Picture 9"/>
+          <p:cNvPicPr>
+            <a:picLocks noChangeAspect="1"/>
+          </p:cNvPicPr>
+          <p:nvPr/>
+        </p:nvPicPr>
+        <p:blipFill rotWithShape="1">
+          <a:blip r:embed="rId22">
+            <a:extLst>
+              <a:ext uri="{28A0092B-C50C-407E-A947-70E740481C1C}">
+                <a14:useLocalDpi xmlns:a14="http://schemas.microsoft.com/office/drawing/2010/main" val="0"/>
+              </a:ext>
+            </a:extLst>
+          </a:blip>
+          <a:srcRect b="23320"/>
+          <a:stretch/>
+        </p:blipFill>
+        <p:spPr>
+          <a:xfrm>
+            <a:off x="8605878" y="6096000"/>
+            <a:ext cx="993734" cy="762000"/>
+          </a:xfrm>
+          <a:prstGeom prst="rect">
+            <a:avLst/>
+          </a:prstGeom>
+        </p:spPr>
+      </p:pic>
+      <p:sp>
+        <p:nvSpPr>
+          <p:cNvPr id="14" name="Rectangle 13"/>
+          <p:cNvSpPr/>
+          <p:nvPr/>
+        </p:nvSpPr>
+        <p:spPr>
+          <a:xfrm>
+            <a:off x="10437812" y="0"/>
+            <a:ext cx="685800" cy="1143000"/>
+          </a:xfrm>
+          <a:prstGeom prst="rect">
+            <a:avLst/>
+          </a:prstGeom>
+          <a:solidFill>
+            <a:schemeClr val="accent1"/>
+          </a:solidFill>
+          <a:ln>
+            <a:noFill/>
+          </a:ln>
+        </p:spPr>
+        <p:style>
+          <a:lnRef idx="1">
+            <a:schemeClr val="accent1"/>
+          </a:lnRef>
+          <a:fillRef idx="3">
+            <a:schemeClr val="accent1"/>
+          </a:fillRef>
+          <a:effectRef idx="2">
+            <a:schemeClr val="accent1"/>
+          </a:effectRef>
+          <a:fontRef idx="minor">
+            <a:schemeClr val="lt1"/>
+          </a:fontRef>
+        </p:style>
+      </p:sp>
+      <p:sp>
+        <p:nvSpPr>
+          <p:cNvPr id="2" name="Title Placeholder 1"/>
+          <p:cNvSpPr>
+            <a:spLocks noGrp="1"/>
+          </p:cNvSpPr>
+          <p:nvPr>
+            <p:ph type="title"/>
+          </p:nvPr>
+        </p:nvSpPr>
+        <p:spPr>
+          <a:xfrm>
+            <a:off x="646111" y="452718"/>
+            <a:ext cx="9404723" cy="1400530"/>
+          </a:xfrm>
+          <a:prstGeom prst="rect">
+            <a:avLst/>
+          </a:prstGeom>
+        </p:spPr>
+        <p:txBody>
+          <a:bodyPr vert="horz" lIns="91440" tIns="45720" rIns="91440" bIns="45720" rtlCol="0" anchor="t">
+            <a:noAutofit/>
+          </a:bodyPr>
+          <a:lstStyle/>
+          <a:p>
+            <a:r>
+              <a:rPr lang="en-US" smtClean="0"/>
+              <a:t>Click to edit Master title style</a:t>
+            </a:r>
+            <a:endParaRPr lang="en-US" dirty="0"/>
+          </a:p>
+        </p:txBody>
+      </p:sp>
+      <p:sp>
+        <p:nvSpPr>
+          <p:cNvPr id="3" name="Text Placeholder 2"/>
+          <p:cNvSpPr>
+            <a:spLocks noGrp="1"/>
+          </p:cNvSpPr>
+          <p:nvPr>
+            <p:ph type="body" idx="1"/>
+          </p:nvPr>
+        </p:nvSpPr>
+        <p:spPr>
+          <a:xfrm>
+            <a:off x="1103312" y="2052918"/>
+            <a:ext cx="8946541" cy="4195481"/>
+          </a:xfrm>
+          <a:prstGeom prst="rect">
+            <a:avLst/>
+          </a:prstGeom>
+        </p:spPr>
+        <p:txBody>
+          <a:bodyPr vert="horz" lIns="91440" tIns="45720" rIns="91440" bIns="45720" rtlCol="0">
+            <a:normAutofit/>
+          </a:bodyPr>
+          <a:lstStyle/>
+          <a:p>
+            <a:pPr lvl="0"/>
+            <a:r>
+              <a:rPr lang="en-US" smtClean="0"/>
+              <a:t>Edit Master text styles</a:t>
+            </a:r>
+          </a:p>
+          <a:p>
+            <a:pPr lvl="1"/>
+            <a:r>
+              <a:rPr lang="en-US" smtClean="0"/>
+              <a:t>Second level</a:t>
+            </a:r>
+          </a:p>
+          <a:p>
+            <a:pPr lvl="2"/>
+            <a:r>
+              <a:rPr lang="en-US" smtClean="0"/>
+              <a:t>Third level</a:t>
+            </a:r>
+          </a:p>
+          <a:p>
+            <a:pPr lvl="3"/>
+            <a:r>
+              <a:rPr lang="en-US" smtClean="0"/>
+              <a:t>Fourth level</a:t>
+            </a:r>
+          </a:p>
+          <a:p>
+            <a:pPr lvl="4"/>
+            <a:r>
+              <a:rPr lang="en-US" smtClean="0"/>
+              <a:t>Fifth level</a:t>
+            </a:r>
+            <a:endParaRPr lang="en-US" dirty="0"/>
+          </a:p>
+        </p:txBody>
+      </p:sp>
+      <p:sp>
+        <p:nvSpPr>
+          <p:cNvPr id="4" name="Date Placeholder 3"/>
+          <p:cNvSpPr>
+            <a:spLocks noGrp="1"/>
+          </p:cNvSpPr>
+          <p:nvPr>
+            <p:ph type="dt" sz="half" idx="2"/>
+          </p:nvPr>
+        </p:nvSpPr>
+        <p:spPr>
+          <a:xfrm rot="5400000">
+            <a:off x="10155639" y="1790701"/>
+            <a:ext cx="990599" cy="304799"/>
+          </a:xfrm>
+          <a:prstGeom prst="rect">
+            <a:avLst/>
+          </a:prstGeom>
+        </p:spPr>
+        <p:txBody>
+          <a:bodyPr vert="horz" lIns="91440" tIns="45720" rIns="91440" bIns="45720" rtlCol="0" anchor="t"/>
           <a:lstStyle>
             <a:lvl1pPr algn="l">
-              <a:defRPr sz="1200">
+              <a:defRPr sz="1100" b="0" i="0">
+                <a:solidFill>
+                  <a:schemeClr val="tx1">
+                    <a:tint val="75000"/>
+                    <a:alpha val="60000"/>
+                  </a:schemeClr>
+                </a:solidFill>
+              </a:defRPr>
+            </a:lvl1pPr>
+          </a:lstStyle>
+          <a:p>
+            <a:fld id="{B6678536-6967-4B9F-9DEF-2A17C5001E54}" type="datetimeFigureOut">
+              <a:rPr lang="en-US" smtClean="0"/>
+              <a:t>4/24/2017</a:t>
+            </a:fld>
+            <a:endParaRPr lang="en-US"/>
+          </a:p>
+        </p:txBody>
+      </p:sp>
+      <p:sp>
+        <p:nvSpPr>
+          <p:cNvPr id="5" name="Footer Placeholder 4"/>
+          <p:cNvSpPr>
+            <a:spLocks noGrp="1"/>
+          </p:cNvSpPr>
+          <p:nvPr>
+            <p:ph type="ftr" sz="quarter" idx="3"/>
+          </p:nvPr>
+        </p:nvSpPr>
+        <p:spPr>
+          <a:xfrm rot="5400000">
+            <a:off x="8951573" y="3225297"/>
+            <a:ext cx="3859795" cy="304801"/>
+          </a:xfrm>
+          <a:prstGeom prst="rect">
+            <a:avLst/>
+          </a:prstGeom>
+        </p:spPr>
+        <p:txBody>
+          <a:bodyPr vert="horz" lIns="91440" tIns="45720" rIns="91440" bIns="45720" rtlCol="0" anchor="b"/>
+          <a:lstStyle>
+            <a:lvl1pPr algn="l">
+              <a:defRPr sz="1100" b="0" i="0">
+                <a:solidFill>
+                  <a:schemeClr val="tx1">
+                    <a:tint val="75000"/>
+                    <a:alpha val="60000"/>
+                  </a:schemeClr>
+                </a:solidFill>
+              </a:defRPr>
+            </a:lvl1pPr>
+          </a:lstStyle>
+          <a:p>
+            <a:endParaRPr lang="en-US"/>
+          </a:p>
+        </p:txBody>
+      </p:sp>
+      <p:sp>
+        <p:nvSpPr>
+          <p:cNvPr id="6" name="Slide Number Placeholder 5"/>
+          <p:cNvSpPr>
+            <a:spLocks noGrp="1"/>
+          </p:cNvSpPr>
+          <p:nvPr>
+            <p:ph type="sldNum" sz="quarter" idx="4"/>
+          </p:nvPr>
+        </p:nvSpPr>
+        <p:spPr bwMode="gray">
+          <a:xfrm>
+            <a:off x="10352540" y="295729"/>
+            <a:ext cx="838199" cy="767687"/>
+          </a:xfrm>
+          <a:prstGeom prst="rect">
+            <a:avLst/>
+          </a:prstGeom>
+        </p:spPr>
+        <p:txBody>
+          <a:bodyPr vert="horz" lIns="91440" tIns="45720" rIns="91440" bIns="45720" rtlCol="0" anchor="b"/>
+          <a:lstStyle>
+            <a:lvl1pPr algn="ctr">
+              <a:defRPr sz="2800" b="0" i="0">
                 <a:solidFill>
                   <a:schemeClr val="tx1">
                     <a:tint val="75000"/>
@@ -2563,84 +5645,6 @@
             </a:lvl1pPr>
           </a:lstStyle>
           <a:p>
-            <a:fld id="{B6678536-6967-4B9F-9DEF-2A17C5001E54}" type="datetimeFigureOut">
-              <a:rPr lang="en-US" smtClean="0"/>
-              <a:t>4/19/2017</a:t>
-            </a:fld>
-            <a:endParaRPr lang="en-US"/>
-          </a:p>
-        </p:txBody>
-      </p:sp>
-      <p:sp>
-        <p:nvSpPr>
-          <p:cNvPr id="5" name="Footer Placeholder 4"/>
-          <p:cNvSpPr>
-            <a:spLocks noGrp="1"/>
-          </p:cNvSpPr>
-          <p:nvPr>
-            <p:ph type="ftr" sz="quarter" idx="3"/>
-          </p:nvPr>
-        </p:nvSpPr>
-        <p:spPr>
-          <a:xfrm>
-            <a:off x="4038600" y="6356350"/>
-            <a:ext cx="4114800" cy="365125"/>
-          </a:xfrm>
-          <a:prstGeom prst="rect">
-            <a:avLst/>
-          </a:prstGeom>
-        </p:spPr>
-        <p:txBody>
-          <a:bodyPr vert="horz" lIns="91440" tIns="45720" rIns="91440" bIns="45720" rtlCol="0" anchor="ctr"/>
-          <a:lstStyle>
-            <a:lvl1pPr algn="ctr">
-              <a:defRPr sz="1200">
-                <a:solidFill>
-                  <a:schemeClr val="tx1">
-                    <a:tint val="75000"/>
-                  </a:schemeClr>
-                </a:solidFill>
-              </a:defRPr>
-            </a:lvl1pPr>
-          </a:lstStyle>
-          <a:p>
-            <a:endParaRPr lang="en-US"/>
-          </a:p>
-        </p:txBody>
-      </p:sp>
-      <p:sp>
-        <p:nvSpPr>
-          <p:cNvPr id="6" name="Slide Number Placeholder 5"/>
-          <p:cNvSpPr>
-            <a:spLocks noGrp="1"/>
-          </p:cNvSpPr>
-          <p:nvPr>
-            <p:ph type="sldNum" sz="quarter" idx="4"/>
-          </p:nvPr>
-        </p:nvSpPr>
-        <p:spPr>
-          <a:xfrm>
-            <a:off x="8610600" y="6356350"/>
-            <a:ext cx="2743200" cy="365125"/>
-          </a:xfrm>
-          <a:prstGeom prst="rect">
-            <a:avLst/>
-          </a:prstGeom>
-        </p:spPr>
-        <p:txBody>
-          <a:bodyPr vert="horz" lIns="91440" tIns="45720" rIns="91440" bIns="45720" rtlCol="0" anchor="ctr"/>
-          <a:lstStyle>
-            <a:lvl1pPr algn="r">
-              <a:defRPr sz="1200">
-                <a:solidFill>
-                  <a:schemeClr val="tx1">
-                    <a:tint val="75000"/>
-                  </a:schemeClr>
-                </a:solidFill>
-              </a:defRPr>
-            </a:lvl1pPr>
-          </a:lstStyle>
-          <a:p>
             <a:fld id="{8CB634FF-BD91-4DDF-9C40-5BB9F036FCC7}" type="slidenum">
               <a:rPr lang="en-US" smtClean="0"/>
               <a:t>‹#›</a:t>
@@ -2652,35 +5656,121 @@
     </p:spTree>
     <p:extLst>
       <p:ext uri="{BB962C8B-B14F-4D97-AF65-F5344CB8AC3E}">
-        <p14:creationId xmlns:p14="http://schemas.microsoft.com/office/powerpoint/2010/main" val="496074746"/>
+        <p14:creationId xmlns:p14="http://schemas.microsoft.com/office/powerpoint/2010/main" val="630187175"/>
       </p:ext>
     </p:extLst>
   </p:cSld>
-  <p:clrMap bg1="lt1" tx1="dk1" bg2="lt2" tx2="dk2" accent1="accent1" accent2="accent2" accent3="accent3" accent4="accent4" accent5="accent5" accent6="accent6" hlink="hlink" folHlink="folHlink"/>
+  <p:clrMap bg1="dk1" tx1="lt1" bg2="dk2" tx2="lt2" accent1="accent1" accent2="accent2" accent3="accent3" accent4="accent4" accent5="accent5" accent6="accent6" hlink="hlink" folHlink="folHlink"/>
   <p:sldLayoutIdLst>
-    <p:sldLayoutId id="2147483649" r:id="rId1"/>
-    <p:sldLayoutId id="2147483650" r:id="rId2"/>
-    <p:sldLayoutId id="2147483651" r:id="rId3"/>
-    <p:sldLayoutId id="2147483652" r:id="rId4"/>
-    <p:sldLayoutId id="2147483653" r:id="rId5"/>
-    <p:sldLayoutId id="2147483654" r:id="rId6"/>
-    <p:sldLayoutId id="2147483655" r:id="rId7"/>
-    <p:sldLayoutId id="2147483656" r:id="rId8"/>
-    <p:sldLayoutId id="2147483657" r:id="rId9"/>
-    <p:sldLayoutId id="2147483658" r:id="rId10"/>
-    <p:sldLayoutId id="2147483659" r:id="rId11"/>
+    <p:sldLayoutId id="2147483661" r:id="rId1"/>
+    <p:sldLayoutId id="2147483662" r:id="rId2"/>
+    <p:sldLayoutId id="2147483663" r:id="rId3"/>
+    <p:sldLayoutId id="2147483664" r:id="rId4"/>
+    <p:sldLayoutId id="2147483665" r:id="rId5"/>
+    <p:sldLayoutId id="2147483666" r:id="rId6"/>
+    <p:sldLayoutId id="2147483667" r:id="rId7"/>
+    <p:sldLayoutId id="2147483668" r:id="rId8"/>
+    <p:sldLayoutId id="2147483669" r:id="rId9"/>
+    <p:sldLayoutId id="2147483670" r:id="rId10"/>
+    <p:sldLayoutId id="2147483671" r:id="rId11"/>
+    <p:sldLayoutId id="2147483672" r:id="rId12"/>
+    <p:sldLayoutId id="2147483673" r:id="rId13"/>
+    <p:sldLayoutId id="2147483674" r:id="rId14"/>
+    <p:sldLayoutId id="2147483675" r:id="rId15"/>
+    <p:sldLayoutId id="2147483676" r:id="rId16"/>
+    <p:sldLayoutId id="2147483677" r:id="rId17"/>
   </p:sldLayoutIdLst>
   <p:txStyles>
     <p:titleStyle>
-      <a:lvl1pPr algn="l" defTabSz="914400" rtl="0" eaLnBrk="1" latinLnBrk="0" hangingPunct="1">
-        <a:lnSpc>
-          <a:spcPct val="90000"/>
-        </a:lnSpc>
+      <a:lvl1pPr algn="l" defTabSz="457200" rtl="0" eaLnBrk="1" latinLnBrk="0" hangingPunct="1">
         <a:spcBef>
           <a:spcPct val="0"/>
         </a:spcBef>
         <a:buNone/>
-        <a:defRPr sz="4400" kern="1200">
+        <a:defRPr sz="4200" b="0" i="0" kern="1200">
+          <a:solidFill>
+            <a:schemeClr val="tx2"/>
+          </a:solidFill>
+          <a:latin typeface="+mj-lt"/>
+          <a:ea typeface="+mj-ea"/>
+          <a:cs typeface="+mj-cs"/>
+        </a:defRPr>
+      </a:lvl1pPr>
+      <a:lvl2pPr eaLnBrk="1" hangingPunct="1">
+        <a:defRPr>
+          <a:solidFill>
+            <a:schemeClr val="tx2"/>
+          </a:solidFill>
+        </a:defRPr>
+      </a:lvl2pPr>
+      <a:lvl3pPr eaLnBrk="1" hangingPunct="1">
+        <a:defRPr>
+          <a:solidFill>
+            <a:schemeClr val="tx2"/>
+          </a:solidFill>
+        </a:defRPr>
+      </a:lvl3pPr>
+      <a:lvl4pPr eaLnBrk="1" hangingPunct="1">
+        <a:defRPr>
+          <a:solidFill>
+            <a:schemeClr val="tx2"/>
+          </a:solidFill>
+        </a:defRPr>
+      </a:lvl4pPr>
+      <a:lvl5pPr eaLnBrk="1" hangingPunct="1">
+        <a:defRPr>
+          <a:solidFill>
+            <a:schemeClr val="tx2"/>
+          </a:solidFill>
+        </a:defRPr>
+      </a:lvl5pPr>
+      <a:lvl6pPr eaLnBrk="1" hangingPunct="1">
+        <a:defRPr>
+          <a:solidFill>
+            <a:schemeClr val="tx2"/>
+          </a:solidFill>
+        </a:defRPr>
+      </a:lvl6pPr>
+      <a:lvl7pPr eaLnBrk="1" hangingPunct="1">
+        <a:defRPr>
+          <a:solidFill>
+            <a:schemeClr val="tx2"/>
+          </a:solidFill>
+        </a:defRPr>
+      </a:lvl7pPr>
+      <a:lvl8pPr eaLnBrk="1" hangingPunct="1">
+        <a:defRPr>
+          <a:solidFill>
+            <a:schemeClr val="tx2"/>
+          </a:solidFill>
+        </a:defRPr>
+      </a:lvl8pPr>
+      <a:lvl9pPr eaLnBrk="1" hangingPunct="1">
+        <a:defRPr>
+          <a:solidFill>
+            <a:schemeClr val="tx2"/>
+          </a:solidFill>
+        </a:defRPr>
+      </a:lvl9pPr>
+    </p:titleStyle>
+    <p:bodyStyle>
+      <a:lvl1pPr marL="342900" indent="-342900" algn="l" defTabSz="457200" rtl="0" eaLnBrk="1" latinLnBrk="0" hangingPunct="1">
+        <a:spcBef>
+          <a:spcPts val="1000"/>
+        </a:spcBef>
+        <a:spcAft>
+          <a:spcPts val="0"/>
+        </a:spcAft>
+        <a:buClr>
+          <a:schemeClr val="bg2">
+            <a:lumMod val="40000"/>
+            <a:lumOff val="60000"/>
+          </a:schemeClr>
+        </a:buClr>
+        <a:buSzPct val="80000"/>
+        <a:buFont typeface="Wingdings 3" charset="2"/>
+        <a:buChar char=""/>
+        <a:defRPr sz="2000" b="0" i="0" kern="1200">
           <a:solidFill>
             <a:schemeClr val="tx1"/>
           </a:solidFill>
@@ -2689,18 +5779,213 @@
           <a:cs typeface="+mj-cs"/>
         </a:defRPr>
       </a:lvl1pPr>
-    </p:titleStyle>
-    <p:bodyStyle>
-      <a:lvl1pPr marL="228600" indent="-228600" algn="l" defTabSz="914400" rtl="0" eaLnBrk="1" latinLnBrk="0" hangingPunct="1">
-        <a:lnSpc>
-          <a:spcPct val="90000"/>
-        </a:lnSpc>
+      <a:lvl2pPr marL="742950" indent="-285750" algn="l" defTabSz="457200" rtl="0" eaLnBrk="1" latinLnBrk="0" hangingPunct="1">
         <a:spcBef>
           <a:spcPts val="1000"/>
         </a:spcBef>
-        <a:buFont typeface="Arial" panose="020B0604020202020204" pitchFamily="34" charset="0"/>
-        <a:buChar char="•"/>
-        <a:defRPr sz="2800" kern="1200">
+        <a:spcAft>
+          <a:spcPts val="0"/>
+        </a:spcAft>
+        <a:buClr>
+          <a:schemeClr val="bg2">
+            <a:lumMod val="40000"/>
+            <a:lumOff val="60000"/>
+          </a:schemeClr>
+        </a:buClr>
+        <a:buSzPct val="80000"/>
+        <a:buFont typeface="Wingdings 3" charset="2"/>
+        <a:buChar char=""/>
+        <a:defRPr sz="1800" b="0" i="0" kern="1200">
+          <a:solidFill>
+            <a:schemeClr val="tx1"/>
+          </a:solidFill>
+          <a:latin typeface="+mj-lt"/>
+          <a:ea typeface="+mj-ea"/>
+          <a:cs typeface="+mj-cs"/>
+        </a:defRPr>
+      </a:lvl2pPr>
+      <a:lvl3pPr marL="1143000" indent="-228600" algn="l" defTabSz="457200" rtl="0" eaLnBrk="1" latinLnBrk="0" hangingPunct="1">
+        <a:spcBef>
+          <a:spcPts val="1000"/>
+        </a:spcBef>
+        <a:spcAft>
+          <a:spcPts val="0"/>
+        </a:spcAft>
+        <a:buClr>
+          <a:schemeClr val="bg2">
+            <a:lumMod val="40000"/>
+            <a:lumOff val="60000"/>
+          </a:schemeClr>
+        </a:buClr>
+        <a:buSzPct val="80000"/>
+        <a:buFont typeface="Wingdings 3" charset="2"/>
+        <a:buChar char=""/>
+        <a:defRPr sz="1600" b="0" i="0" kern="1200">
+          <a:solidFill>
+            <a:schemeClr val="tx1"/>
+          </a:solidFill>
+          <a:latin typeface="+mj-lt"/>
+          <a:ea typeface="+mj-ea"/>
+          <a:cs typeface="+mj-cs"/>
+        </a:defRPr>
+      </a:lvl3pPr>
+      <a:lvl4pPr marL="1600200" indent="-228600" algn="l" defTabSz="457200" rtl="0" eaLnBrk="1" latinLnBrk="0" hangingPunct="1">
+        <a:spcBef>
+          <a:spcPts val="1000"/>
+        </a:spcBef>
+        <a:spcAft>
+          <a:spcPts val="0"/>
+        </a:spcAft>
+        <a:buClr>
+          <a:schemeClr val="bg2">
+            <a:lumMod val="40000"/>
+            <a:lumOff val="60000"/>
+          </a:schemeClr>
+        </a:buClr>
+        <a:buSzPct val="80000"/>
+        <a:buFont typeface="Wingdings 3" charset="2"/>
+        <a:buChar char=""/>
+        <a:defRPr sz="1400" b="0" i="0" kern="1200">
+          <a:solidFill>
+            <a:schemeClr val="tx1"/>
+          </a:solidFill>
+          <a:latin typeface="+mj-lt"/>
+          <a:ea typeface="+mj-ea"/>
+          <a:cs typeface="+mj-cs"/>
+        </a:defRPr>
+      </a:lvl4pPr>
+      <a:lvl5pPr marL="2057400" indent="-228600" algn="l" defTabSz="457200" rtl="0" eaLnBrk="1" latinLnBrk="0" hangingPunct="1">
+        <a:spcBef>
+          <a:spcPts val="1000"/>
+        </a:spcBef>
+        <a:spcAft>
+          <a:spcPts val="0"/>
+        </a:spcAft>
+        <a:buClr>
+          <a:schemeClr val="bg2">
+            <a:lumMod val="40000"/>
+            <a:lumOff val="60000"/>
+          </a:schemeClr>
+        </a:buClr>
+        <a:buSzPct val="80000"/>
+        <a:buFont typeface="Wingdings 3" charset="2"/>
+        <a:buChar char=""/>
+        <a:defRPr sz="1400" b="0" i="0" kern="1200">
+          <a:solidFill>
+            <a:schemeClr val="tx1"/>
+          </a:solidFill>
+          <a:latin typeface="+mj-lt"/>
+          <a:ea typeface="+mj-ea"/>
+          <a:cs typeface="+mj-cs"/>
+        </a:defRPr>
+      </a:lvl5pPr>
+      <a:lvl6pPr marL="2506000" indent="-228600" algn="l" defTabSz="457200" rtl="0" eaLnBrk="1" latinLnBrk="0" hangingPunct="1">
+        <a:spcBef>
+          <a:spcPts val="1000"/>
+        </a:spcBef>
+        <a:spcAft>
+          <a:spcPts val="0"/>
+        </a:spcAft>
+        <a:buClr>
+          <a:schemeClr val="bg2">
+            <a:lumMod val="40000"/>
+            <a:lumOff val="60000"/>
+          </a:schemeClr>
+        </a:buClr>
+        <a:buSzPct val="80000"/>
+        <a:buFont typeface="Wingdings 3" charset="2"/>
+        <a:buChar char=""/>
+        <a:defRPr sz="1400" b="0" i="0" kern="1200">
+          <a:solidFill>
+            <a:schemeClr val="tx1"/>
+          </a:solidFill>
+          <a:latin typeface="+mj-lt"/>
+          <a:ea typeface="+mj-ea"/>
+          <a:cs typeface="+mj-cs"/>
+        </a:defRPr>
+      </a:lvl6pPr>
+      <a:lvl7pPr marL="2971800" indent="-228600" algn="l" defTabSz="457200" rtl="0" eaLnBrk="1" latinLnBrk="0" hangingPunct="1">
+        <a:spcBef>
+          <a:spcPts val="1000"/>
+        </a:spcBef>
+        <a:spcAft>
+          <a:spcPts val="0"/>
+        </a:spcAft>
+        <a:buClr>
+          <a:schemeClr val="bg2">
+            <a:lumMod val="40000"/>
+            <a:lumOff val="60000"/>
+          </a:schemeClr>
+        </a:buClr>
+        <a:buSzPct val="80000"/>
+        <a:buFont typeface="Wingdings 3" charset="2"/>
+        <a:buChar char=""/>
+        <a:defRPr sz="1400" b="0" i="0" kern="1200">
+          <a:solidFill>
+            <a:schemeClr val="tx1"/>
+          </a:solidFill>
+          <a:latin typeface="+mj-lt"/>
+          <a:ea typeface="+mj-ea"/>
+          <a:cs typeface="+mj-cs"/>
+        </a:defRPr>
+      </a:lvl7pPr>
+      <a:lvl8pPr marL="3429000" indent="-228600" algn="l" defTabSz="457200" rtl="0" eaLnBrk="1" latinLnBrk="0" hangingPunct="1">
+        <a:spcBef>
+          <a:spcPts val="1000"/>
+        </a:spcBef>
+        <a:spcAft>
+          <a:spcPts val="0"/>
+        </a:spcAft>
+        <a:buClr>
+          <a:schemeClr val="bg2">
+            <a:lumMod val="40000"/>
+            <a:lumOff val="60000"/>
+          </a:schemeClr>
+        </a:buClr>
+        <a:buSzPct val="80000"/>
+        <a:buFont typeface="Wingdings 3" charset="2"/>
+        <a:buChar char=""/>
+        <a:defRPr sz="1400" b="0" i="0" kern="1200">
+          <a:solidFill>
+            <a:schemeClr val="tx1"/>
+          </a:solidFill>
+          <a:latin typeface="+mj-lt"/>
+          <a:ea typeface="+mj-ea"/>
+          <a:cs typeface="+mj-cs"/>
+        </a:defRPr>
+      </a:lvl8pPr>
+      <a:lvl9pPr marL="3886200" indent="-228600" algn="l" defTabSz="457200" rtl="0" eaLnBrk="1" latinLnBrk="0" hangingPunct="1">
+        <a:spcBef>
+          <a:spcPts val="1000"/>
+        </a:spcBef>
+        <a:spcAft>
+          <a:spcPts val="0"/>
+        </a:spcAft>
+        <a:buClr>
+          <a:schemeClr val="bg2">
+            <a:lumMod val="40000"/>
+            <a:lumOff val="60000"/>
+          </a:schemeClr>
+        </a:buClr>
+        <a:buSzPct val="80000"/>
+        <a:buFont typeface="Wingdings 3" charset="2"/>
+        <a:buChar char=""/>
+        <a:defRPr sz="1400" b="0" i="0" kern="1200">
+          <a:solidFill>
+            <a:schemeClr val="tx1"/>
+          </a:solidFill>
+          <a:latin typeface="+mj-lt"/>
+          <a:ea typeface="+mj-ea"/>
+          <a:cs typeface="+mj-cs"/>
+        </a:defRPr>
+      </a:lvl9pPr>
+    </p:bodyStyle>
+    <p:otherStyle>
+      <a:defPPr>
+        <a:defRPr lang="en-US"/>
+      </a:defPPr>
+      <a:lvl1pPr marL="0" algn="l" defTabSz="457200" rtl="0" eaLnBrk="1" latinLnBrk="0" hangingPunct="1">
+        <a:defRPr sz="1800" kern="1200">
           <a:solidFill>
             <a:schemeClr val="tx1"/>
           </a:solidFill>
@@ -2709,16 +5994,8 @@
           <a:cs typeface="+mn-cs"/>
         </a:defRPr>
       </a:lvl1pPr>
-      <a:lvl2pPr marL="685800" indent="-228600" algn="l" defTabSz="914400" rtl="0" eaLnBrk="1" latinLnBrk="0" hangingPunct="1">
-        <a:lnSpc>
-          <a:spcPct val="90000"/>
-        </a:lnSpc>
-        <a:spcBef>
-          <a:spcPts val="500"/>
-        </a:spcBef>
-        <a:buFont typeface="Arial" panose="020B0604020202020204" pitchFamily="34" charset="0"/>
-        <a:buChar char="•"/>
-        <a:defRPr sz="2400" kern="1200">
+      <a:lvl2pPr marL="457200" algn="l" defTabSz="457200" rtl="0" eaLnBrk="1" latinLnBrk="0" hangingPunct="1">
+        <a:defRPr sz="1800" kern="1200">
           <a:solidFill>
             <a:schemeClr val="tx1"/>
           </a:solidFill>
@@ -2727,16 +6004,8 @@
           <a:cs typeface="+mn-cs"/>
         </a:defRPr>
       </a:lvl2pPr>
-      <a:lvl3pPr marL="1143000" indent="-228600" algn="l" defTabSz="914400" rtl="0" eaLnBrk="1" latinLnBrk="0" hangingPunct="1">
-        <a:lnSpc>
-          <a:spcPct val="90000"/>
-        </a:lnSpc>
-        <a:spcBef>
-          <a:spcPts val="500"/>
-        </a:spcBef>
-        <a:buFont typeface="Arial" panose="020B0604020202020204" pitchFamily="34" charset="0"/>
-        <a:buChar char="•"/>
-        <a:defRPr sz="2000" kern="1200">
+      <a:lvl3pPr marL="914400" algn="l" defTabSz="457200" rtl="0" eaLnBrk="1" latinLnBrk="0" hangingPunct="1">
+        <a:defRPr sz="1800" kern="1200">
           <a:solidFill>
             <a:schemeClr val="tx1"/>
           </a:solidFill>
@@ -2745,15 +6014,7 @@
           <a:cs typeface="+mn-cs"/>
         </a:defRPr>
       </a:lvl3pPr>
-      <a:lvl4pPr marL="1600200" indent="-228600" algn="l" defTabSz="914400" rtl="0" eaLnBrk="1" latinLnBrk="0" hangingPunct="1">
-        <a:lnSpc>
-          <a:spcPct val="90000"/>
-        </a:lnSpc>
-        <a:spcBef>
-          <a:spcPts val="500"/>
-        </a:spcBef>
-        <a:buFont typeface="Arial" panose="020B0604020202020204" pitchFamily="34" charset="0"/>
-        <a:buChar char="•"/>
+      <a:lvl4pPr marL="1371600" algn="l" defTabSz="457200" rtl="0" eaLnBrk="1" latinLnBrk="0" hangingPunct="1">
         <a:defRPr sz="1800" kern="1200">
           <a:solidFill>
             <a:schemeClr val="tx1"/>
@@ -2763,15 +6024,7 @@
           <a:cs typeface="+mn-cs"/>
         </a:defRPr>
       </a:lvl4pPr>
-      <a:lvl5pPr marL="2057400" indent="-228600" algn="l" defTabSz="914400" rtl="0" eaLnBrk="1" latinLnBrk="0" hangingPunct="1">
-        <a:lnSpc>
-          <a:spcPct val="90000"/>
-        </a:lnSpc>
-        <a:spcBef>
-          <a:spcPts val="500"/>
-        </a:spcBef>
-        <a:buFont typeface="Arial" panose="020B0604020202020204" pitchFamily="34" charset="0"/>
-        <a:buChar char="•"/>
+      <a:lvl5pPr marL="1828800" algn="l" defTabSz="457200" rtl="0" eaLnBrk="1" latinLnBrk="0" hangingPunct="1">
         <a:defRPr sz="1800" kern="1200">
           <a:solidFill>
             <a:schemeClr val="tx1"/>
@@ -2781,15 +6034,7 @@
           <a:cs typeface="+mn-cs"/>
         </a:defRPr>
       </a:lvl5pPr>
-      <a:lvl6pPr marL="2514600" indent="-228600" algn="l" defTabSz="914400" rtl="0" eaLnBrk="1" latinLnBrk="0" hangingPunct="1">
-        <a:lnSpc>
-          <a:spcPct val="90000"/>
-        </a:lnSpc>
-        <a:spcBef>
-          <a:spcPts val="500"/>
-        </a:spcBef>
-        <a:buFont typeface="Arial" panose="020B0604020202020204" pitchFamily="34" charset="0"/>
-        <a:buChar char="•"/>
+      <a:lvl6pPr marL="2286000" algn="l" defTabSz="457200" rtl="0" eaLnBrk="1" latinLnBrk="0" hangingPunct="1">
         <a:defRPr sz="1800" kern="1200">
           <a:solidFill>
             <a:schemeClr val="tx1"/>
@@ -2799,15 +6044,7 @@
           <a:cs typeface="+mn-cs"/>
         </a:defRPr>
       </a:lvl6pPr>
-      <a:lvl7pPr marL="2971800" indent="-228600" algn="l" defTabSz="914400" rtl="0" eaLnBrk="1" latinLnBrk="0" hangingPunct="1">
-        <a:lnSpc>
-          <a:spcPct val="90000"/>
-        </a:lnSpc>
-        <a:spcBef>
-          <a:spcPts val="500"/>
-        </a:spcBef>
-        <a:buFont typeface="Arial" panose="020B0604020202020204" pitchFamily="34" charset="0"/>
-        <a:buChar char="•"/>
+      <a:lvl7pPr marL="2743200" algn="l" defTabSz="457200" rtl="0" eaLnBrk="1" latinLnBrk="0" hangingPunct="1">
         <a:defRPr sz="1800" kern="1200">
           <a:solidFill>
             <a:schemeClr val="tx1"/>
@@ -2817,15 +6054,7 @@
           <a:cs typeface="+mn-cs"/>
         </a:defRPr>
       </a:lvl7pPr>
-      <a:lvl8pPr marL="3429000" indent="-228600" algn="l" defTabSz="914400" rtl="0" eaLnBrk="1" latinLnBrk="0" hangingPunct="1">
-        <a:lnSpc>
-          <a:spcPct val="90000"/>
-        </a:lnSpc>
-        <a:spcBef>
-          <a:spcPts val="500"/>
-        </a:spcBef>
-        <a:buFont typeface="Arial" panose="020B0604020202020204" pitchFamily="34" charset="0"/>
-        <a:buChar char="•"/>
+      <a:lvl8pPr marL="3200400" algn="l" defTabSz="457200" rtl="0" eaLnBrk="1" latinLnBrk="0" hangingPunct="1">
         <a:defRPr sz="1800" kern="1200">
           <a:solidFill>
             <a:schemeClr val="tx1"/>
@@ -2835,110 +6064,7 @@
           <a:cs typeface="+mn-cs"/>
         </a:defRPr>
       </a:lvl8pPr>
-      <a:lvl9pPr marL="3886200" indent="-228600" algn="l" defTabSz="914400" rtl="0" eaLnBrk="1" latinLnBrk="0" hangingPunct="1">
-        <a:lnSpc>
-          <a:spcPct val="90000"/>
-        </a:lnSpc>
-        <a:spcBef>
-          <a:spcPts val="500"/>
-        </a:spcBef>
-        <a:buFont typeface="Arial" panose="020B0604020202020204" pitchFamily="34" charset="0"/>
-        <a:buChar char="•"/>
-        <a:defRPr sz="1800" kern="1200">
-          <a:solidFill>
-            <a:schemeClr val="tx1"/>
-          </a:solidFill>
-          <a:latin typeface="+mn-lt"/>
-          <a:ea typeface="+mn-ea"/>
-          <a:cs typeface="+mn-cs"/>
-        </a:defRPr>
-      </a:lvl9pPr>
-    </p:bodyStyle>
-    <p:otherStyle>
-      <a:defPPr>
-        <a:defRPr lang="en-US"/>
-      </a:defPPr>
-      <a:lvl1pPr marL="0" algn="l" defTabSz="914400" rtl="0" eaLnBrk="1" latinLnBrk="0" hangingPunct="1">
-        <a:defRPr sz="1800" kern="1200">
-          <a:solidFill>
-            <a:schemeClr val="tx1"/>
-          </a:solidFill>
-          <a:latin typeface="+mn-lt"/>
-          <a:ea typeface="+mn-ea"/>
-          <a:cs typeface="+mn-cs"/>
-        </a:defRPr>
-      </a:lvl1pPr>
-      <a:lvl2pPr marL="457200" algn="l" defTabSz="914400" rtl="0" eaLnBrk="1" latinLnBrk="0" hangingPunct="1">
-        <a:defRPr sz="1800" kern="1200">
-          <a:solidFill>
-            <a:schemeClr val="tx1"/>
-          </a:solidFill>
-          <a:latin typeface="+mn-lt"/>
-          <a:ea typeface="+mn-ea"/>
-          <a:cs typeface="+mn-cs"/>
-        </a:defRPr>
-      </a:lvl2pPr>
-      <a:lvl3pPr marL="914400" algn="l" defTabSz="914400" rtl="0" eaLnBrk="1" latinLnBrk="0" hangingPunct="1">
-        <a:defRPr sz="1800" kern="1200">
-          <a:solidFill>
-            <a:schemeClr val="tx1"/>
-          </a:solidFill>
-          <a:latin typeface="+mn-lt"/>
-          <a:ea typeface="+mn-ea"/>
-          <a:cs typeface="+mn-cs"/>
-        </a:defRPr>
-      </a:lvl3pPr>
-      <a:lvl4pPr marL="1371600" algn="l" defTabSz="914400" rtl="0" eaLnBrk="1" latinLnBrk="0" hangingPunct="1">
-        <a:defRPr sz="1800" kern="1200">
-          <a:solidFill>
-            <a:schemeClr val="tx1"/>
-          </a:solidFill>
-          <a:latin typeface="+mn-lt"/>
-          <a:ea typeface="+mn-ea"/>
-          <a:cs typeface="+mn-cs"/>
-        </a:defRPr>
-      </a:lvl4pPr>
-      <a:lvl5pPr marL="1828800" algn="l" defTabSz="914400" rtl="0" eaLnBrk="1" latinLnBrk="0" hangingPunct="1">
-        <a:defRPr sz="1800" kern="1200">
-          <a:solidFill>
-            <a:schemeClr val="tx1"/>
-          </a:solidFill>
-          <a:latin typeface="+mn-lt"/>
-          <a:ea typeface="+mn-ea"/>
-          <a:cs typeface="+mn-cs"/>
-        </a:defRPr>
-      </a:lvl5pPr>
-      <a:lvl6pPr marL="2286000" algn="l" defTabSz="914400" rtl="0" eaLnBrk="1" latinLnBrk="0" hangingPunct="1">
-        <a:defRPr sz="1800" kern="1200">
-          <a:solidFill>
-            <a:schemeClr val="tx1"/>
-          </a:solidFill>
-          <a:latin typeface="+mn-lt"/>
-          <a:ea typeface="+mn-ea"/>
-          <a:cs typeface="+mn-cs"/>
-        </a:defRPr>
-      </a:lvl6pPr>
-      <a:lvl7pPr marL="2743200" algn="l" defTabSz="914400" rtl="0" eaLnBrk="1" latinLnBrk="0" hangingPunct="1">
-        <a:defRPr sz="1800" kern="1200">
-          <a:solidFill>
-            <a:schemeClr val="tx1"/>
-          </a:solidFill>
-          <a:latin typeface="+mn-lt"/>
-          <a:ea typeface="+mn-ea"/>
-          <a:cs typeface="+mn-cs"/>
-        </a:defRPr>
-      </a:lvl7pPr>
-      <a:lvl8pPr marL="3200400" algn="l" defTabSz="914400" rtl="0" eaLnBrk="1" latinLnBrk="0" hangingPunct="1">
-        <a:defRPr sz="1800" kern="1200">
-          <a:solidFill>
-            <a:schemeClr val="tx1"/>
-          </a:solidFill>
-          <a:latin typeface="+mn-lt"/>
-          <a:ea typeface="+mn-ea"/>
-          <a:cs typeface="+mn-cs"/>
-        </a:defRPr>
-      </a:lvl8pPr>
-      <a:lvl9pPr marL="3657600" algn="l" defTabSz="914400" rtl="0" eaLnBrk="1" latinLnBrk="0" hangingPunct="1">
+      <a:lvl9pPr marL="3657600" algn="l" defTabSz="457200" rtl="0" eaLnBrk="1" latinLnBrk="0" hangingPunct="1">
         <a:defRPr sz="1800" kern="1200">
           <a:solidFill>
             <a:schemeClr val="tx1"/>
@@ -2980,18 +6106,55 @@
             <p:ph type="ctrTitle"/>
           </p:nvPr>
         </p:nvSpPr>
-        <p:spPr/>
+        <p:spPr>
+          <a:xfrm>
+            <a:off x="583474" y="611777"/>
+            <a:ext cx="11077303" cy="3329581"/>
+          </a:xfrm>
+        </p:spPr>
         <p:txBody>
           <a:bodyPr>
-            <a:normAutofit fontScale="90000"/>
+            <a:normAutofit/>
           </a:bodyPr>
           <a:lstStyle/>
           <a:p>
             <a:r>
-              <a:rPr lang="ru-RU" dirty="0" smtClean="0"/>
-              <a:t>Парсинг данных стороннего сайта и заполнение его полей</a:t>
-            </a:r>
-            <a:endParaRPr lang="en-US" dirty="0"/>
+              <a:rPr lang="ru-RU" sz="4000" dirty="0" err="1" smtClean="0"/>
+              <a:t>Парсинг</a:t>
+            </a:r>
+            <a:r>
+              <a:rPr lang="ru-RU" sz="4000" dirty="0" smtClean="0"/>
+              <a:t> </a:t>
+            </a:r>
+            <a:r>
+              <a:rPr lang="ru-RU" sz="4000" dirty="0" smtClean="0"/>
+              <a:t>данных стороннего сайта и </a:t>
+            </a:r>
+            <a:r>
+              <a:rPr lang="ru-RU" sz="4000" dirty="0" smtClean="0"/>
+              <a:t>заполнение </a:t>
+            </a:r>
+            <a:r>
+              <a:rPr lang="ru-RU" sz="4000" dirty="0" smtClean="0"/>
+              <a:t>его </a:t>
+            </a:r>
+            <a:r>
+              <a:rPr lang="ru-RU" sz="4000" dirty="0" smtClean="0"/>
+              <a:t>полей (на примере </a:t>
+            </a:r>
+            <a:r>
+              <a:rPr lang="en-US" sz="4000" dirty="0" smtClean="0"/>
+              <a:t>vk</a:t>
+            </a:r>
+            <a:r>
+              <a:rPr lang="en-US" sz="4000" dirty="0" smtClean="0"/>
+              <a:t>.com</a:t>
+            </a:r>
+            <a:r>
+              <a:rPr lang="ru-RU" sz="4000" dirty="0" smtClean="0"/>
+              <a:t>)</a:t>
+            </a:r>
+            <a:endParaRPr lang="en-US" sz="4000" dirty="0"/>
           </a:p>
         </p:txBody>
       </p:sp>
@@ -3005,16 +6168,80 @@
             <p:ph type="subTitle" idx="1"/>
           </p:nvPr>
         </p:nvSpPr>
-        <p:spPr/>
-        <p:txBody>
-          <a:bodyPr/>
+        <p:spPr>
+          <a:xfrm>
+            <a:off x="583474" y="4777380"/>
+            <a:ext cx="10485120" cy="1353453"/>
+          </a:xfrm>
+        </p:spPr>
+        <p:txBody>
+          <a:bodyPr>
+            <a:normAutofit/>
+          </a:bodyPr>
           <a:lstStyle/>
           <a:p>
             <a:r>
-              <a:rPr lang="en-US" dirty="0" smtClean="0"/>
-              <a:t>Chrome add-ins</a:t>
-            </a:r>
-            <a:endParaRPr lang="en-US" dirty="0"/>
+              <a:rPr lang="en-US" sz="1500" dirty="0" smtClean="0"/>
+              <a:t>Chrome </a:t>
+            </a:r>
+            <a:r>
+              <a:rPr lang="en-US" sz="1500" dirty="0" smtClean="0"/>
+              <a:t>add-ins</a:t>
+            </a:r>
+            <a:endParaRPr lang="ru-RU" sz="1500" dirty="0" smtClean="0"/>
+          </a:p>
+          <a:p>
+            <a:r>
+              <a:rPr lang="ru-RU" sz="1500" dirty="0"/>
+              <a:t>	</a:t>
+            </a:r>
+            <a:r>
+              <a:rPr lang="ru-RU" sz="1500" dirty="0" smtClean="0"/>
+              <a:t>															</a:t>
+            </a:r>
+            <a:r>
+              <a:rPr lang="en-US" sz="1500" dirty="0" smtClean="0"/>
+              <a:t>	</a:t>
+            </a:r>
+            <a:r>
+              <a:rPr lang="ru-RU" sz="1500" dirty="0" smtClean="0"/>
+              <a:t>Васильев </a:t>
+            </a:r>
+            <a:r>
+              <a:rPr lang="ru-RU" sz="1500" dirty="0" err="1" smtClean="0"/>
+              <a:t>о.с</a:t>
+            </a:r>
+            <a:r>
+              <a:rPr lang="ru-RU" sz="1500" dirty="0" smtClean="0"/>
+              <a:t>.</a:t>
+            </a:r>
+          </a:p>
+          <a:p>
+            <a:r>
+              <a:rPr lang="ru-RU" sz="1500" dirty="0"/>
+              <a:t>	</a:t>
+            </a:r>
+            <a:r>
+              <a:rPr lang="ru-RU" sz="1500" dirty="0" smtClean="0"/>
+              <a:t>															</a:t>
+            </a:r>
+            <a:r>
+              <a:rPr lang="en-US" sz="1500" dirty="0" smtClean="0"/>
+              <a:t>	</a:t>
+            </a:r>
+            <a:r>
+              <a:rPr lang="ru-RU" sz="1500" dirty="0" smtClean="0"/>
+              <a:t>концевой </a:t>
+            </a:r>
+            <a:r>
+              <a:rPr lang="ru-RU" sz="1500" dirty="0" err="1" smtClean="0"/>
+              <a:t>м.г</a:t>
+            </a:r>
+            <a:r>
+              <a:rPr lang="ru-RU" sz="1500" dirty="0" smtClean="0"/>
+              <a:t>.</a:t>
+            </a:r>
+            <a:endParaRPr lang="en-US" sz="1500" dirty="0"/>
           </a:p>
         </p:txBody>
       </p:sp>
@@ -3058,26 +6285,31 @@
             <p:ph type="title"/>
           </p:nvPr>
         </p:nvSpPr>
-        <p:spPr/>
+        <p:spPr>
+          <a:xfrm>
+            <a:off x="646111" y="147917"/>
+            <a:ext cx="9404723" cy="1846345"/>
+          </a:xfrm>
+        </p:spPr>
         <p:txBody>
           <a:bodyPr>
-            <a:normAutofit fontScale="90000"/>
+            <a:normAutofit/>
           </a:bodyPr>
           <a:lstStyle/>
           <a:p>
             <a:r>
-              <a:rPr lang="ru-RU" dirty="0" smtClean="0"/>
+              <a:rPr lang="ru-RU" sz="3500" dirty="0" smtClean="0"/>
               <a:t>Для выполнения поставленной задачи были выбраны расширения для браузера </a:t>
             </a:r>
             <a:r>
-              <a:rPr lang="en-US" dirty="0" smtClean="0"/>
+              <a:rPr lang="en-US" sz="3500" dirty="0" smtClean="0"/>
               <a:t>Chrome</a:t>
             </a:r>
             <a:r>
-              <a:rPr lang="ru-RU" dirty="0" smtClean="0"/>
+              <a:rPr lang="ru-RU" sz="3500" dirty="0" smtClean="0"/>
               <a:t>.</a:t>
             </a:r>
-            <a:endParaRPr lang="en-US" dirty="0"/>
+            <a:endParaRPr lang="en-US" sz="3500" dirty="0"/>
           </a:p>
         </p:txBody>
       </p:sp>
@@ -3089,8 +6321,8 @@
         </p:nvSpPr>
         <p:spPr>
           <a:xfrm>
-            <a:off x="838200" y="2073244"/>
-            <a:ext cx="10659701" cy="3970318"/>
+            <a:off x="646111" y="1916490"/>
+            <a:ext cx="10659701" cy="1477328"/>
           </a:xfrm>
           <a:prstGeom prst="rect">
             <a:avLst/>
@@ -3104,102 +6336,102 @@
           <a:lstStyle/>
           <a:p>
             <a:r>
-              <a:rPr lang="ru-RU" sz="2800" dirty="0" smtClean="0"/>
+              <a:rPr lang="ru-RU" sz="1500" dirty="0" smtClean="0"/>
               <a:t>Так как </a:t>
             </a:r>
             <a:r>
-              <a:rPr lang="en-US" sz="2800" dirty="0" smtClean="0"/>
+              <a:rPr lang="en-US" sz="1500" dirty="0" smtClean="0"/>
               <a:t>CORS (</a:t>
             </a:r>
             <a:r>
-              <a:rPr lang="en-US" sz="2800" b="1" dirty="0"/>
+              <a:rPr lang="en-US" sz="1500" b="1" dirty="0"/>
               <a:t>Cross-origin resource sharing</a:t>
             </a:r>
             <a:r>
-              <a:rPr lang="en-US" sz="2800" dirty="0"/>
+              <a:rPr lang="en-US" sz="1500" dirty="0"/>
               <a:t> (</a:t>
             </a:r>
             <a:r>
-              <a:rPr lang="en-US" sz="2800" b="1" dirty="0"/>
+              <a:rPr lang="en-US" sz="1500" b="1" dirty="0"/>
               <a:t>CORS</a:t>
             </a:r>
             <a:r>
-              <a:rPr lang="en-US" sz="2800" dirty="0"/>
+              <a:rPr lang="en-US" sz="1500" dirty="0"/>
               <a:t>) is a mechanism that allows restricted resources (e.g. fonts) on a </a:t>
             </a:r>
             <a:r>
-              <a:rPr lang="en-US" sz="2800" dirty="0">
+              <a:rPr lang="en-US" sz="1500" dirty="0">
                 <a:hlinkClick r:id="rId2" tooltip="Web page"/>
               </a:rPr>
               <a:t>web page</a:t>
             </a:r>
             <a:r>
-              <a:rPr lang="en-US" sz="2800" dirty="0"/>
+              <a:rPr lang="en-US" sz="1500" dirty="0"/>
               <a:t> to be requested from another </a:t>
             </a:r>
             <a:r>
-              <a:rPr lang="en-US" sz="2800" dirty="0">
+              <a:rPr lang="en-US" sz="1500" dirty="0">
                 <a:hlinkClick r:id="rId3" tooltip="Domain name"/>
               </a:rPr>
               <a:t>domain</a:t>
             </a:r>
             <a:r>
-              <a:rPr lang="en-US" sz="2800" dirty="0"/>
+              <a:rPr lang="en-US" sz="1500" dirty="0"/>
               <a:t> outside the domain from which the first resource was served</a:t>
             </a:r>
             <a:r>
-              <a:rPr lang="en-US" sz="2800" dirty="0" smtClean="0"/>
+              <a:rPr lang="en-US" sz="1500" dirty="0" smtClean="0"/>
               <a:t>.</a:t>
             </a:r>
             <a:r>
-              <a:rPr lang="ru-RU" sz="2800" dirty="0" smtClean="0"/>
+              <a:rPr lang="ru-RU" sz="1500" dirty="0" smtClean="0"/>
               <a:t>) блокирует доступ к </a:t>
             </a:r>
             <a:r>
-              <a:rPr lang="en-US" sz="2800" dirty="0" err="1" smtClean="0"/>
+              <a:rPr lang="en-US" sz="1500" dirty="0" err="1" smtClean="0"/>
               <a:t>iframe</a:t>
             </a:r>
             <a:r>
-              <a:rPr lang="en-US" sz="2800" dirty="0" smtClean="0"/>
+              <a:rPr lang="en-US" sz="1500" dirty="0" smtClean="0"/>
               <a:t> </a:t>
             </a:r>
             <a:r>
-              <a:rPr lang="ru-RU" sz="2800" dirty="0" smtClean="0"/>
+              <a:rPr lang="ru-RU" sz="1500" dirty="0" smtClean="0"/>
               <a:t>или </a:t>
             </a:r>
             <a:r>
-              <a:rPr lang="en-US" sz="2800" dirty="0" smtClean="0"/>
+              <a:rPr lang="en-US" sz="1500" dirty="0" smtClean="0"/>
               <a:t>window</a:t>
             </a:r>
             <a:r>
-              <a:rPr lang="ru-RU" sz="2800" dirty="0" smtClean="0"/>
+              <a:rPr lang="ru-RU" sz="1500" dirty="0" smtClean="0"/>
               <a:t> содержащему сторонний сайт мы выбрали разработку </a:t>
             </a:r>
             <a:r>
-              <a:rPr lang="en-US" sz="2800" dirty="0" smtClean="0"/>
+              <a:rPr lang="en-US" sz="1500" dirty="0" smtClean="0"/>
               <a:t>chrome add-in</a:t>
             </a:r>
             <a:r>
-              <a:rPr lang="ru-RU" sz="2800" dirty="0" smtClean="0"/>
+              <a:rPr lang="ru-RU" sz="1500" dirty="0" smtClean="0"/>
               <a:t>, посколько </a:t>
             </a:r>
             <a:r>
-              <a:rPr lang="en-US" sz="2800" dirty="0" smtClean="0"/>
+              <a:rPr lang="en-US" sz="1500" dirty="0" smtClean="0"/>
               <a:t>chrome add-in</a:t>
             </a:r>
             <a:r>
-              <a:rPr lang="ru-RU" sz="2800" dirty="0" smtClean="0"/>
+              <a:rPr lang="ru-RU" sz="1500" dirty="0" smtClean="0"/>
               <a:t> имеет полный контроль над страницей и действиями пользователя (так как работает со стороны браузера). Соответственно мы можем беспрепятственно работать с </a:t>
             </a:r>
             <a:r>
-              <a:rPr lang="en-US" sz="2800" dirty="0" err="1" smtClean="0"/>
+              <a:rPr lang="en-US" sz="1500" dirty="0" err="1" smtClean="0"/>
               <a:t>dom</a:t>
             </a:r>
             <a:r>
-              <a:rPr lang="ru-RU" sz="2800" dirty="0" smtClean="0"/>
+              <a:rPr lang="ru-RU" sz="1500" dirty="0" smtClean="0"/>
               <a:t> деревом стороннего сайта, и перехватывать ввод пользователя.</a:t>
             </a:r>
-            <a:endParaRPr lang="en-US" sz="2800" dirty="0"/>
+            <a:endParaRPr lang="en-US" sz="1500" dirty="0"/>
           </a:p>
         </p:txBody>
       </p:sp>
@@ -3249,14 +6481,14 @@
           <a:lstStyle/>
           <a:p>
             <a:r>
-              <a:rPr lang="ru-RU" dirty="0" smtClean="0"/>
+              <a:rPr lang="ru-RU" sz="3500" dirty="0" smtClean="0"/>
               <a:t>Разработка </a:t>
             </a:r>
             <a:r>
-              <a:rPr lang="en-US" dirty="0" smtClean="0"/>
+              <a:rPr lang="en-US" sz="3500" dirty="0" smtClean="0"/>
               <a:t>add-in</a:t>
             </a:r>
-            <a:endParaRPr lang="en-US" dirty="0"/>
+            <a:endParaRPr lang="en-US" sz="3500" dirty="0"/>
           </a:p>
         </p:txBody>
       </p:sp>
@@ -3268,8 +6500,8 @@
         </p:nvSpPr>
         <p:spPr>
           <a:xfrm>
-            <a:off x="838200" y="1955549"/>
-            <a:ext cx="10659701" cy="1477328"/>
+            <a:off x="646111" y="1729126"/>
+            <a:ext cx="10659701" cy="1246495"/>
           </a:xfrm>
           <a:prstGeom prst="rect">
             <a:avLst/>
@@ -3283,15 +6515,15 @@
           <a:lstStyle/>
           <a:p>
             <a:r>
-              <a:rPr lang="ru-RU" dirty="0" smtClean="0"/>
+              <a:rPr lang="ru-RU" sz="1500" dirty="0" smtClean="0"/>
               <a:t>Расшрение</a:t>
             </a:r>
             <a:r>
-              <a:rPr lang="en-US" dirty="0" smtClean="0"/>
+              <a:rPr lang="en-US" sz="1500" dirty="0" smtClean="0"/>
               <a:t> chrome </a:t>
             </a:r>
             <a:r>
-              <a:rPr lang="ru-RU" dirty="0" smtClean="0"/>
+              <a:rPr lang="ru-RU" sz="1500" dirty="0" smtClean="0"/>
               <a:t>имеет очень простую структуру, для создания нам потребуется 3 файла:</a:t>
             </a:r>
           </a:p>
@@ -3300,11 +6532,11 @@
               <a:buAutoNum type="arabicPeriod"/>
             </a:pPr>
             <a:r>
-              <a:rPr lang="en-US" dirty="0" smtClean="0"/>
+              <a:rPr lang="en-US" sz="1500" dirty="0" smtClean="0"/>
               <a:t>index.html – </a:t>
             </a:r>
             <a:r>
-              <a:rPr lang="ru-RU" dirty="0" smtClean="0"/>
+              <a:rPr lang="ru-RU" sz="1500" dirty="0" smtClean="0"/>
               <a:t>файл который содержит разметку будущего расширения</a:t>
             </a:r>
           </a:p>
@@ -3313,11 +6545,11 @@
               <a:buAutoNum type="arabicPeriod"/>
             </a:pPr>
             <a:r>
-              <a:rPr lang="en-US" dirty="0" smtClean="0"/>
+              <a:rPr lang="en-US" sz="1500" dirty="0" smtClean="0"/>
               <a:t>main.js</a:t>
             </a:r>
             <a:r>
-              <a:rPr lang="ru-RU" dirty="0" smtClean="0"/>
+              <a:rPr lang="ru-RU" sz="1500" dirty="0" smtClean="0"/>
               <a:t> – файл в котором будет содержатся бизнес логика расширения</a:t>
             </a:r>
           </a:p>
@@ -3326,18 +6558,18 @@
               <a:buAutoNum type="arabicPeriod"/>
             </a:pPr>
             <a:r>
-              <a:rPr lang="en-US" dirty="0" err="1" smtClean="0"/>
+              <a:rPr lang="en-US" sz="1500" dirty="0" err="1" smtClean="0"/>
               <a:t>manifest.json</a:t>
             </a:r>
             <a:r>
-              <a:rPr lang="ru-RU" dirty="0" smtClean="0"/>
+              <a:rPr lang="ru-RU" sz="1500" dirty="0" smtClean="0"/>
               <a:t> – файл в котором содержится базовая информация о расширении (описание расширения для браузера </a:t>
             </a:r>
             <a:r>
-              <a:rPr lang="en-US" dirty="0" smtClean="0"/>
+              <a:rPr lang="en-US" sz="1500" dirty="0" smtClean="0"/>
               <a:t>chrome)</a:t>
             </a:r>
-            <a:endParaRPr lang="en-US" dirty="0"/>
+            <a:endParaRPr lang="en-US" sz="1500" dirty="0"/>
           </a:p>
         </p:txBody>
       </p:sp>
@@ -3387,10 +6619,10 @@
           <a:lstStyle/>
           <a:p>
             <a:r>
-              <a:rPr lang="en-US" dirty="0" err="1" smtClean="0"/>
+              <a:rPr lang="en-US" sz="3500" dirty="0" err="1" smtClean="0"/>
               <a:t>Manifest.json</a:t>
             </a:r>
-            <a:endParaRPr lang="en-US" dirty="0"/>
+            <a:endParaRPr lang="en-US" sz="3500" dirty="0"/>
           </a:p>
         </p:txBody>
       </p:sp>
@@ -3402,8 +6634,8 @@
         </p:nvSpPr>
         <p:spPr>
           <a:xfrm>
-            <a:off x="838200" y="1258431"/>
-            <a:ext cx="11193855" cy="4801314"/>
+            <a:off x="646111" y="1476145"/>
+            <a:ext cx="11193855" cy="3554819"/>
           </a:xfrm>
           <a:prstGeom prst="rect">
             <a:avLst/>
@@ -3417,233 +6649,208 @@
           <a:lstStyle/>
           <a:p>
             <a:r>
-              <a:rPr lang="ru-RU" dirty="0" smtClean="0"/>
+              <a:rPr lang="ru-RU" sz="1500" dirty="0" smtClean="0"/>
               <a:t>Файл-описание для расширения (необходим для корректного парсинга расширения браузером)</a:t>
             </a:r>
-            <a:endParaRPr lang="en-US" dirty="0"/>
-          </a:p>
-          <a:p>
-            <a:endParaRPr lang="en-US" dirty="0" smtClean="0"/>
-          </a:p>
-          <a:p>
-            <a:r>
-              <a:rPr lang="en-US" dirty="0" smtClean="0"/>
+            <a:endParaRPr lang="en-US" sz="1500" dirty="0"/>
+          </a:p>
+          <a:p>
+            <a:endParaRPr lang="en-US" sz="1500" dirty="0" smtClean="0"/>
+          </a:p>
+          <a:p>
+            <a:r>
+              <a:rPr lang="en-US" sz="1500" dirty="0" smtClean="0"/>
               <a:t>{</a:t>
             </a:r>
-            <a:endParaRPr lang="en-US" dirty="0"/>
-          </a:p>
-          <a:p>
-            <a:r>
-              <a:rPr lang="en-US" dirty="0"/>
+            <a:endParaRPr lang="en-US" sz="1500" dirty="0"/>
+          </a:p>
+          <a:p>
+            <a:r>
+              <a:rPr lang="en-US" sz="1500" dirty="0"/>
               <a:t>    "name": "</a:t>
             </a:r>
             <a:r>
-              <a:rPr lang="en-US" dirty="0" err="1"/>
+              <a:rPr lang="en-US" sz="1500" dirty="0" err="1"/>
               <a:t>AutofillExtension</a:t>
             </a:r>
             <a:r>
-              <a:rPr lang="en-US" dirty="0" smtClean="0"/>
+              <a:rPr lang="en-US" sz="1500" dirty="0" smtClean="0"/>
               <a:t>",  - </a:t>
             </a:r>
             <a:r>
-              <a:rPr lang="ru-RU" dirty="0" smtClean="0"/>
+              <a:rPr lang="ru-RU" sz="1500" dirty="0" smtClean="0"/>
               <a:t>название расширения</a:t>
             </a:r>
-            <a:endParaRPr lang="en-US" dirty="0"/>
-          </a:p>
-          <a:p>
-            <a:r>
-              <a:rPr lang="en-US" dirty="0"/>
+            <a:endParaRPr lang="en-US" sz="1500" dirty="0"/>
+          </a:p>
+          <a:p>
+            <a:r>
+              <a:rPr lang="en-US" sz="1500" dirty="0"/>
               <a:t>    "version": "0.1</a:t>
             </a:r>
             <a:r>
-              <a:rPr lang="en-US" dirty="0" smtClean="0"/>
+              <a:rPr lang="en-US" sz="1500" dirty="0" smtClean="0"/>
               <a:t>",</a:t>
             </a:r>
             <a:r>
-              <a:rPr lang="ru-RU" dirty="0" smtClean="0"/>
+              <a:rPr lang="ru-RU" sz="1500" dirty="0" smtClean="0"/>
               <a:t> - версия расширения</a:t>
             </a:r>
-            <a:endParaRPr lang="en-US" dirty="0"/>
-          </a:p>
-          <a:p>
-            <a:r>
-              <a:rPr lang="en-US" dirty="0"/>
-              <a:t>    "description": "</a:t>
-            </a:r>
-            <a:r>
-              <a:rPr lang="en-US" dirty="0" err="1"/>
+            <a:endParaRPr lang="en-US" sz="1500" dirty="0"/>
+          </a:p>
+          <a:p>
+            <a:r>
+              <a:rPr lang="en-US" sz="1500" dirty="0"/>
+              <a:t>    "</a:t>
+            </a:r>
+            <a:r>
+              <a:rPr lang="en-US" sz="1500" dirty="0" err="1"/>
+              <a:t>manifest_version</a:t>
+            </a:r>
+            <a:r>
+              <a:rPr lang="en-US" sz="1500" dirty="0"/>
+              <a:t>": 2</a:t>
+            </a:r>
+            <a:r>
+              <a:rPr lang="en-US" sz="1500" dirty="0" smtClean="0"/>
+              <a:t>,</a:t>
+            </a:r>
+            <a:r>
+              <a:rPr lang="ru-RU" sz="1500" dirty="0" smtClean="0"/>
+              <a:t> </a:t>
+            </a:r>
+            <a:endParaRPr lang="en-US" sz="1500" dirty="0"/>
+          </a:p>
+          <a:p>
+            <a:r>
+              <a:rPr lang="en-US" sz="1500" dirty="0"/>
+              <a:t>    "permissions": </a:t>
+            </a:r>
+            <a:r>
+              <a:rPr lang="en-US" sz="1500" dirty="0" smtClean="0"/>
+              <a:t>[</a:t>
+            </a:r>
+            <a:endParaRPr lang="ru-RU" sz="1500" dirty="0" smtClean="0"/>
+          </a:p>
+          <a:p>
+            <a:r>
+              <a:rPr lang="en-US" sz="1500" dirty="0"/>
+              <a:t>        "</a:t>
+            </a:r>
+            <a:r>
+              <a:rPr lang="en-US" sz="1500" dirty="0" err="1" smtClean="0"/>
+              <a:t>activeTab</a:t>
+            </a:r>
+            <a:r>
+              <a:rPr lang="en-US" sz="1500" dirty="0" smtClean="0"/>
+              <a:t>“</a:t>
+            </a:r>
+          </a:p>
+          <a:p>
+            <a:r>
+              <a:rPr lang="en-US" sz="1500" dirty="0"/>
+              <a:t>    </a:t>
+            </a:r>
+            <a:r>
+              <a:rPr lang="en-US" sz="1500" dirty="0" smtClean="0"/>
+              <a:t>],</a:t>
+            </a:r>
+            <a:r>
+              <a:rPr lang="ru-RU" sz="1500" dirty="0" smtClean="0"/>
+              <a:t> - массив из прав, которые требует данное расширение, в нашем случае нужен доступ к </a:t>
+            </a:r>
+            <a:r>
+              <a:rPr lang="ru-RU" sz="1500" dirty="0" smtClean="0"/>
+              <a:t>активной вкладке</a:t>
+            </a:r>
+            <a:endParaRPr lang="en-US" sz="1500" dirty="0"/>
+          </a:p>
+          <a:p>
+            <a:r>
+              <a:rPr lang="en-US" sz="1500" dirty="0"/>
+              <a:t>    "</a:t>
+            </a:r>
+            <a:r>
+              <a:rPr lang="en-US" sz="1500" dirty="0" err="1"/>
+              <a:t>browser_action</a:t>
+            </a:r>
+            <a:r>
+              <a:rPr lang="en-US" sz="1500" dirty="0"/>
+              <a:t>": {</a:t>
+            </a:r>
+          </a:p>
+          <a:p>
+            <a:r>
+              <a:rPr lang="en-US" sz="1500" dirty="0"/>
+              <a:t>        "</a:t>
+            </a:r>
+            <a:r>
+              <a:rPr lang="en-US" sz="1500" dirty="0" err="1"/>
+              <a:t>default_title</a:t>
+            </a:r>
+            <a:r>
+              <a:rPr lang="en-US" sz="1500" dirty="0"/>
+              <a:t>": "</a:t>
+            </a:r>
+            <a:r>
+              <a:rPr lang="en-US" sz="1500" dirty="0" err="1"/>
               <a:t>AutofillExtension</a:t>
             </a:r>
             <a:r>
-              <a:rPr lang="en-US" dirty="0" smtClean="0"/>
+              <a:rPr lang="en-US" sz="1500" dirty="0" smtClean="0"/>
               <a:t>",</a:t>
             </a:r>
             <a:r>
-              <a:rPr lang="ru-RU" dirty="0" smtClean="0"/>
-              <a:t> - описание расширения</a:t>
-            </a:r>
-            <a:endParaRPr lang="en-US" dirty="0"/>
-          </a:p>
-          <a:p>
-            <a:r>
-              <a:rPr lang="en-US" dirty="0"/>
-              <a:t>    "</a:t>
-            </a:r>
-            <a:r>
-              <a:rPr lang="en-US" dirty="0" err="1"/>
-              <a:t>manifest_version</a:t>
-            </a:r>
-            <a:r>
-              <a:rPr lang="en-US" dirty="0"/>
-              <a:t>": 2</a:t>
-            </a:r>
-            <a:r>
-              <a:rPr lang="en-US" dirty="0" smtClean="0"/>
-              <a:t>,</a:t>
-            </a:r>
-            <a:r>
-              <a:rPr lang="ru-RU" dirty="0" smtClean="0"/>
-              <a:t> </a:t>
-            </a:r>
-            <a:endParaRPr lang="en-US" dirty="0"/>
-          </a:p>
-          <a:p>
-            <a:r>
-              <a:rPr lang="en-US" dirty="0"/>
-              <a:t>    "permissions": </a:t>
-            </a:r>
-            <a:r>
-              <a:rPr lang="en-US" dirty="0" smtClean="0"/>
-              <a:t>[</a:t>
-            </a:r>
-            <a:endParaRPr lang="ru-RU" dirty="0" smtClean="0"/>
-          </a:p>
-          <a:p>
-            <a:r>
-              <a:rPr lang="en-US" dirty="0"/>
+              <a:rPr lang="ru-RU" sz="1500" dirty="0" smtClean="0"/>
+              <a:t> - название расширения (выводится в панели расширений)</a:t>
+            </a:r>
+            <a:endParaRPr lang="en-US" sz="1500" dirty="0"/>
+          </a:p>
+          <a:p>
+            <a:r>
+              <a:rPr lang="en-US" sz="1500" dirty="0"/>
               <a:t>        "</a:t>
             </a:r>
             <a:r>
-              <a:rPr lang="en-US" dirty="0" err="1"/>
-              <a:t>activeTab</a:t>
-            </a:r>
-            <a:r>
-              <a:rPr lang="en-US" dirty="0"/>
-              <a:t>",</a:t>
-            </a:r>
-          </a:p>
-          <a:p>
-            <a:r>
-              <a:rPr lang="en-US" dirty="0"/>
-              <a:t>        "tabs"</a:t>
-            </a:r>
-          </a:p>
-          <a:p>
-            <a:r>
-              <a:rPr lang="en-US" dirty="0"/>
-              <a:t>    </a:t>
-            </a:r>
-            <a:r>
-              <a:rPr lang="en-US" dirty="0" smtClean="0"/>
-              <a:t>],</a:t>
-            </a:r>
-            <a:r>
-              <a:rPr lang="ru-RU" dirty="0" smtClean="0"/>
-              <a:t> </a:t>
-            </a:r>
-            <a:r>
-              <a:rPr lang="ru-RU" dirty="0" smtClean="0"/>
-              <a:t>- массив из прав, которые требует данное расширение, в нашем случае нужен доступ к табам</a:t>
-            </a:r>
-            <a:endParaRPr lang="en-US" dirty="0"/>
-          </a:p>
-          <a:p>
-            <a:r>
-              <a:rPr lang="en-US" dirty="0"/>
-              <a:t>    "</a:t>
-            </a:r>
-            <a:r>
-              <a:rPr lang="en-US" dirty="0" err="1"/>
-              <a:t>browser_action</a:t>
-            </a:r>
-            <a:r>
-              <a:rPr lang="en-US" dirty="0"/>
-              <a:t>": {</a:t>
-            </a:r>
-          </a:p>
-          <a:p>
-            <a:r>
-              <a:rPr lang="en-US" dirty="0"/>
-              <a:t>        "</a:t>
-            </a:r>
-            <a:r>
-              <a:rPr lang="en-US" dirty="0" err="1"/>
-              <a:t>default_title</a:t>
-            </a:r>
-            <a:r>
-              <a:rPr lang="en-US" dirty="0"/>
-              <a:t>": "</a:t>
-            </a:r>
-            <a:r>
-              <a:rPr lang="en-US" dirty="0" err="1"/>
-              <a:t>AutofillExtension</a:t>
-            </a:r>
-            <a:r>
-              <a:rPr lang="en-US" dirty="0" smtClean="0"/>
-              <a:t>",</a:t>
-            </a:r>
-            <a:r>
-              <a:rPr lang="ru-RU" dirty="0" smtClean="0"/>
-              <a:t> - название расширения (выводится в панели расширений)</a:t>
-            </a:r>
-            <a:endParaRPr lang="en-US" dirty="0"/>
-          </a:p>
-          <a:p>
-            <a:r>
-              <a:rPr lang="en-US" dirty="0"/>
-              <a:t>        "</a:t>
-            </a:r>
-            <a:r>
-              <a:rPr lang="en-US" dirty="0" err="1"/>
+              <a:rPr lang="en-US" sz="1500" dirty="0" err="1"/>
               <a:t>default_popup</a:t>
             </a:r>
             <a:r>
-              <a:rPr lang="en-US" dirty="0"/>
+              <a:rPr lang="en-US" sz="1500" dirty="0"/>
               <a:t>": </a:t>
             </a:r>
             <a:r>
-              <a:rPr lang="ru-RU" dirty="0" smtClean="0"/>
+              <a:rPr lang="ru-RU" sz="1500" dirty="0" smtClean="0"/>
               <a:t>«</a:t>
             </a:r>
             <a:r>
-              <a:rPr lang="en-US" dirty="0" smtClean="0"/>
+              <a:rPr lang="en-US" sz="1500" dirty="0" smtClean="0"/>
               <a:t>index.htm</a:t>
             </a:r>
             <a:r>
-              <a:rPr lang="en-US" dirty="0"/>
+              <a:rPr lang="en-US" sz="1500" dirty="0"/>
               <a:t>l</a:t>
             </a:r>
             <a:r>
-              <a:rPr lang="ru-RU" dirty="0" smtClean="0"/>
+              <a:rPr lang="ru-RU" sz="1500" dirty="0" smtClean="0"/>
               <a:t>»  - точка входа расширения</a:t>
             </a:r>
-            <a:endParaRPr lang="en-US" dirty="0"/>
-          </a:p>
-          <a:p>
-            <a:r>
-              <a:rPr lang="en-US" dirty="0"/>
+            <a:endParaRPr lang="en-US" sz="1500" dirty="0"/>
+          </a:p>
+          <a:p>
+            <a:r>
+              <a:rPr lang="en-US" sz="1500" dirty="0"/>
               <a:t>    }</a:t>
             </a:r>
           </a:p>
           <a:p>
             <a:r>
-              <a:rPr lang="en-US" dirty="0"/>
+              <a:rPr lang="en-US" sz="1500" dirty="0"/>
               <a:t>}</a:t>
             </a:r>
           </a:p>
           <a:p>
-            <a:endParaRPr lang="en-US" dirty="0"/>
+            <a:endParaRPr lang="en-US" sz="1500" dirty="0"/>
           </a:p>
         </p:txBody>
       </p:sp>
@@ -3693,10 +6900,10 @@
           <a:lstStyle/>
           <a:p>
             <a:r>
-              <a:rPr lang="en-US" dirty="0" smtClean="0"/>
+              <a:rPr lang="en-US" sz="3500" dirty="0" smtClean="0"/>
               <a:t>Index.html</a:t>
             </a:r>
-            <a:endParaRPr lang="en-US" dirty="0"/>
+            <a:endParaRPr lang="en-US" sz="3500" dirty="0"/>
           </a:p>
         </p:txBody>
       </p:sp>
@@ -3708,8 +6915,8 @@
         </p:nvSpPr>
         <p:spPr>
           <a:xfrm>
-            <a:off x="838200" y="1339912"/>
-            <a:ext cx="10809838" cy="5755422"/>
+            <a:off x="646111" y="1479250"/>
+            <a:ext cx="10809838" cy="3323987"/>
           </a:xfrm>
           <a:prstGeom prst="rect">
             <a:avLst/>
@@ -3723,228 +6930,121 @@
           <a:lstStyle/>
           <a:p>
             <a:r>
-              <a:rPr lang="ru-RU" sz="1400" dirty="0" smtClean="0"/>
-              <a:t>Имеет простую структуру, содержит 2 кнопки - </a:t>
-            </a:r>
-            <a:r>
-              <a:rPr lang="en-US" sz="1400" dirty="0" err="1" smtClean="0"/>
-              <a:t>fakeInputBtn</a:t>
-            </a:r>
-            <a:r>
-              <a:rPr lang="ru-RU" sz="1400" dirty="0" smtClean="0"/>
-              <a:t> и </a:t>
-            </a:r>
-            <a:r>
-              <a:rPr lang="en-US" sz="1400" dirty="0" err="1" smtClean="0"/>
-              <a:t>randomFillBtn</a:t>
-            </a:r>
-            <a:r>
-              <a:rPr lang="ru-RU" sz="1400" dirty="0" smtClean="0"/>
+              <a:rPr lang="ru-RU" sz="1500" dirty="0" smtClean="0"/>
+              <a:t>Имеет простую структуру, содержит </a:t>
+            </a:r>
+            <a:r>
+              <a:rPr lang="ru-RU" sz="1500" dirty="0" smtClean="0"/>
+              <a:t>кнопку </a:t>
+            </a:r>
+            <a:r>
+              <a:rPr lang="ru-RU" sz="1500" dirty="0" smtClean="0"/>
+              <a:t>- </a:t>
+            </a:r>
+            <a:r>
+              <a:rPr lang="en-US" sz="1500" dirty="0"/>
+              <a:t>Generate and </a:t>
+            </a:r>
+            <a:r>
+              <a:rPr lang="en-US" sz="1500" dirty="0" smtClean="0"/>
+              <a:t>send</a:t>
+            </a:r>
+            <a:r>
+              <a:rPr lang="ru-RU" sz="1500" dirty="0" smtClean="0"/>
               <a:t>.</a:t>
             </a:r>
-            <a:endParaRPr lang="en-US" sz="1400" dirty="0" smtClean="0"/>
-          </a:p>
-          <a:p>
-            <a:endParaRPr lang="en-US" sz="1400" dirty="0"/>
-          </a:p>
-          <a:p>
-            <a:r>
-              <a:rPr lang="en-US" sz="1400" dirty="0" smtClean="0"/>
-              <a:t>&lt;!</a:t>
-            </a:r>
-            <a:r>
-              <a:rPr lang="en-US" sz="1400" dirty="0"/>
-              <a:t>DOCTYPE html&gt;</a:t>
-            </a:r>
-          </a:p>
-          <a:p>
-            <a:r>
-              <a:rPr lang="en-US" sz="1400" dirty="0"/>
+            <a:endParaRPr lang="en-US" sz="1500" dirty="0" smtClean="0"/>
+          </a:p>
+          <a:p>
+            <a:endParaRPr lang="en-US" sz="1500" dirty="0"/>
+          </a:p>
+          <a:p>
+            <a:r>
+              <a:rPr lang="en-US" sz="1500" dirty="0"/>
+              <a:t>&lt;!DOCTYPE html&gt;</a:t>
+            </a:r>
+          </a:p>
+          <a:p>
+            <a:r>
+              <a:rPr lang="en-US" sz="1500" dirty="0"/>
               <a:t>&lt;html&gt;</a:t>
             </a:r>
           </a:p>
           <a:p>
             <a:r>
-              <a:rPr lang="en-US" sz="1400" dirty="0"/>
+              <a:rPr lang="en-US" sz="1500" dirty="0"/>
               <a:t/>
             </a:r>
             <a:br>
-              <a:rPr lang="en-US" sz="1400" dirty="0"/>
+              <a:rPr lang="en-US" sz="1500" dirty="0"/>
             </a:br>
             <a:r>
-              <a:rPr lang="en-US" sz="1400" dirty="0"/>
+              <a:rPr lang="en-US" sz="1500" dirty="0"/>
               <a:t>&lt;head&gt;&lt;/head&gt;</a:t>
             </a:r>
           </a:p>
           <a:p>
             <a:r>
-              <a:rPr lang="en-US" sz="1400" dirty="0"/>
+              <a:rPr lang="en-US" sz="1500" dirty="0"/>
               <a:t/>
             </a:r>
             <a:br>
-              <a:rPr lang="en-US" sz="1400" dirty="0"/>
+              <a:rPr lang="en-US" sz="1500" dirty="0"/>
             </a:br>
             <a:r>
-              <a:rPr lang="en-US" sz="1400" dirty="0"/>
+              <a:rPr lang="en-US" sz="1500" dirty="0"/>
               <a:t>&lt;body&gt;</a:t>
             </a:r>
           </a:p>
           <a:p>
             <a:r>
-              <a:rPr lang="en-US" sz="1400" dirty="0"/>
-              <a:t>&lt;div&gt;</a:t>
-            </a:r>
-          </a:p>
-          <a:p>
-            <a:r>
-              <a:rPr lang="en-US" sz="1400" dirty="0"/>
-              <a:t>&lt;div&gt;</a:t>
-            </a:r>
-          </a:p>
-          <a:p>
-            <a:r>
-              <a:rPr lang="en-US" sz="1400" dirty="0"/>
+              <a:rPr lang="en-US" sz="1500" dirty="0"/>
               <a:t>&lt;button id="</a:t>
             </a:r>
             <a:r>
-              <a:rPr lang="en-US" sz="1400" dirty="0" err="1"/>
-              <a:t>fakeInputBtn</a:t>
-            </a:r>
-            <a:r>
-              <a:rPr lang="en-US" sz="1400" dirty="0"/>
-              <a:t>"&gt;Fake Input&lt;/button</a:t>
-            </a:r>
-            <a:r>
-              <a:rPr lang="en-US" sz="1400" dirty="0" smtClean="0"/>
-              <a:t>&gt;</a:t>
-            </a:r>
-            <a:r>
-              <a:rPr lang="ru-RU" sz="1400" dirty="0" smtClean="0"/>
-              <a:t> - кнопка для начала перехвата ввода пользователя</a:t>
-            </a:r>
-            <a:endParaRPr lang="en-US" sz="1400" dirty="0"/>
-          </a:p>
-          <a:p>
-            <a:r>
-              <a:rPr lang="en-US" sz="1400" dirty="0"/>
-              <a:t>&lt;/div&gt;</a:t>
-            </a:r>
-          </a:p>
-          <a:p>
-            <a:r>
-              <a:rPr lang="en-US" sz="1400" dirty="0"/>
-              <a:t>&lt;div&gt;</a:t>
-            </a:r>
-          </a:p>
-          <a:p>
-            <a:r>
-              <a:rPr lang="en-US" sz="1400" dirty="0"/>
-              <a:t>&lt;button id="</a:t>
-            </a:r>
-            <a:r>
-              <a:rPr lang="en-US" sz="1400" dirty="0" err="1"/>
-              <a:t>randomFillBtn</a:t>
-            </a:r>
-            <a:r>
-              <a:rPr lang="en-US" sz="1400" dirty="0"/>
-              <a:t>"&gt;Random Fill&lt;/button</a:t>
-            </a:r>
-            <a:r>
-              <a:rPr lang="en-US" sz="1400" dirty="0" smtClean="0"/>
-              <a:t>&gt;</a:t>
-            </a:r>
-            <a:r>
-              <a:rPr lang="ru-RU" sz="1400" dirty="0" smtClean="0"/>
-              <a:t> - кнопка для заполнения поля случайной фразой</a:t>
-            </a:r>
-            <a:endParaRPr lang="en-US" sz="1400" dirty="0"/>
-          </a:p>
-          <a:p>
-            <a:r>
-              <a:rPr lang="en-US" sz="1400" dirty="0"/>
-              <a:t>&lt;/div&gt;</a:t>
-            </a:r>
-          </a:p>
-          <a:p>
-            <a:r>
-              <a:rPr lang="en-US" sz="1400" dirty="0"/>
-              <a:t>&lt;/div&gt;</a:t>
-            </a:r>
-          </a:p>
-          <a:p>
-            <a:r>
-              <a:rPr lang="en-US" sz="1400" dirty="0"/>
-              <a:t>&lt;style&gt;</a:t>
-            </a:r>
-          </a:p>
-          <a:p>
-            <a:r>
-              <a:rPr lang="en-US" sz="1400" dirty="0"/>
-              <a:t>button {</a:t>
-            </a:r>
-          </a:p>
-          <a:p>
-            <a:r>
-              <a:rPr lang="en-US" sz="1400" dirty="0"/>
-              <a:t>margin: 10px;</a:t>
-            </a:r>
-          </a:p>
-          <a:p>
-            <a:r>
-              <a:rPr lang="en-US" sz="1400" dirty="0"/>
-              <a:t>}</a:t>
-            </a:r>
-          </a:p>
-          <a:p>
-            <a:r>
-              <a:rPr lang="en-US" sz="1400" dirty="0"/>
-              <a:t>&lt;/style&gt;</a:t>
-            </a:r>
-          </a:p>
-          <a:p>
-            <a:r>
-              <a:rPr lang="en-US" sz="1400" dirty="0"/>
+              <a:rPr lang="en-US" sz="1500" dirty="0" err="1"/>
+              <a:t>btn</a:t>
+            </a:r>
+            <a:r>
+              <a:rPr lang="en-US" sz="1500" dirty="0"/>
+              <a:t>"&gt;Generate and send&lt;/button&gt;</a:t>
+            </a:r>
+          </a:p>
+          <a:p>
+            <a:r>
+              <a:rPr lang="en-US" sz="1500" dirty="0"/>
               <a:t>&lt;script </a:t>
             </a:r>
             <a:r>
-              <a:rPr lang="en-US" sz="1400" dirty="0" err="1"/>
+              <a:rPr lang="en-US" sz="1500" dirty="0" err="1"/>
               <a:t>src</a:t>
             </a:r>
             <a:r>
-              <a:rPr lang="en-US" sz="1400" dirty="0"/>
-              <a:t>="main.js"&gt;&lt;/script</a:t>
-            </a:r>
-            <a:r>
-              <a:rPr lang="en-US" sz="1400" dirty="0" smtClean="0"/>
-              <a:t>&gt;</a:t>
-            </a:r>
-            <a:r>
-              <a:rPr lang="ru-RU" sz="1400" dirty="0" smtClean="0"/>
-              <a:t> - подгрузка бизнес логики расширения</a:t>
-            </a:r>
-            <a:endParaRPr lang="en-US" sz="1400" dirty="0"/>
-          </a:p>
-          <a:p>
-            <a:r>
-              <a:rPr lang="en-US" sz="1400" dirty="0"/>
+              <a:rPr lang="en-US" sz="1500" dirty="0"/>
+              <a:t>="main.js"&gt;&lt;/script&gt;</a:t>
+            </a:r>
+          </a:p>
+          <a:p>
+            <a:r>
+              <a:rPr lang="en-US" sz="1500" dirty="0"/>
               <a:t>&lt;/body&gt;</a:t>
             </a:r>
           </a:p>
           <a:p>
             <a:r>
-              <a:rPr lang="en-US" sz="1400" dirty="0"/>
+              <a:rPr lang="en-US" sz="1500" dirty="0"/>
               <a:t/>
             </a:r>
             <a:br>
-              <a:rPr lang="en-US" sz="1400" dirty="0"/>
+              <a:rPr lang="en-US" sz="1500" dirty="0"/>
             </a:br>
             <a:r>
-              <a:rPr lang="en-US" sz="1400" dirty="0"/>
+              <a:rPr lang="en-US" sz="1500" dirty="0"/>
               <a:t>&lt;/html&gt;</a:t>
             </a:r>
           </a:p>
           <a:p>
-            <a:endParaRPr lang="en-US" dirty="0"/>
+            <a:endParaRPr lang="en-US" sz="1500" dirty="0"/>
           </a:p>
         </p:txBody>
       </p:sp>
@@ -3988,16 +7088,23 @@
             <p:ph type="title"/>
           </p:nvPr>
         </p:nvSpPr>
-        <p:spPr/>
-        <p:txBody>
-          <a:bodyPr/>
+        <p:spPr>
+          <a:xfrm>
+            <a:off x="838200" y="261258"/>
+            <a:ext cx="10515600" cy="827313"/>
+          </a:xfrm>
+        </p:spPr>
+        <p:txBody>
+          <a:bodyPr>
+            <a:normAutofit/>
+          </a:bodyPr>
           <a:lstStyle/>
           <a:p>
             <a:r>
-              <a:rPr lang="en-US" dirty="0" smtClean="0"/>
+              <a:rPr lang="en-US" sz="3500" dirty="0" smtClean="0"/>
               <a:t>Main.js</a:t>
             </a:r>
-            <a:endParaRPr lang="en-US" dirty="0"/>
+            <a:endParaRPr lang="en-US" sz="3500" dirty="0"/>
           </a:p>
         </p:txBody>
       </p:sp>
@@ -4009,8 +7116,8 @@
         </p:nvSpPr>
         <p:spPr>
           <a:xfrm>
-            <a:off x="932507" y="1690688"/>
-            <a:ext cx="10421293" cy="1200329"/>
+            <a:off x="838200" y="1158241"/>
+            <a:ext cx="10421293" cy="4939814"/>
           </a:xfrm>
           <a:prstGeom prst="rect">
             <a:avLst/>
@@ -4024,41 +7131,504 @@
           <a:lstStyle/>
           <a:p>
             <a:r>
-              <a:rPr lang="ru-RU" dirty="0" smtClean="0"/>
-              <a:t>Файл состоит из 2 обработчиков нажатия на кнопки расширения.</a:t>
-            </a:r>
-          </a:p>
-          <a:p>
-            <a:endParaRPr lang="ru-RU" dirty="0"/>
-          </a:p>
-          <a:p>
-            <a:r>
-              <a:rPr lang="ru-RU" dirty="0" smtClean="0"/>
-              <a:t>Кнопка </a:t>
-            </a:r>
-            <a:r>
-              <a:rPr lang="en-US" dirty="0" smtClean="0"/>
-              <a:t>Fake Input </a:t>
-            </a:r>
-            <a:r>
-              <a:rPr lang="ru-RU" dirty="0" smtClean="0"/>
-              <a:t>отвечает за захват ввода пользователя и замена его на заранее заданный текст</a:t>
-            </a:r>
-          </a:p>
-          <a:p>
-            <a:r>
-              <a:rPr lang="ru-RU" dirty="0" smtClean="0"/>
-              <a:t>Кнопка </a:t>
-            </a:r>
-            <a:r>
-              <a:rPr lang="en-US" dirty="0" smtClean="0"/>
-              <a:t>Random Fill </a:t>
-            </a:r>
-            <a:r>
-              <a:rPr lang="ru-RU" dirty="0" smtClean="0"/>
-              <a:t>отвечает за заполнения поля случайным текстом</a:t>
-            </a:r>
-            <a:endParaRPr lang="en-US" dirty="0"/>
+              <a:rPr lang="ru-RU" sz="1500" dirty="0" err="1"/>
+              <a:t>document.getElementById</a:t>
+            </a:r>
+            <a:r>
+              <a:rPr lang="ru-RU" sz="1500" dirty="0"/>
+              <a:t>("</a:t>
+            </a:r>
+            <a:r>
+              <a:rPr lang="ru-RU" sz="1500" dirty="0" err="1"/>
+              <a:t>btn</a:t>
+            </a:r>
+            <a:r>
+              <a:rPr lang="ru-RU" sz="1500" dirty="0"/>
+              <a:t>").</a:t>
+            </a:r>
+            <a:r>
+              <a:rPr lang="ru-RU" sz="1500" dirty="0" err="1"/>
+              <a:t>addEventListener</a:t>
+            </a:r>
+            <a:r>
+              <a:rPr lang="ru-RU" sz="1500" dirty="0"/>
+              <a:t>('</a:t>
+            </a:r>
+            <a:r>
+              <a:rPr lang="ru-RU" sz="1500" dirty="0" err="1"/>
+              <a:t>click</a:t>
+            </a:r>
+            <a:r>
+              <a:rPr lang="ru-RU" sz="1500" dirty="0"/>
+              <a:t>', () =&gt; {</a:t>
+            </a:r>
+          </a:p>
+          <a:p>
+            <a:r>
+              <a:rPr lang="ru-RU" sz="1500" dirty="0"/>
+              <a:t/>
+            </a:r>
+            <a:br>
+              <a:rPr lang="ru-RU" sz="1500" dirty="0"/>
+            </a:br>
+            <a:r>
+              <a:rPr lang="ru-RU" sz="1500" dirty="0"/>
+              <a:t>  </a:t>
+            </a:r>
+            <a:r>
+              <a:rPr lang="ru-RU" sz="1500" dirty="0" err="1"/>
+              <a:t>function</a:t>
+            </a:r>
+            <a:r>
+              <a:rPr lang="ru-RU" sz="1500" dirty="0"/>
+              <a:t> </a:t>
+            </a:r>
+            <a:r>
+              <a:rPr lang="ru-RU" sz="1500" dirty="0" err="1"/>
+              <a:t>modifyDOM</a:t>
+            </a:r>
+            <a:r>
+              <a:rPr lang="ru-RU" sz="1500" dirty="0"/>
+              <a:t>() {</a:t>
+            </a:r>
+          </a:p>
+          <a:p>
+            <a:r>
+              <a:rPr lang="ru-RU" sz="1500" dirty="0"/>
+              <a:t/>
+            </a:r>
+            <a:br>
+              <a:rPr lang="ru-RU" sz="1500" dirty="0"/>
+            </a:br>
+            <a:r>
+              <a:rPr lang="ru-RU" sz="1500" dirty="0"/>
+              <a:t>    </a:t>
+            </a:r>
+            <a:r>
+              <a:rPr lang="ru-RU" sz="1500" dirty="0" err="1"/>
+              <a:t>let</a:t>
+            </a:r>
+            <a:r>
+              <a:rPr lang="ru-RU" sz="1500" dirty="0"/>
+              <a:t> </a:t>
+            </a:r>
+            <a:r>
+              <a:rPr lang="ru-RU" sz="1500" dirty="0" err="1"/>
+              <a:t>textArr</a:t>
+            </a:r>
+            <a:r>
+              <a:rPr lang="ru-RU" sz="1500" dirty="0"/>
+              <a:t> = </a:t>
+            </a:r>
+            <a:r>
+              <a:rPr lang="ru-RU" sz="1500" dirty="0" smtClean="0"/>
+              <a:t>[…]; //массив данных для заполнения</a:t>
+            </a:r>
+            <a:endParaRPr lang="ru-RU" sz="1500" dirty="0"/>
+          </a:p>
+          <a:p>
+            <a:r>
+              <a:rPr lang="ru-RU" sz="1500" dirty="0"/>
+              <a:t/>
+            </a:r>
+            <a:br>
+              <a:rPr lang="ru-RU" sz="1500" dirty="0"/>
+            </a:br>
+            <a:r>
+              <a:rPr lang="ru-RU" sz="1500" dirty="0"/>
+              <a:t>    </a:t>
+            </a:r>
+            <a:r>
+              <a:rPr lang="ru-RU" sz="1500" dirty="0" err="1"/>
+              <a:t>let</a:t>
+            </a:r>
+            <a:r>
+              <a:rPr lang="ru-RU" sz="1500" dirty="0"/>
+              <a:t> </a:t>
+            </a:r>
+            <a:r>
+              <a:rPr lang="ru-RU" sz="1500" dirty="0" err="1"/>
+              <a:t>randomInRange</a:t>
+            </a:r>
+            <a:r>
+              <a:rPr lang="ru-RU" sz="1500" dirty="0"/>
+              <a:t> = (</a:t>
+            </a:r>
+            <a:r>
+              <a:rPr lang="ru-RU" sz="1500" dirty="0" err="1"/>
+              <a:t>min</a:t>
+            </a:r>
+            <a:r>
+              <a:rPr lang="ru-RU" sz="1500" dirty="0"/>
+              <a:t>, </a:t>
+            </a:r>
+            <a:r>
+              <a:rPr lang="ru-RU" sz="1500" dirty="0" err="1"/>
+              <a:t>max</a:t>
+            </a:r>
+            <a:r>
+              <a:rPr lang="ru-RU" sz="1500" dirty="0"/>
+              <a:t>) =&gt; </a:t>
+            </a:r>
+            <a:r>
+              <a:rPr lang="ru-RU" sz="1500" dirty="0" err="1"/>
+              <a:t>Math.floor</a:t>
+            </a:r>
+            <a:r>
+              <a:rPr lang="ru-RU" sz="1500" dirty="0"/>
+              <a:t>(</a:t>
+            </a:r>
+            <a:r>
+              <a:rPr lang="ru-RU" sz="1500" dirty="0" err="1"/>
+              <a:t>Math.random</a:t>
+            </a:r>
+            <a:r>
+              <a:rPr lang="ru-RU" sz="1500" dirty="0"/>
+              <a:t>() * (</a:t>
+            </a:r>
+            <a:r>
+              <a:rPr lang="ru-RU" sz="1500" dirty="0" err="1"/>
+              <a:t>max</a:t>
+            </a:r>
+            <a:r>
+              <a:rPr lang="ru-RU" sz="1500" dirty="0"/>
+              <a:t> - </a:t>
+            </a:r>
+            <a:r>
+              <a:rPr lang="ru-RU" sz="1500" dirty="0" err="1"/>
+              <a:t>min</a:t>
+            </a:r>
+            <a:r>
+              <a:rPr lang="ru-RU" sz="1500" dirty="0"/>
+              <a:t> + 1)) + </a:t>
+            </a:r>
+            <a:r>
+              <a:rPr lang="ru-RU" sz="1500" dirty="0" err="1"/>
+              <a:t>min</a:t>
+            </a:r>
+            <a:r>
+              <a:rPr lang="ru-RU" sz="1500" dirty="0" smtClean="0"/>
+              <a:t>; //генератор </a:t>
+            </a:r>
+            <a:r>
+              <a:rPr lang="ru-RU" sz="1500" dirty="0" err="1" smtClean="0"/>
+              <a:t>рандомных</a:t>
+            </a:r>
+            <a:r>
+              <a:rPr lang="ru-RU" sz="1500" dirty="0" smtClean="0"/>
+              <a:t> чисел в промежутке</a:t>
+            </a:r>
+            <a:endParaRPr lang="ru-RU" sz="1500" dirty="0"/>
+          </a:p>
+          <a:p>
+            <a:r>
+              <a:rPr lang="ru-RU" sz="1500" dirty="0"/>
+              <a:t>    </a:t>
+            </a:r>
+            <a:r>
+              <a:rPr lang="ru-RU" sz="1500" dirty="0" err="1"/>
+              <a:t>let</a:t>
+            </a:r>
+            <a:r>
+              <a:rPr lang="ru-RU" sz="1500" dirty="0"/>
+              <a:t> </a:t>
+            </a:r>
+            <a:r>
+              <a:rPr lang="ru-RU" sz="1500" dirty="0" err="1"/>
+              <a:t>randomIndex</a:t>
+            </a:r>
+            <a:r>
+              <a:rPr lang="ru-RU" sz="1500" dirty="0"/>
+              <a:t> = </a:t>
+            </a:r>
+            <a:r>
+              <a:rPr lang="ru-RU" sz="1500" dirty="0" err="1"/>
+              <a:t>randomInRange</a:t>
+            </a:r>
+            <a:r>
+              <a:rPr lang="ru-RU" sz="1500" dirty="0"/>
+              <a:t>(0, </a:t>
+            </a:r>
+            <a:r>
+              <a:rPr lang="ru-RU" sz="1500" dirty="0" err="1"/>
+              <a:t>textArr.length</a:t>
+            </a:r>
+            <a:r>
+              <a:rPr lang="ru-RU" sz="1500" dirty="0"/>
+              <a:t> - 1</a:t>
+            </a:r>
+            <a:r>
+              <a:rPr lang="ru-RU" sz="1500" dirty="0" smtClean="0"/>
+              <a:t>);//получаем </a:t>
+            </a:r>
+            <a:r>
+              <a:rPr lang="ru-RU" sz="1500" dirty="0" err="1" smtClean="0"/>
+              <a:t>рандомное</a:t>
+            </a:r>
+            <a:r>
+              <a:rPr lang="ru-RU" sz="1500" dirty="0" smtClean="0"/>
+              <a:t> число</a:t>
+            </a:r>
+            <a:endParaRPr lang="ru-RU" sz="1500" dirty="0"/>
+          </a:p>
+          <a:p>
+            <a:r>
+              <a:rPr lang="ru-RU" sz="1500" dirty="0"/>
+              <a:t/>
+            </a:r>
+            <a:br>
+              <a:rPr lang="ru-RU" sz="1500" dirty="0"/>
+            </a:br>
+            <a:r>
+              <a:rPr lang="ru-RU" sz="1500" dirty="0"/>
+              <a:t>    </a:t>
+            </a:r>
+            <a:r>
+              <a:rPr lang="ru-RU" sz="1500" dirty="0" err="1"/>
+              <a:t>let</a:t>
+            </a:r>
+            <a:r>
+              <a:rPr lang="ru-RU" sz="1500" dirty="0"/>
+              <a:t> </a:t>
+            </a:r>
+            <a:r>
+              <a:rPr lang="ru-RU" sz="1500" dirty="0" err="1"/>
+              <a:t>input</a:t>
+            </a:r>
+            <a:r>
+              <a:rPr lang="ru-RU" sz="1500" dirty="0"/>
+              <a:t> = </a:t>
+            </a:r>
+            <a:r>
+              <a:rPr lang="ru-RU" sz="1500" dirty="0" err="1"/>
+              <a:t>document.body.querySelector</a:t>
+            </a:r>
+            <a:r>
+              <a:rPr lang="ru-RU" sz="1500" dirty="0"/>
+              <a:t>("#</a:t>
+            </a:r>
+            <a:r>
+              <a:rPr lang="ru-RU" sz="1500" dirty="0" err="1"/>
+              <a:t>post_field</a:t>
+            </a:r>
+            <a:r>
+              <a:rPr lang="ru-RU" sz="1500" dirty="0" smtClean="0"/>
+              <a:t>"); //заносим </a:t>
+            </a:r>
+            <a:r>
+              <a:rPr lang="ru-RU" sz="1500" dirty="0" err="1" smtClean="0"/>
+              <a:t>инпут</a:t>
+            </a:r>
+            <a:r>
+              <a:rPr lang="ru-RU" sz="1500" dirty="0" smtClean="0"/>
+              <a:t> со страницы </a:t>
+            </a:r>
+            <a:r>
+              <a:rPr lang="ru-RU" sz="1500" dirty="0" err="1" smtClean="0"/>
+              <a:t>вк</a:t>
+            </a:r>
+            <a:r>
+              <a:rPr lang="ru-RU" sz="1500" dirty="0" smtClean="0"/>
+              <a:t> в переменную</a:t>
+            </a:r>
+            <a:endParaRPr lang="ru-RU" sz="1500" dirty="0"/>
+          </a:p>
+          <a:p>
+            <a:r>
+              <a:rPr lang="ru-RU" sz="1500" dirty="0"/>
+              <a:t>    </a:t>
+            </a:r>
+            <a:r>
+              <a:rPr lang="ru-RU" sz="1500" dirty="0" err="1"/>
+              <a:t>input.textContent</a:t>
+            </a:r>
+            <a:r>
+              <a:rPr lang="ru-RU" sz="1500" dirty="0"/>
+              <a:t> = </a:t>
+            </a:r>
+            <a:r>
+              <a:rPr lang="ru-RU" sz="1500" dirty="0" err="1"/>
+              <a:t>textArr</a:t>
+            </a:r>
+            <a:r>
+              <a:rPr lang="ru-RU" sz="1500" dirty="0"/>
+              <a:t>[</a:t>
+            </a:r>
+            <a:r>
+              <a:rPr lang="ru-RU" sz="1500" dirty="0" err="1"/>
+              <a:t>randomIndex</a:t>
+            </a:r>
+            <a:r>
+              <a:rPr lang="ru-RU" sz="1500" dirty="0" smtClean="0"/>
+              <a:t>]; //вставляем туда текст</a:t>
+            </a:r>
+            <a:endParaRPr lang="ru-RU" sz="1500" dirty="0"/>
+          </a:p>
+          <a:p>
+            <a:r>
+              <a:rPr lang="ru-RU" sz="1500" dirty="0"/>
+              <a:t/>
+            </a:r>
+            <a:br>
+              <a:rPr lang="ru-RU" sz="1500" dirty="0"/>
+            </a:br>
+            <a:r>
+              <a:rPr lang="ru-RU" sz="1500" dirty="0"/>
+              <a:t>    </a:t>
+            </a:r>
+            <a:r>
+              <a:rPr lang="ru-RU" sz="1500" dirty="0" err="1"/>
+              <a:t>let</a:t>
+            </a:r>
+            <a:r>
+              <a:rPr lang="ru-RU" sz="1500" dirty="0"/>
+              <a:t> </a:t>
+            </a:r>
+            <a:r>
+              <a:rPr lang="ru-RU" sz="1500" dirty="0" err="1"/>
+              <a:t>sendBtn</a:t>
+            </a:r>
+            <a:r>
+              <a:rPr lang="ru-RU" sz="1500" dirty="0"/>
+              <a:t> = </a:t>
+            </a:r>
+            <a:r>
+              <a:rPr lang="ru-RU" sz="1500" dirty="0" err="1"/>
+              <a:t>document.body.querySelector</a:t>
+            </a:r>
+            <a:r>
+              <a:rPr lang="ru-RU" sz="1500" dirty="0"/>
+              <a:t>("#</a:t>
+            </a:r>
+            <a:r>
+              <a:rPr lang="ru-RU" sz="1500" dirty="0" err="1"/>
+              <a:t>send_post</a:t>
+            </a:r>
+            <a:r>
+              <a:rPr lang="ru-RU" sz="1500" dirty="0" smtClean="0"/>
+              <a:t>"); //обращаемся к кнопке «отправить»</a:t>
+            </a:r>
+            <a:endParaRPr lang="ru-RU" sz="1500" dirty="0"/>
+          </a:p>
+          <a:p>
+            <a:r>
+              <a:rPr lang="ru-RU" sz="1500" dirty="0"/>
+              <a:t>    </a:t>
+            </a:r>
+            <a:r>
+              <a:rPr lang="ru-RU" sz="1500" dirty="0" err="1"/>
+              <a:t>sendBtn.click</a:t>
+            </a:r>
+            <a:r>
+              <a:rPr lang="ru-RU" sz="1500" dirty="0" smtClean="0"/>
+              <a:t>(); //эмулируем событие клика</a:t>
+            </a:r>
+            <a:endParaRPr lang="ru-RU" sz="1500" dirty="0"/>
+          </a:p>
+          <a:p>
+            <a:r>
+              <a:rPr lang="ru-RU" sz="1500" dirty="0"/>
+              <a:t/>
+            </a:r>
+            <a:br>
+              <a:rPr lang="ru-RU" sz="1500" dirty="0"/>
+            </a:br>
+            <a:r>
+              <a:rPr lang="ru-RU" sz="1500" dirty="0"/>
+              <a:t>    </a:t>
+            </a:r>
+            <a:r>
+              <a:rPr lang="ru-RU" sz="1500" dirty="0" err="1"/>
+              <a:t>return</a:t>
+            </a:r>
+            <a:r>
+              <a:rPr lang="ru-RU" sz="1500" dirty="0"/>
+              <a:t> </a:t>
+            </a:r>
+            <a:r>
+              <a:rPr lang="ru-RU" sz="1500" dirty="0" err="1"/>
+              <a:t>document.body.innerHTML</a:t>
+            </a:r>
+            <a:r>
+              <a:rPr lang="ru-RU" sz="1500" dirty="0"/>
+              <a:t>;</a:t>
+            </a:r>
+          </a:p>
+          <a:p>
+            <a:r>
+              <a:rPr lang="ru-RU" sz="1500" dirty="0"/>
+              <a:t>  }</a:t>
+            </a:r>
+          </a:p>
+          <a:p>
+            <a:r>
+              <a:rPr lang="ru-RU" sz="1500" dirty="0"/>
+              <a:t/>
+            </a:r>
+            <a:br>
+              <a:rPr lang="ru-RU" sz="1500" dirty="0"/>
+            </a:br>
+            <a:r>
+              <a:rPr lang="ru-RU" sz="1500" dirty="0"/>
+              <a:t>  </a:t>
+            </a:r>
+            <a:r>
+              <a:rPr lang="ru-RU" sz="1500" dirty="0" err="1"/>
+              <a:t>chrome.tabs.executeScript</a:t>
+            </a:r>
+            <a:r>
+              <a:rPr lang="ru-RU" sz="1500" dirty="0"/>
+              <a:t>( { </a:t>
+            </a:r>
+            <a:r>
+              <a:rPr lang="ru-RU" sz="1500" dirty="0" err="1"/>
+              <a:t>code</a:t>
+            </a:r>
+            <a:r>
+              <a:rPr lang="ru-RU" sz="1500" dirty="0"/>
+              <a:t>: '(' + </a:t>
+            </a:r>
+            <a:r>
+              <a:rPr lang="ru-RU" sz="1500" dirty="0" err="1"/>
+              <a:t>modifyDOM</a:t>
+            </a:r>
+            <a:r>
+              <a:rPr lang="ru-RU" sz="1500" dirty="0"/>
+              <a:t> + ')();' }, (</a:t>
+            </a:r>
+            <a:r>
+              <a:rPr lang="ru-RU" sz="1500" dirty="0" err="1"/>
+              <a:t>results</a:t>
+            </a:r>
+            <a:r>
+              <a:rPr lang="ru-RU" sz="1500" dirty="0"/>
+              <a:t>) =&gt; { } </a:t>
+            </a:r>
+            <a:r>
+              <a:rPr lang="ru-RU" sz="1500" dirty="0" smtClean="0"/>
+              <a:t>); //функция </a:t>
+            </a:r>
+            <a:r>
+              <a:rPr lang="ru-RU" sz="1500" dirty="0" err="1" smtClean="0"/>
+              <a:t>executeScript</a:t>
+            </a:r>
+            <a:r>
+              <a:rPr lang="ru-RU" sz="1500" dirty="0"/>
+              <a:t> </a:t>
+            </a:r>
+            <a:r>
+              <a:rPr lang="ru-RU" sz="1500" dirty="0" smtClean="0"/>
+              <a:t>позволяет исполнить сторонний скрипт (</a:t>
+            </a:r>
+            <a:r>
+              <a:rPr lang="ru-RU" sz="1500" dirty="0" err="1"/>
+              <a:t>modifyDOM</a:t>
+            </a:r>
+            <a:r>
+              <a:rPr lang="ru-RU" sz="1500" dirty="0" smtClean="0"/>
+              <a:t>) на странице.</a:t>
+            </a:r>
+            <a:endParaRPr lang="ru-RU" sz="1500" dirty="0"/>
           </a:p>
         </p:txBody>
       </p:sp>
@@ -4075,539 +7645,10 @@
 </p:sld>
 </file>
 
-<file path=ppt/slides/slide7.xml><?xml version="1.0" encoding="utf-8"?>
-<p:sld xmlns:a="http://schemas.openxmlformats.org/drawingml/2006/main" xmlns:r="http://schemas.openxmlformats.org/officeDocument/2006/relationships" xmlns:p="http://schemas.openxmlformats.org/presentationml/2006/main">
-  <p:cSld>
-    <p:spTree>
-      <p:nvGrpSpPr>
-        <p:cNvPr id="1" name=""/>
-        <p:cNvGrpSpPr/>
-        <p:nvPr/>
-      </p:nvGrpSpPr>
-      <p:grpSpPr>
-        <a:xfrm>
-          <a:off x="0" y="0"/>
-          <a:ext cx="0" cy="0"/>
-          <a:chOff x="0" y="0"/>
-          <a:chExt cx="0" cy="0"/>
-        </a:xfrm>
-      </p:grpSpPr>
-      <p:sp>
-        <p:nvSpPr>
-          <p:cNvPr id="2" name="Title 1"/>
-          <p:cNvSpPr>
-            <a:spLocks noGrp="1"/>
-          </p:cNvSpPr>
-          <p:nvPr>
-            <p:ph type="title"/>
-          </p:nvPr>
-        </p:nvSpPr>
-        <p:spPr/>
-        <p:txBody>
-          <a:bodyPr/>
-          <a:lstStyle/>
-          <a:p>
-            <a:r>
-              <a:rPr lang="ru-RU" dirty="0" smtClean="0"/>
-              <a:t>Обработчик кнопки</a:t>
-            </a:r>
-            <a:r>
-              <a:rPr lang="en-US" dirty="0" smtClean="0"/>
-              <a:t> Random Fill</a:t>
-            </a:r>
-            <a:endParaRPr lang="en-US" dirty="0"/>
-          </a:p>
-        </p:txBody>
-      </p:sp>
-      <p:sp>
-        <p:nvSpPr>
-          <p:cNvPr id="3" name="TextBox 2"/>
-          <p:cNvSpPr txBox="1"/>
-          <p:nvPr/>
-        </p:nvSpPr>
-        <p:spPr>
-          <a:xfrm>
-            <a:off x="838200" y="1350107"/>
-            <a:ext cx="10773623" cy="5693866"/>
-          </a:xfrm>
-          <a:prstGeom prst="rect">
-            <a:avLst/>
-          </a:prstGeom>
-          <a:noFill/>
-        </p:spPr>
-        <p:txBody>
-          <a:bodyPr wrap="square" rtlCol="0">
-            <a:spAutoFit/>
-          </a:bodyPr>
-          <a:lstStyle/>
-          <a:p>
-            <a:r>
-              <a:rPr lang="en-US" sz="1400" dirty="0" err="1"/>
-              <a:t>document.getElementById</a:t>
-            </a:r>
-            <a:r>
-              <a:rPr lang="en-US" sz="1400" dirty="0"/>
-              <a:t>("</a:t>
-            </a:r>
-            <a:r>
-              <a:rPr lang="en-US" sz="1400" dirty="0" err="1"/>
-              <a:t>randomFillBtn</a:t>
-            </a:r>
-            <a:r>
-              <a:rPr lang="en-US" sz="1400" dirty="0"/>
-              <a:t>").</a:t>
-            </a:r>
-            <a:r>
-              <a:rPr lang="en-US" sz="1400" dirty="0" err="1"/>
-              <a:t>addEventListener</a:t>
-            </a:r>
-            <a:r>
-              <a:rPr lang="en-US" sz="1400" dirty="0"/>
-              <a:t>('click', () =&gt; </a:t>
-            </a:r>
-            <a:r>
-              <a:rPr lang="en-US" sz="1400" dirty="0" smtClean="0"/>
-              <a:t>{</a:t>
-            </a:r>
-            <a:r>
-              <a:rPr lang="ru-RU" sz="1400" dirty="0" smtClean="0"/>
-              <a:t> - подписка на событие </a:t>
-            </a:r>
-            <a:r>
-              <a:rPr lang="en-US" sz="1400" dirty="0" smtClean="0"/>
-              <a:t>click </a:t>
-            </a:r>
-            <a:r>
-              <a:rPr lang="ru-RU" sz="1400" dirty="0" smtClean="0"/>
-              <a:t>у кнопки </a:t>
-            </a:r>
-            <a:r>
-              <a:rPr lang="en-US" sz="1400" dirty="0" smtClean="0"/>
-              <a:t>Random Fill</a:t>
-            </a:r>
-            <a:endParaRPr lang="en-US" sz="1400" dirty="0"/>
-          </a:p>
-          <a:p>
-            <a:r>
-              <a:rPr lang="en-US" sz="1400" dirty="0"/>
-              <a:t/>
-            </a:r>
-            <a:br>
-              <a:rPr lang="en-US" sz="1400" dirty="0"/>
-            </a:br>
-            <a:r>
-              <a:rPr lang="en-US" sz="1400" dirty="0"/>
-              <a:t>    function </a:t>
-            </a:r>
-            <a:r>
-              <a:rPr lang="en-US" sz="1400" dirty="0" err="1"/>
-              <a:t>modifyDOM</a:t>
-            </a:r>
-            <a:r>
-              <a:rPr lang="en-US" sz="1400" dirty="0"/>
-              <a:t>() {</a:t>
-            </a:r>
-          </a:p>
-          <a:p>
-            <a:r>
-              <a:rPr lang="en-US" sz="1400" dirty="0"/>
-              <a:t/>
-            </a:r>
-            <a:br>
-              <a:rPr lang="en-US" sz="1400" dirty="0"/>
-            </a:br>
-            <a:r>
-              <a:rPr lang="en-US" sz="1400" dirty="0"/>
-              <a:t>        let </a:t>
-            </a:r>
-            <a:r>
-              <a:rPr lang="en-US" sz="1400" dirty="0" err="1"/>
-              <a:t>randomInRange</a:t>
-            </a:r>
-            <a:r>
-              <a:rPr lang="en-US" sz="1400" dirty="0"/>
-              <a:t> = (min, max) =&gt; </a:t>
-            </a:r>
-            <a:r>
-              <a:rPr lang="en-US" sz="1400" dirty="0" err="1"/>
-              <a:t>Math.floor</a:t>
-            </a:r>
-            <a:r>
-              <a:rPr lang="en-US" sz="1400" dirty="0"/>
-              <a:t>(</a:t>
-            </a:r>
-            <a:r>
-              <a:rPr lang="en-US" sz="1400" dirty="0" err="1"/>
-              <a:t>Math.random</a:t>
-            </a:r>
-            <a:r>
-              <a:rPr lang="en-US" sz="1400" dirty="0"/>
-              <a:t>() * (max - min + 1)) + min</a:t>
-            </a:r>
-            <a:r>
-              <a:rPr lang="en-US" sz="1400" dirty="0" smtClean="0"/>
-              <a:t>;</a:t>
-            </a:r>
-            <a:r>
-              <a:rPr lang="ru-RU" sz="1400" dirty="0"/>
-              <a:t> </a:t>
-            </a:r>
-            <a:r>
-              <a:rPr lang="ru-RU" sz="1400" dirty="0" smtClean="0"/>
-              <a:t>- функция которая возвращает случайное число (</a:t>
-            </a:r>
-            <a:r>
-              <a:rPr lang="en-US" sz="1400" dirty="0" err="1" smtClean="0"/>
-              <a:t>min,max</a:t>
-            </a:r>
-            <a:r>
-              <a:rPr lang="en-US" sz="1400" dirty="0" smtClean="0"/>
-              <a:t>)</a:t>
-            </a:r>
-            <a:endParaRPr lang="en-US" sz="1400" dirty="0"/>
-          </a:p>
-          <a:p>
-            <a:r>
-              <a:rPr lang="en-US" sz="1400" dirty="0"/>
-              <a:t>        let </a:t>
-            </a:r>
-            <a:r>
-              <a:rPr lang="en-US" sz="1400" dirty="0" err="1"/>
-              <a:t>textArr</a:t>
-            </a:r>
-            <a:r>
-              <a:rPr lang="en-US" sz="1400" dirty="0"/>
-              <a:t> = </a:t>
-            </a:r>
-            <a:r>
-              <a:rPr lang="en-US" sz="1400" dirty="0" smtClean="0"/>
-              <a:t>[ - </a:t>
-            </a:r>
-            <a:r>
-              <a:rPr lang="ru-RU" sz="1400" dirty="0" smtClean="0"/>
-              <a:t>массив фраз которые будут вводится случайно</a:t>
-            </a:r>
-            <a:endParaRPr lang="en-US" sz="1400" dirty="0"/>
-          </a:p>
-          <a:p>
-            <a:r>
-              <a:rPr lang="en-US" sz="1400" dirty="0"/>
-              <a:t>            "</a:t>
-            </a:r>
-            <a:r>
-              <a:rPr lang="ru-RU" sz="1400" dirty="0"/>
-              <a:t>Привет, как дела?",</a:t>
-            </a:r>
-          </a:p>
-          <a:p>
-            <a:r>
-              <a:rPr lang="ru-RU" sz="1400" dirty="0"/>
-              <a:t>            "Что нового?",</a:t>
-            </a:r>
-          </a:p>
-          <a:p>
-            <a:r>
-              <a:rPr lang="ru-RU" sz="1400" dirty="0"/>
-              <a:t>            "Чмоки всем в этом чате",</a:t>
-            </a:r>
-          </a:p>
-          <a:p>
-            <a:r>
-              <a:rPr lang="ru-RU" sz="1400" dirty="0"/>
-              <a:t>            "Случайный текст",</a:t>
-            </a:r>
-          </a:p>
-          <a:p>
-            <a:r>
-              <a:rPr lang="ru-RU" sz="1400" dirty="0"/>
-              <a:t>            "Еще текст"</a:t>
-            </a:r>
-          </a:p>
-          <a:p>
-            <a:r>
-              <a:rPr lang="ru-RU" sz="1400" dirty="0"/>
-              <a:t>        ];</a:t>
-            </a:r>
-          </a:p>
-          <a:p>
-            <a:r>
-              <a:rPr lang="ru-RU" sz="1400" dirty="0"/>
-              <a:t>        </a:t>
-            </a:r>
-            <a:r>
-              <a:rPr lang="en-US" sz="1400" dirty="0"/>
-              <a:t>let </a:t>
-            </a:r>
-            <a:r>
-              <a:rPr lang="en-US" sz="1400" dirty="0" err="1"/>
-              <a:t>randomIndex</a:t>
-            </a:r>
-            <a:r>
-              <a:rPr lang="en-US" sz="1400" dirty="0"/>
-              <a:t> = </a:t>
-            </a:r>
-            <a:r>
-              <a:rPr lang="en-US" sz="1400" dirty="0" err="1"/>
-              <a:t>randomInRange</a:t>
-            </a:r>
-            <a:r>
-              <a:rPr lang="en-US" sz="1400" dirty="0"/>
-              <a:t>(0, </a:t>
-            </a:r>
-            <a:r>
-              <a:rPr lang="en-US" sz="1400" dirty="0" err="1"/>
-              <a:t>textArr.length</a:t>
-            </a:r>
-            <a:r>
-              <a:rPr lang="en-US" sz="1400" dirty="0"/>
-              <a:t> - 1</a:t>
-            </a:r>
-            <a:r>
-              <a:rPr lang="en-US" sz="1400" dirty="0" smtClean="0"/>
-              <a:t>); - </a:t>
-            </a:r>
-            <a:r>
-              <a:rPr lang="ru-RU" sz="1400" dirty="0" smtClean="0"/>
-              <a:t>выбираем случайный номер фразы для вставки</a:t>
-            </a:r>
-            <a:endParaRPr lang="en-US" sz="1400" dirty="0"/>
-          </a:p>
-          <a:p>
-            <a:r>
-              <a:rPr lang="en-US" sz="1400" dirty="0"/>
-              <a:t/>
-            </a:r>
-            <a:br>
-              <a:rPr lang="en-US" sz="1400" dirty="0"/>
-            </a:br>
-            <a:r>
-              <a:rPr lang="en-US" sz="1400" dirty="0"/>
-              <a:t>        let element = </a:t>
-            </a:r>
-            <a:r>
-              <a:rPr lang="en-US" sz="1400" dirty="0" err="1"/>
-              <a:t>document.body.getElementsByClassName</a:t>
-            </a:r>
-            <a:r>
-              <a:rPr lang="en-US" sz="1400" dirty="0"/>
-              <a:t>("</a:t>
-            </a:r>
-            <a:r>
-              <a:rPr lang="en-US" sz="1400" dirty="0" err="1"/>
-              <a:t>im_editable</a:t>
-            </a:r>
-            <a:r>
-              <a:rPr lang="en-US" sz="1400" dirty="0"/>
-              <a:t> </a:t>
-            </a:r>
-            <a:r>
-              <a:rPr lang="en-US" sz="1400" dirty="0" err="1"/>
-              <a:t>im</a:t>
-            </a:r>
-            <a:r>
-              <a:rPr lang="en-US" sz="1400" dirty="0"/>
-              <a:t>-chat-input--text _</a:t>
-            </a:r>
-            <a:r>
-              <a:rPr lang="en-US" sz="1400" dirty="0" err="1"/>
-              <a:t>im_text</a:t>
-            </a:r>
-            <a:r>
-              <a:rPr lang="en-US" sz="1400" dirty="0"/>
-              <a:t>")[0</a:t>
-            </a:r>
-            <a:r>
-              <a:rPr lang="en-US" sz="1400" dirty="0" smtClean="0"/>
-              <a:t>];</a:t>
-            </a:r>
-            <a:r>
-              <a:rPr lang="ru-RU" sz="1400" dirty="0" smtClean="0"/>
-              <a:t> - поиск в </a:t>
-            </a:r>
-            <a:r>
-              <a:rPr lang="en-US" sz="1400" dirty="0" err="1" smtClean="0"/>
-              <a:t>dom</a:t>
-            </a:r>
-            <a:r>
-              <a:rPr lang="en-US" sz="1400" dirty="0" smtClean="0"/>
-              <a:t> </a:t>
-            </a:r>
-            <a:r>
-              <a:rPr lang="ru-RU" sz="1400" dirty="0" smtClean="0"/>
-              <a:t>дереве поля ввода</a:t>
-            </a:r>
-            <a:endParaRPr lang="en-US" sz="1400" dirty="0"/>
-          </a:p>
-          <a:p>
-            <a:r>
-              <a:rPr lang="en-US" sz="1400" dirty="0"/>
-              <a:t/>
-            </a:r>
-            <a:br>
-              <a:rPr lang="en-US" sz="1400" dirty="0"/>
-            </a:br>
-            <a:r>
-              <a:rPr lang="en-US" sz="1400" dirty="0"/>
-              <a:t>        </a:t>
-            </a:r>
-            <a:r>
-              <a:rPr lang="en-US" sz="1400" dirty="0" err="1"/>
-              <a:t>element.click</a:t>
-            </a:r>
-            <a:r>
-              <a:rPr lang="en-US" sz="1400" dirty="0" smtClean="0"/>
-              <a:t>();</a:t>
-            </a:r>
-            <a:r>
-              <a:rPr lang="ru-RU" sz="1400" dirty="0" smtClean="0"/>
-              <a:t> - щелкаем по полю ввода</a:t>
-            </a:r>
-            <a:endParaRPr lang="en-US" sz="1400" dirty="0"/>
-          </a:p>
-          <a:p>
-            <a:r>
-              <a:rPr lang="en-US" sz="1400" dirty="0"/>
-              <a:t>        </a:t>
-            </a:r>
-            <a:r>
-              <a:rPr lang="en-US" sz="1400" dirty="0" err="1"/>
-              <a:t>element.textContent</a:t>
-            </a:r>
-            <a:r>
-              <a:rPr lang="en-US" sz="1400" dirty="0"/>
-              <a:t> = </a:t>
-            </a:r>
-            <a:r>
-              <a:rPr lang="en-US" sz="1400" dirty="0" err="1"/>
-              <a:t>textArr</a:t>
-            </a:r>
-            <a:r>
-              <a:rPr lang="en-US" sz="1400" dirty="0"/>
-              <a:t>[</a:t>
-            </a:r>
-            <a:r>
-              <a:rPr lang="en-US" sz="1400" dirty="0" err="1"/>
-              <a:t>randomIndex</a:t>
-            </a:r>
-            <a:r>
-              <a:rPr lang="en-US" sz="1400" dirty="0" smtClean="0"/>
-              <a:t>];</a:t>
-            </a:r>
-            <a:r>
-              <a:rPr lang="ru-RU" sz="1400" dirty="0" smtClean="0"/>
-              <a:t> - вставляем в поле ввода нашу случайно выбранную фразу</a:t>
-            </a:r>
-            <a:endParaRPr lang="en-US" sz="1400" dirty="0"/>
-          </a:p>
-          <a:p>
-            <a:r>
-              <a:rPr lang="en-US" sz="1400" dirty="0"/>
-              <a:t>        return </a:t>
-            </a:r>
-            <a:r>
-              <a:rPr lang="en-US" sz="1400" dirty="0" err="1"/>
-              <a:t>document.body.innerHTML</a:t>
-            </a:r>
-            <a:r>
-              <a:rPr lang="en-US" sz="1400" dirty="0"/>
-              <a:t>;</a:t>
-            </a:r>
-          </a:p>
-          <a:p>
-            <a:r>
-              <a:rPr lang="en-US" sz="1400" dirty="0"/>
-              <a:t>    </a:t>
-            </a:r>
-            <a:r>
-              <a:rPr lang="en-US" sz="1400" dirty="0" smtClean="0"/>
-              <a:t>}</a:t>
-            </a:r>
-            <a:r>
-              <a:rPr lang="en-US" sz="1400" dirty="0"/>
-              <a:t/>
-            </a:r>
-            <a:br>
-              <a:rPr lang="en-US" sz="1400" dirty="0"/>
-            </a:br>
-            <a:r>
-              <a:rPr lang="en-US" sz="1400" dirty="0"/>
-              <a:t>    </a:t>
-            </a:r>
-            <a:r>
-              <a:rPr lang="en-US" sz="1400" dirty="0" err="1"/>
-              <a:t>chrome.tabs.executeScript</a:t>
-            </a:r>
-            <a:r>
-              <a:rPr lang="en-US" sz="1400" dirty="0"/>
-              <a:t>({</a:t>
-            </a:r>
-          </a:p>
-          <a:p>
-            <a:r>
-              <a:rPr lang="en-US" sz="1400" dirty="0"/>
-              <a:t>        code: '(' + </a:t>
-            </a:r>
-            <a:r>
-              <a:rPr lang="en-US" sz="1400" dirty="0" err="1"/>
-              <a:t>modifyDOM</a:t>
-            </a:r>
-            <a:r>
-              <a:rPr lang="en-US" sz="1400" dirty="0"/>
-              <a:t> + ')();'</a:t>
-            </a:r>
-          </a:p>
-          <a:p>
-            <a:r>
-              <a:rPr lang="en-US" sz="1400" dirty="0"/>
-              <a:t>    }, (results) =&gt; { </a:t>
-            </a:r>
-            <a:r>
-              <a:rPr lang="en-US" sz="1400" dirty="0" smtClean="0"/>
-              <a:t>});</a:t>
-            </a:r>
-            <a:r>
-              <a:rPr lang="ru-RU" sz="1400" dirty="0" smtClean="0"/>
-              <a:t> - вызываем нашу функцию которая манипулирует </a:t>
-            </a:r>
-            <a:r>
-              <a:rPr lang="en-US" sz="1400" dirty="0" err="1" smtClean="0"/>
-              <a:t>dom</a:t>
-            </a:r>
-            <a:r>
-              <a:rPr lang="en-US" sz="1400" dirty="0" smtClean="0"/>
-              <a:t> </a:t>
-            </a:r>
-            <a:r>
-              <a:rPr lang="ru-RU" sz="1400" dirty="0" smtClean="0"/>
-              <a:t>деревом в табах браузера</a:t>
-            </a:r>
-            <a:endParaRPr lang="en-US" sz="1400" dirty="0"/>
-          </a:p>
-          <a:p>
-            <a:r>
-              <a:rPr lang="en-US" sz="1400" dirty="0"/>
-              <a:t>});</a:t>
-            </a:r>
-          </a:p>
-        </p:txBody>
-      </p:sp>
-    </p:spTree>
-    <p:extLst>
-      <p:ext uri="{BB962C8B-B14F-4D97-AF65-F5344CB8AC3E}">
-        <p14:creationId xmlns:p14="http://schemas.microsoft.com/office/powerpoint/2010/main" val="2977342363"/>
-      </p:ext>
-    </p:extLst>
-  </p:cSld>
-  <p:clrMapOvr>
-    <a:masterClrMapping/>
-  </p:clrMapOvr>
-</p:sld>
-</file>
-
 <file path=ppt/theme/theme1.xml><?xml version="1.0" encoding="utf-8"?>
-<a:theme xmlns:a="http://schemas.openxmlformats.org/drawingml/2006/main" name="Office Theme">
+<a:theme xmlns:a="http://schemas.openxmlformats.org/drawingml/2006/main" name="Ion">
   <a:themeElements>
-    <a:clrScheme name="Office">
+    <a:clrScheme name="Ion">
       <a:dk1>
         <a:sysClr val="windowText" lastClr="000000"/>
       </a:dk1>
@@ -4615,42 +7656,42 @@
         <a:sysClr val="window" lastClr="FFFFFF"/>
       </a:lt1>
       <a:dk2>
-        <a:srgbClr val="44546A"/>
+        <a:srgbClr val="1E5155"/>
       </a:dk2>
       <a:lt2>
-        <a:srgbClr val="E7E6E6"/>
+        <a:srgbClr val="EBEBEB"/>
       </a:lt2>
       <a:accent1>
-        <a:srgbClr val="5B9BD5"/>
+        <a:srgbClr val="B01513"/>
       </a:accent1>
       <a:accent2>
-        <a:srgbClr val="ED7D31"/>
+        <a:srgbClr val="EA6312"/>
       </a:accent2>
       <a:accent3>
-        <a:srgbClr val="A5A5A5"/>
+        <a:srgbClr val="E6B729"/>
       </a:accent3>
       <a:accent4>
-        <a:srgbClr val="FFC000"/>
+        <a:srgbClr val="6AAC90"/>
       </a:accent4>
       <a:accent5>
-        <a:srgbClr val="4472C4"/>
+        <a:srgbClr val="54849A"/>
       </a:accent5>
       <a:accent6>
-        <a:srgbClr val="70AD47"/>
+        <a:srgbClr val="9E5E9B"/>
       </a:accent6>
       <a:hlink>
-        <a:srgbClr val="0563C1"/>
+        <a:srgbClr val="58C1BA"/>
       </a:hlink>
       <a:folHlink>
-        <a:srgbClr val="954F72"/>
+        <a:srgbClr val="9DFFCB"/>
       </a:folHlink>
     </a:clrScheme>
-    <a:fontScheme name="Office">
+    <a:fontScheme name="Ion">
       <a:majorFont>
-        <a:latin typeface="Calibri Light" panose="020F0302020204030204"/>
+        <a:latin typeface="Century Gothic" panose="020B0502020202020204"/>
         <a:ea typeface=""/>
         <a:cs typeface=""/>
-        <a:font script="Jpan" typeface="ＭＳ Ｐゴシック"/>
+        <a:font script="Jpan" typeface="メイリオ"/>
         <a:font script="Hang" typeface="맑은 고딕"/>
         <a:font script="Hans" typeface="宋体"/>
         <a:font script="Hant" typeface="新細明體"/>
@@ -4682,10 +7723,10 @@
         <a:font script="Geor" typeface="Sylfaen"/>
       </a:majorFont>
       <a:minorFont>
-        <a:latin typeface="Calibri" panose="020F0502020204030204"/>
+        <a:latin typeface="Century Gothic" panose="020B0502020202020204"/>
         <a:ea typeface=""/>
         <a:cs typeface=""/>
-        <a:font script="Jpan" typeface="ＭＳ Ｐゴシック"/>
+        <a:font script="Jpan" typeface="メイリオ"/>
         <a:font script="Hang" typeface="맑은 고딕"/>
         <a:font script="Hans" typeface="宋体"/>
         <a:font script="Hant" typeface="新細明體"/>
@@ -4717,7 +7758,7 @@
         <a:font script="Geor" typeface="Sylfaen"/>
       </a:minorFont>
     </a:fontScheme>
-    <a:fmtScheme name="Office">
+    <a:fmtScheme name="Ion">
       <a:fillStyleLst>
         <a:solidFill>
           <a:schemeClr val="phClr"/>
@@ -4726,23 +7767,15 @@
           <a:gsLst>
             <a:gs pos="0">
               <a:schemeClr val="phClr">
-                <a:lumMod val="110000"/>
-                <a:satMod val="105000"/>
-                <a:tint val="67000"/>
-              </a:schemeClr>
-            </a:gs>
-            <a:gs pos="50000">
-              <a:schemeClr val="phClr">
-                <a:lumMod val="105000"/>
-                <a:satMod val="103000"/>
-                <a:tint val="73000"/>
+                <a:tint val="64000"/>
+                <a:lumMod val="118000"/>
               </a:schemeClr>
             </a:gs>
             <a:gs pos="100000">
               <a:schemeClr val="phClr">
-                <a:lumMod val="105000"/>
-                <a:satMod val="109000"/>
-                <a:tint val="81000"/>
+                <a:tint val="92000"/>
+                <a:alpha val="100000"/>
+                <a:lumMod val="110000"/>
               </a:schemeClr>
             </a:gs>
           </a:gsLst>
@@ -4752,23 +7785,14 @@
           <a:gsLst>
             <a:gs pos="0">
               <a:schemeClr val="phClr">
-                <a:satMod val="103000"/>
-                <a:lumMod val="102000"/>
-                <a:tint val="94000"/>
-              </a:schemeClr>
-            </a:gs>
-            <a:gs pos="50000">
-              <a:schemeClr val="phClr">
-                <a:satMod val="110000"/>
-                <a:lumMod val="100000"/>
-                <a:shade val="100000"/>
+                <a:tint val="98000"/>
+                <a:lumMod val="114000"/>
               </a:schemeClr>
             </a:gs>
             <a:gs pos="100000">
               <a:schemeClr val="phClr">
-                <a:lumMod val="99000"/>
-                <a:satMod val="120000"/>
-                <a:shade val="78000"/>
+                <a:shade val="90000"/>
+                <a:lumMod val="84000"/>
               </a:schemeClr>
             </a:gs>
           </a:gsLst>
@@ -4776,26 +7800,23 @@
         </a:gradFill>
       </a:fillStyleLst>
       <a:lnStyleLst>
-        <a:ln w="6350" cap="flat" cmpd="sng" algn="ctr">
+        <a:ln w="9525" cap="rnd" cmpd="sng" algn="ctr">
           <a:solidFill>
             <a:schemeClr val="phClr"/>
           </a:solidFill>
           <a:prstDash val="solid"/>
-          <a:miter lim="800000"/>
         </a:ln>
-        <a:ln w="12700" cap="flat" cmpd="sng" algn="ctr">
+        <a:ln w="19050" cap="rnd" cmpd="sng" algn="ctr">
           <a:solidFill>
             <a:schemeClr val="phClr"/>
           </a:solidFill>
           <a:prstDash val="solid"/>
-          <a:miter lim="800000"/>
         </a:ln>
-        <a:ln w="19050" cap="flat" cmpd="sng" algn="ctr">
+        <a:ln w="28575" cap="rnd" cmpd="sng" algn="ctr">
           <a:solidFill>
             <a:schemeClr val="phClr"/>
           </a:solidFill>
           <a:prstDash val="solid"/>
-          <a:miter lim="800000"/>
         </a:ln>
       </a:lnStyleLst>
       <a:effectStyleLst>
@@ -4803,55 +7824,80 @@
           <a:effectLst/>
         </a:effectStyle>
         <a:effectStyle>
-          <a:effectLst/>
+          <a:effectLst>
+            <a:outerShdw blurRad="38100" dist="25400" dir="5400000" rotWithShape="0">
+              <a:srgbClr val="000000">
+                <a:alpha val="45000"/>
+              </a:srgbClr>
+            </a:outerShdw>
+          </a:effectLst>
         </a:effectStyle>
         <a:effectStyle>
           <a:effectLst>
-            <a:outerShdw blurRad="57150" dist="19050" dir="5400000" algn="ctr" rotWithShape="0">
+            <a:outerShdw blurRad="63500" dist="38100" dir="5400000" rotWithShape="0">
               <a:srgbClr val="000000">
-                <a:alpha val="63000"/>
+                <a:alpha val="60000"/>
               </a:srgbClr>
             </a:outerShdw>
           </a:effectLst>
+          <a:scene3d>
+            <a:camera prst="orthographicFront">
+              <a:rot lat="0" lon="0" rev="0"/>
+            </a:camera>
+            <a:lightRig rig="threePt" dir="tl"/>
+          </a:scene3d>
+          <a:sp3d prstMaterial="plastic">
+            <a:bevelT w="0" h="0"/>
+          </a:sp3d>
         </a:effectStyle>
       </a:effectStyleLst>
       <a:bgFillStyleLst>
         <a:solidFill>
           <a:schemeClr val="phClr"/>
         </a:solidFill>
-        <a:solidFill>
-          <a:schemeClr val="phClr">
-            <a:tint val="95000"/>
-            <a:satMod val="170000"/>
-          </a:schemeClr>
-        </a:solidFill>
         <a:gradFill rotWithShape="1">
           <a:gsLst>
             <a:gs pos="0">
               <a:schemeClr val="phClr">
-                <a:tint val="93000"/>
-                <a:satMod val="150000"/>
-                <a:shade val="98000"/>
-                <a:lumMod val="102000"/>
-              </a:schemeClr>
-            </a:gs>
-            <a:gs pos="50000">
-              <a:schemeClr val="phClr">
-                <a:tint val="98000"/>
+                <a:tint val="97000"/>
+                <a:hueMod val="88000"/>
                 <a:satMod val="130000"/>
-                <a:shade val="90000"/>
-                <a:lumMod val="103000"/>
+                <a:lumMod val="124000"/>
               </a:schemeClr>
             </a:gs>
             <a:gs pos="100000">
               <a:schemeClr val="phClr">
-                <a:shade val="63000"/>
-                <a:satMod val="120000"/>
+                <a:tint val="96000"/>
+                <a:shade val="88000"/>
+                <a:hueMod val="108000"/>
+                <a:satMod val="164000"/>
+                <a:lumMod val="76000"/>
               </a:schemeClr>
             </a:gs>
           </a:gsLst>
-          <a:lin ang="5400000" scaled="0"/>
+          <a:path path="circle">
+            <a:fillToRect l="45000" t="65000" r="125000" b="100000"/>
+          </a:path>
         </a:gradFill>
+        <a:blipFill rotWithShape="1">
+          <a:blip xmlns:r="http://schemas.openxmlformats.org/officeDocument/2006/relationships" r:embed="rId1">
+            <a:duotone>
+              <a:schemeClr val="phClr">
+                <a:shade val="69000"/>
+                <a:hueMod val="108000"/>
+                <a:satMod val="164000"/>
+                <a:lumMod val="74000"/>
+              </a:schemeClr>
+              <a:schemeClr val="phClr">
+                <a:tint val="96000"/>
+                <a:hueMod val="88000"/>
+                <a:satMod val="140000"/>
+                <a:lumMod val="132000"/>
+              </a:schemeClr>
+            </a:duotone>
+          </a:blip>
+          <a:stretch/>
+        </a:blipFill>
       </a:bgFillStyleLst>
     </a:fmtScheme>
   </a:themeElements>
@@ -4859,7 +7905,7 @@
   <a:extraClrSchemeLst/>
   <a:extLst>
     <a:ext uri="{05A4C25C-085E-4340-85A3-A5531E510DB2}">
-      <thm15:themeFamily xmlns:thm15="http://schemas.microsoft.com/office/thememl/2012/main" name="Office Theme" id="{62F939B6-93AF-4DB8-9C6B-D6C7DFDC589F}" vid="{4A3C46E8-61CC-4603-A589-7422A47A8E4A}"/>
+      <thm15:themeFamily xmlns:thm15="http://schemas.microsoft.com/office/thememl/2012/main" name="Ion" id="{B8441ADB-2E43-4AF7-B97A-BD870242C6A8}" vid="{292E63A9-BB86-4E3D-B92A-7223C6510D2E}"/>
     </a:ext>
   </a:extLst>
 </a:theme>

--- a/AutoFill_Extension.pptx
+++ b/AutoFill_Extension.pptx
@@ -7,10 +7,11 @@
   <p:sldIdLst>
     <p:sldId id="256" r:id="rId2"/>
     <p:sldId id="257" r:id="rId3"/>
-    <p:sldId id="258" r:id="rId4"/>
-    <p:sldId id="259" r:id="rId5"/>
-    <p:sldId id="260" r:id="rId6"/>
-    <p:sldId id="261" r:id="rId7"/>
+    <p:sldId id="262" r:id="rId4"/>
+    <p:sldId id="258" r:id="rId5"/>
+    <p:sldId id="259" r:id="rId6"/>
+    <p:sldId id="260" r:id="rId7"/>
+    <p:sldId id="261" r:id="rId8"/>
   </p:sldIdLst>
   <p:sldSz cx="12192000" cy="6858000"/>
   <p:notesSz cx="6858000" cy="9144000"/>
@@ -303,7 +304,7 @@
           <a:p>
             <a:fld id="{B6678536-6967-4B9F-9DEF-2A17C5001E54}" type="datetimeFigureOut">
               <a:rPr lang="en-US" smtClean="0"/>
-              <a:t>4/24/2017</a:t>
+              <a:t>03-May-17</a:t>
             </a:fld>
             <a:endParaRPr lang="en-US"/>
           </a:p>
@@ -578,7 +579,7 @@
           <a:p>
             <a:fld id="{B6678536-6967-4B9F-9DEF-2A17C5001E54}" type="datetimeFigureOut">
               <a:rPr lang="en-US" smtClean="0"/>
-              <a:t>4/24/2017</a:t>
+              <a:t>03-May-17</a:t>
             </a:fld>
             <a:endParaRPr lang="en-US"/>
           </a:p>
@@ -772,7 +773,7 @@
           <a:p>
             <a:fld id="{B6678536-6967-4B9F-9DEF-2A17C5001E54}" type="datetimeFigureOut">
               <a:rPr lang="en-US" smtClean="0"/>
-              <a:t>4/24/2017</a:t>
+              <a:t>03-May-17</a:t>
             </a:fld>
             <a:endParaRPr lang="en-US"/>
           </a:p>
@@ -1045,7 +1046,7 @@
           <a:p>
             <a:fld id="{B6678536-6967-4B9F-9DEF-2A17C5001E54}" type="datetimeFigureOut">
               <a:rPr lang="en-US" smtClean="0"/>
-              <a:t>4/24/2017</a:t>
+              <a:t>03-May-17</a:t>
             </a:fld>
             <a:endParaRPr lang="en-US"/>
           </a:p>
@@ -1386,7 +1387,7 @@
           <a:p>
             <a:fld id="{B6678536-6967-4B9F-9DEF-2A17C5001E54}" type="datetimeFigureOut">
               <a:rPr lang="en-US" smtClean="0"/>
-              <a:t>4/24/2017</a:t>
+              <a:t>03-May-17</a:t>
             </a:fld>
             <a:endParaRPr lang="en-US"/>
           </a:p>
@@ -2009,7 +2010,7 @@
           <a:p>
             <a:fld id="{B6678536-6967-4B9F-9DEF-2A17C5001E54}" type="datetimeFigureOut">
               <a:rPr lang="en-US" smtClean="0"/>
-              <a:t>4/24/2017</a:t>
+              <a:t>03-May-17</a:t>
             </a:fld>
             <a:endParaRPr lang="en-US"/>
           </a:p>
@@ -2869,7 +2870,7 @@
           <a:p>
             <a:fld id="{B6678536-6967-4B9F-9DEF-2A17C5001E54}" type="datetimeFigureOut">
               <a:rPr lang="en-US" smtClean="0"/>
-              <a:t>4/24/2017</a:t>
+              <a:t>03-May-17</a:t>
             </a:fld>
             <a:endParaRPr lang="en-US"/>
           </a:p>
@@ -3039,7 +3040,7 @@
           <a:p>
             <a:fld id="{B6678536-6967-4B9F-9DEF-2A17C5001E54}" type="datetimeFigureOut">
               <a:rPr lang="en-US" smtClean="0"/>
-              <a:t>4/24/2017</a:t>
+              <a:t>03-May-17</a:t>
             </a:fld>
             <a:endParaRPr lang="en-US"/>
           </a:p>
@@ -3219,7 +3220,7 @@
           <a:p>
             <a:fld id="{B6678536-6967-4B9F-9DEF-2A17C5001E54}" type="datetimeFigureOut">
               <a:rPr lang="en-US" smtClean="0"/>
-              <a:t>4/24/2017</a:t>
+              <a:t>03-May-17</a:t>
             </a:fld>
             <a:endParaRPr lang="en-US"/>
           </a:p>
@@ -3389,7 +3390,7 @@
           <a:p>
             <a:fld id="{B6678536-6967-4B9F-9DEF-2A17C5001E54}" type="datetimeFigureOut">
               <a:rPr lang="en-US" smtClean="0"/>
-              <a:t>4/24/2017</a:t>
+              <a:t>03-May-17</a:t>
             </a:fld>
             <a:endParaRPr lang="en-US"/>
           </a:p>
@@ -3636,7 +3637,7 @@
           <a:p>
             <a:fld id="{B6678536-6967-4B9F-9DEF-2A17C5001E54}" type="datetimeFigureOut">
               <a:rPr lang="en-US" smtClean="0"/>
-              <a:t>4/24/2017</a:t>
+              <a:t>03-May-17</a:t>
             </a:fld>
             <a:endParaRPr lang="en-US"/>
           </a:p>
@@ -3928,7 +3929,7 @@
           <a:p>
             <a:fld id="{B6678536-6967-4B9F-9DEF-2A17C5001E54}" type="datetimeFigureOut">
               <a:rPr lang="en-US" smtClean="0"/>
-              <a:t>4/24/2017</a:t>
+              <a:t>03-May-17</a:t>
             </a:fld>
             <a:endParaRPr lang="en-US"/>
           </a:p>
@@ -4372,7 +4373,7 @@
           <a:p>
             <a:fld id="{B6678536-6967-4B9F-9DEF-2A17C5001E54}" type="datetimeFigureOut">
               <a:rPr lang="en-US" smtClean="0"/>
-              <a:t>4/24/2017</a:t>
+              <a:t>03-May-17</a:t>
             </a:fld>
             <a:endParaRPr lang="en-US"/>
           </a:p>
@@ -4490,7 +4491,7 @@
           <a:p>
             <a:fld id="{B6678536-6967-4B9F-9DEF-2A17C5001E54}" type="datetimeFigureOut">
               <a:rPr lang="en-US" smtClean="0"/>
-              <a:t>4/24/2017</a:t>
+              <a:t>03-May-17</a:t>
             </a:fld>
             <a:endParaRPr lang="en-US"/>
           </a:p>
@@ -4585,7 +4586,7 @@
           <a:p>
             <a:fld id="{B6678536-6967-4B9F-9DEF-2A17C5001E54}" type="datetimeFigureOut">
               <a:rPr lang="en-US" smtClean="0"/>
-              <a:t>4/24/2017</a:t>
+              <a:t>03-May-17</a:t>
             </a:fld>
             <a:endParaRPr lang="en-US"/>
           </a:p>
@@ -4864,7 +4865,7 @@
           <a:p>
             <a:fld id="{B6678536-6967-4B9F-9DEF-2A17C5001E54}" type="datetimeFigureOut">
               <a:rPr lang="en-US" smtClean="0"/>
-              <a:t>4/24/2017</a:t>
+              <a:t>03-May-17</a:t>
             </a:fld>
             <a:endParaRPr lang="en-US"/>
           </a:p>
@@ -5139,7 +5140,7 @@
           <a:p>
             <a:fld id="{B6678536-6967-4B9F-9DEF-2A17C5001E54}" type="datetimeFigureOut">
               <a:rPr lang="en-US" smtClean="0"/>
-              <a:t>4/24/2017</a:t>
+              <a:t>03-May-17</a:t>
             </a:fld>
             <a:endParaRPr lang="en-US"/>
           </a:p>
@@ -5568,7 +5569,7 @@
           <a:p>
             <a:fld id="{B6678536-6967-4B9F-9DEF-2A17C5001E54}" type="datetimeFigureOut">
               <a:rPr lang="en-US" smtClean="0"/>
-              <a:t>4/24/2017</a:t>
+              <a:t>03-May-17</a:t>
             </a:fld>
             <a:endParaRPr lang="en-US"/>
           </a:p>
@@ -6119,36 +6120,39 @@
           <a:lstStyle/>
           <a:p>
             <a:r>
-              <a:rPr lang="ru-RU" sz="4000" dirty="0" err="1" smtClean="0"/>
-              <a:t>Парсинг</a:t>
+              <a:rPr lang="en-US" sz="4000" dirty="0" smtClean="0"/>
+              <a:t>A</a:t>
             </a:r>
             <a:r>
               <a:rPr lang="ru-RU" sz="4000" dirty="0" smtClean="0"/>
-              <a:t> </a:t>
+              <a:t>втоматическое </a:t>
+            </a:r>
+            <a:r>
+              <a:rPr lang="ru-RU" sz="4000" dirty="0"/>
+              <a:t>заполнение форм на стороннем </a:t>
             </a:r>
             <a:r>
               <a:rPr lang="ru-RU" sz="4000" dirty="0" smtClean="0"/>
-              <a:t>данных стороннего сайта и </a:t>
-            </a:r>
+              <a:t>сайте</a:t>
+            </a:r>
+            <a:r>
+              <a:rPr lang="en-US" sz="4000" dirty="0" smtClean="0"/>
+              <a:t/>
+            </a:r>
+            <a:br>
+              <a:rPr lang="en-US" sz="4000" dirty="0" smtClean="0"/>
+            </a:br>
             <a:r>
               <a:rPr lang="ru-RU" sz="4000" dirty="0" smtClean="0"/>
-              <a:t>заполнение </a:t>
+              <a:t>(на </a:t>
             </a:r>
             <a:r>
               <a:rPr lang="ru-RU" sz="4000" dirty="0" smtClean="0"/>
-              <a:t>его </a:t>
-            </a:r>
-            <a:r>
-              <a:rPr lang="ru-RU" sz="4000" dirty="0" smtClean="0"/>
-              <a:t>полей (на примере </a:t>
+              <a:t>примере </a:t>
             </a:r>
             <a:r>
               <a:rPr lang="en-US" sz="4000" dirty="0" smtClean="0"/>
-              <a:t>vk</a:t>
-            </a:r>
-            <a:r>
-              <a:rPr lang="en-US" sz="4000" dirty="0" smtClean="0"/>
-              <a:t>.com</a:t>
+              <a:t>vk.com</a:t>
             </a:r>
             <a:r>
               <a:rPr lang="ru-RU" sz="4000" dirty="0" smtClean="0"/>
@@ -6182,11 +6186,7 @@
           <a:p>
             <a:r>
               <a:rPr lang="en-US" sz="1500" dirty="0" smtClean="0"/>
-              <a:t>Chrome </a:t>
-            </a:r>
-            <a:r>
-              <a:rPr lang="en-US" sz="1500" dirty="0" smtClean="0"/>
-              <a:t>add-ins</a:t>
+              <a:t>Chrome add-ins</a:t>
             </a:r>
             <a:endParaRPr lang="ru-RU" sz="1500" dirty="0" smtClean="0"/>
           </a:p>
@@ -6255,6 +6255,25 @@
   <p:clrMapOvr>
     <a:masterClrMapping/>
   </p:clrMapOvr>
+  <mc:AlternateContent xmlns:mc="http://schemas.openxmlformats.org/markup-compatibility/2006">
+    <mc:Choice xmlns:p14="http://schemas.microsoft.com/office/powerpoint/2010/main" Requires="p14">
+      <p:transition spd="slow" p14:dur="3400">
+        <p14:reveal/>
+      </p:transition>
+    </mc:Choice>
+    <mc:Fallback>
+      <p:transition spd="slow">
+        <p:fade/>
+      </p:transition>
+    </mc:Fallback>
+  </mc:AlternateContent>
+  <p:timing>
+    <p:tnLst>
+      <p:par>
+        <p:cTn id="1" dur="indefinite" restart="never" nodeType="tmRoot"/>
+      </p:par>
+    </p:tnLst>
+  </p:timing>
 </p:sld>
 </file>
 
@@ -6321,7 +6340,7 @@
         </p:nvSpPr>
         <p:spPr>
           <a:xfrm>
-            <a:off x="646111" y="1916490"/>
+            <a:off x="646111" y="2273541"/>
             <a:ext cx="10659701" cy="1477328"/>
           </a:xfrm>
           <a:prstGeom prst="rect">
@@ -6445,6 +6464,25 @@
   <p:clrMapOvr>
     <a:masterClrMapping/>
   </p:clrMapOvr>
+  <mc:AlternateContent xmlns:mc="http://schemas.openxmlformats.org/markup-compatibility/2006">
+    <mc:Choice xmlns:p14="http://schemas.microsoft.com/office/powerpoint/2010/main" Requires="p14">
+      <p:transition spd="med" p14:dur="700">
+        <p:fade/>
+      </p:transition>
+    </mc:Choice>
+    <mc:Fallback>
+      <p:transition spd="med">
+        <p:fade/>
+      </p:transition>
+    </mc:Fallback>
+  </mc:AlternateContent>
+  <p:timing>
+    <p:tnLst>
+      <p:par>
+        <p:cTn id="1" dur="indefinite" restart="never" nodeType="tmRoot"/>
+      </p:par>
+    </p:tnLst>
+  </p:timing>
 </p:sld>
 </file>
 
@@ -6475,114 +6513,79 @@
             <p:ph type="title"/>
           </p:nvPr>
         </p:nvSpPr>
-        <p:spPr/>
-        <p:txBody>
-          <a:bodyPr/>
-          <a:lstStyle/>
-          <a:p>
-            <a:r>
-              <a:rPr lang="ru-RU" sz="3500" dirty="0" smtClean="0"/>
-              <a:t>Разработка </a:t>
-            </a:r>
-            <a:r>
-              <a:rPr lang="en-US" sz="3500" dirty="0" smtClean="0"/>
-              <a:t>add-in</a:t>
-            </a:r>
-            <a:endParaRPr lang="en-US" sz="3500" dirty="0"/>
-          </a:p>
-        </p:txBody>
-      </p:sp>
-      <p:sp>
-        <p:nvSpPr>
-          <p:cNvPr id="3" name="TextBox 2"/>
-          <p:cNvSpPr txBox="1"/>
-          <p:nvPr/>
-        </p:nvSpPr>
         <p:spPr>
           <a:xfrm>
-            <a:off x="646111" y="1729126"/>
-            <a:ext cx="10659701" cy="1246495"/>
+            <a:off x="646111" y="147917"/>
+            <a:ext cx="9404723" cy="1846345"/>
+          </a:xfrm>
+        </p:spPr>
+        <p:txBody>
+          <a:bodyPr>
+            <a:normAutofit/>
+          </a:bodyPr>
+          <a:lstStyle/>
+          <a:p>
+            <a:r>
+              <a:rPr lang="ru-RU" sz="3500" dirty="0" smtClean="0"/>
+              <a:t>Результаты</a:t>
+            </a:r>
+            <a:endParaRPr lang="en-US" sz="3500" dirty="0"/>
+          </a:p>
+        </p:txBody>
+      </p:sp>
+      <p:pic>
+        <p:nvPicPr>
+          <p:cNvPr id="4" name="Picture 3"/>
+          <p:cNvPicPr>
+            <a:picLocks noChangeAspect="1"/>
+          </p:cNvPicPr>
+          <p:nvPr/>
+        </p:nvPicPr>
+        <p:blipFill>
+          <a:blip r:embed="rId2"/>
+          <a:stretch>
+            <a:fillRect/>
+          </a:stretch>
+        </p:blipFill>
+        <p:spPr>
+          <a:xfrm>
+            <a:off x="1285622" y="1161558"/>
+            <a:ext cx="9225624" cy="5189413"/>
           </a:xfrm>
           <a:prstGeom prst="rect">
             <a:avLst/>
           </a:prstGeom>
-          <a:noFill/>
         </p:spPr>
-        <p:txBody>
-          <a:bodyPr wrap="square" rtlCol="0">
-            <a:spAutoFit/>
-          </a:bodyPr>
-          <a:lstStyle/>
-          <a:p>
-            <a:r>
-              <a:rPr lang="ru-RU" sz="1500" dirty="0" smtClean="0"/>
-              <a:t>Расшрение</a:t>
-            </a:r>
-            <a:r>
-              <a:rPr lang="en-US" sz="1500" dirty="0" smtClean="0"/>
-              <a:t> chrome </a:t>
-            </a:r>
-            <a:r>
-              <a:rPr lang="ru-RU" sz="1500" dirty="0" smtClean="0"/>
-              <a:t>имеет очень простую структуру, для создания нам потребуется 3 файла:</a:t>
-            </a:r>
-          </a:p>
-          <a:p>
-            <a:pPr marL="342900" indent="-342900">
-              <a:buAutoNum type="arabicPeriod"/>
-            </a:pPr>
-            <a:r>
-              <a:rPr lang="en-US" sz="1500" dirty="0" smtClean="0"/>
-              <a:t>index.html – </a:t>
-            </a:r>
-            <a:r>
-              <a:rPr lang="ru-RU" sz="1500" dirty="0" smtClean="0"/>
-              <a:t>файл который содержит разметку будущего расширения</a:t>
-            </a:r>
-          </a:p>
-          <a:p>
-            <a:pPr marL="342900" indent="-342900">
-              <a:buAutoNum type="arabicPeriod"/>
-            </a:pPr>
-            <a:r>
-              <a:rPr lang="en-US" sz="1500" dirty="0" smtClean="0"/>
-              <a:t>main.js</a:t>
-            </a:r>
-            <a:r>
-              <a:rPr lang="ru-RU" sz="1500" dirty="0" smtClean="0"/>
-              <a:t> – файл в котором будет содержатся бизнес логика расширения</a:t>
-            </a:r>
-          </a:p>
-          <a:p>
-            <a:pPr marL="342900" indent="-342900">
-              <a:buAutoNum type="arabicPeriod"/>
-            </a:pPr>
-            <a:r>
-              <a:rPr lang="en-US" sz="1500" dirty="0" err="1" smtClean="0"/>
-              <a:t>manifest.json</a:t>
-            </a:r>
-            <a:r>
-              <a:rPr lang="ru-RU" sz="1500" dirty="0" smtClean="0"/>
-              <a:t> – файл в котором содержится базовая информация о расширении (описание расширения для браузера </a:t>
-            </a:r>
-            <a:r>
-              <a:rPr lang="en-US" sz="1500" dirty="0" smtClean="0"/>
-              <a:t>chrome)</a:t>
-            </a:r>
-            <a:endParaRPr lang="en-US" sz="1500" dirty="0"/>
-          </a:p>
-        </p:txBody>
-      </p:sp>
+      </p:pic>
     </p:spTree>
     <p:extLst>
       <p:ext uri="{BB962C8B-B14F-4D97-AF65-F5344CB8AC3E}">
-        <p14:creationId xmlns:p14="http://schemas.microsoft.com/office/powerpoint/2010/main" val="1401296313"/>
+        <p14:creationId xmlns:p14="http://schemas.microsoft.com/office/powerpoint/2010/main" val="4044472005"/>
       </p:ext>
     </p:extLst>
   </p:cSld>
   <p:clrMapOvr>
     <a:masterClrMapping/>
   </p:clrMapOvr>
+  <mc:AlternateContent xmlns:mc="http://schemas.openxmlformats.org/markup-compatibility/2006">
+    <mc:Choice xmlns:p14="http://schemas.microsoft.com/office/powerpoint/2010/main" Requires="p14">
+      <p:transition spd="med" p14:dur="700">
+        <p:fade/>
+      </p:transition>
+    </mc:Choice>
+    <mc:Fallback>
+      <p:transition spd="med">
+        <p:fade/>
+      </p:transition>
+    </mc:Fallback>
+  </mc:AlternateContent>
+  <p:timing>
+    <p:tnLst>
+      <p:par>
+        <p:cTn id="1" dur="indefinite" restart="never" nodeType="tmRoot"/>
+      </p:par>
+    </p:tnLst>
+  </p:timing>
 </p:sld>
 </file>
 
@@ -6619,8 +6622,12 @@
           <a:lstStyle/>
           <a:p>
             <a:r>
-              <a:rPr lang="en-US" sz="3500" dirty="0" err="1" smtClean="0"/>
-              <a:t>Manifest.json</a:t>
+              <a:rPr lang="ru-RU" sz="3500" dirty="0" smtClean="0"/>
+              <a:t>Разработка </a:t>
+            </a:r>
+            <a:r>
+              <a:rPr lang="en-US" sz="3500" dirty="0" smtClean="0"/>
+              <a:t>add-in</a:t>
             </a:r>
             <a:endParaRPr lang="en-US" sz="3500" dirty="0"/>
           </a:p>
@@ -6634,8 +6641,8 @@
         </p:nvSpPr>
         <p:spPr>
           <a:xfrm>
-            <a:off x="646111" y="1476145"/>
-            <a:ext cx="11193855" cy="3554819"/>
+            <a:off x="646111" y="1729126"/>
+            <a:ext cx="10659701" cy="1477328"/>
           </a:xfrm>
           <a:prstGeom prst="rect">
             <a:avLst/>
@@ -6650,206 +6657,106 @@
           <a:p>
             <a:r>
               <a:rPr lang="ru-RU" sz="1500" dirty="0" smtClean="0"/>
-              <a:t>Файл-описание для расширения (необходим для корректного парсинга расширения браузером)</a:t>
-            </a:r>
-            <a:endParaRPr lang="en-US" sz="1500" dirty="0"/>
-          </a:p>
-          <a:p>
+              <a:t>Расшрение</a:t>
+            </a:r>
+            <a:r>
+              <a:rPr lang="en-US" sz="1500" dirty="0" smtClean="0"/>
+              <a:t> chrome </a:t>
+            </a:r>
+            <a:r>
+              <a:rPr lang="ru-RU" sz="1500" dirty="0" smtClean="0"/>
+              <a:t>имеет очень простую структуру, для создания нам потребуется </a:t>
+            </a:r>
+            <a:r>
+              <a:rPr lang="en-US" sz="1500" dirty="0" smtClean="0"/>
+              <a:t>4 </a:t>
+            </a:r>
+            <a:r>
+              <a:rPr lang="ru-RU" sz="1500" dirty="0" smtClean="0"/>
+              <a:t>файла</a:t>
+            </a:r>
+            <a:r>
+              <a:rPr lang="ru-RU" sz="1500" dirty="0" smtClean="0"/>
+              <a:t>:</a:t>
+            </a:r>
+          </a:p>
+          <a:p>
+            <a:pPr marL="342900" indent="-342900">
+              <a:buAutoNum type="arabicPeriod"/>
+            </a:pPr>
+            <a:r>
+              <a:rPr lang="en-US" sz="1500" dirty="0" smtClean="0"/>
+              <a:t>index.html – </a:t>
+            </a:r>
+            <a:r>
+              <a:rPr lang="ru-RU" sz="1500" dirty="0" smtClean="0"/>
+              <a:t>файл который содержит разметку будущего расширения</a:t>
+            </a:r>
+          </a:p>
+          <a:p>
+            <a:pPr marL="342900" indent="-342900">
+              <a:buAutoNum type="arabicPeriod"/>
+            </a:pPr>
+            <a:r>
+              <a:rPr lang="en-US" sz="1500" dirty="0" smtClean="0"/>
+              <a:t>main.js</a:t>
+            </a:r>
+            <a:r>
+              <a:rPr lang="ru-RU" sz="1500" dirty="0" smtClean="0"/>
+              <a:t> –</a:t>
+            </a:r>
+            <a:r>
+              <a:rPr lang="en-US" sz="1500" dirty="0" smtClean="0"/>
+              <a:t> </a:t>
+            </a:r>
+            <a:r>
+              <a:rPr lang="ru-RU" sz="1500" dirty="0" smtClean="0"/>
+              <a:t>бизнес логика расширения</a:t>
+            </a:r>
             <a:endParaRPr lang="en-US" sz="1500" dirty="0" smtClean="0"/>
           </a:p>
           <a:p>
+            <a:pPr marL="342900" indent="-342900">
+              <a:buAutoNum type="arabicPeriod"/>
+            </a:pPr>
+            <a:r>
+              <a:rPr lang="en-US" sz="1500" dirty="0"/>
+              <a:t>s</a:t>
+            </a:r>
             <a:r>
               <a:rPr lang="en-US" sz="1500" dirty="0" smtClean="0"/>
-              <a:t>{</a:t>
-            </a:r>
-            <a:endParaRPr lang="en-US" sz="1500" dirty="0"/>
-          </a:p>
-          <a:p>
-            <a:r>
-              <a:rPr lang="en-US" sz="1500" dirty="0"/>
-              <a:t>    "name": "</a:t>
-            </a:r>
-            <a:r>
-              <a:rPr lang="en-US" sz="1500" dirty="0" err="1"/>
-              <a:t>AutofillExtension</a:t>
-            </a:r>
-            <a:r>
-              <a:rPr lang="en-US" sz="1500" dirty="0" smtClean="0"/>
-              <a:t>",  - </a:t>
+              <a:t>tyles.css </a:t>
+            </a:r>
+            <a:r>
+              <a:rPr lang="ru-RU" sz="1500" dirty="0"/>
+              <a:t>–</a:t>
             </a:r>
             <a:r>
               <a:rPr lang="ru-RU" sz="1500" dirty="0" smtClean="0"/>
-              <a:t>название расширения</a:t>
-            </a:r>
-            <a:endParaRPr lang="en-US" sz="1500" dirty="0"/>
-          </a:p>
-          <a:p>
-            <a:r>
-              <a:rPr lang="en-US" sz="1500" dirty="0"/>
-              <a:t>    "version": "0.1</a:t>
-            </a:r>
-            <a:r>
-              <a:rPr lang="en-US" sz="1500" dirty="0" smtClean="0"/>
-              <a:t>",</a:t>
-            </a:r>
-            <a:r>
-              <a:rPr lang="ru-RU" sz="1500" dirty="0" smtClean="0"/>
-              <a:t> - версия расширения</a:t>
-            </a:r>
-            <a:endParaRPr lang="en-US" sz="1500" dirty="0"/>
-          </a:p>
-          <a:p>
-            <a:r>
-              <a:rPr lang="en-US" sz="1500" dirty="0"/>
-              <a:t>    "</a:t>
-            </a:r>
-            <a:r>
-              <a:rPr lang="en-US" sz="1500" dirty="0" err="1"/>
-              <a:t>manifest_version</a:t>
-            </a:r>
-            <a:r>
-              <a:rPr lang="en-US" sz="1500" dirty="0"/>
-              <a:t>": 2</a:t>
-            </a:r>
-            <a:r>
-              <a:rPr lang="en-US" sz="1500" dirty="0" smtClean="0"/>
-              <a:t>,</a:t>
+              <a:t> стили</a:t>
+            </a:r>
+            <a:endParaRPr lang="ru-RU" sz="1500" dirty="0" smtClean="0"/>
+          </a:p>
+          <a:p>
+            <a:pPr marL="342900" indent="-342900">
+              <a:buAutoNum type="arabicPeriod"/>
+            </a:pPr>
+            <a:r>
+              <a:rPr lang="en-US" sz="1500" dirty="0" err="1" smtClean="0"/>
+              <a:t>manifest.json</a:t>
             </a:r>
             <a:r>
               <a:rPr lang="ru-RU" sz="1500" dirty="0" smtClean="0"/>
               <a:t> </a:t>
             </a:r>
-            <a:endParaRPr lang="en-US" sz="1500" dirty="0"/>
-          </a:p>
-          <a:p>
-            <a:r>
-              <a:rPr lang="en-US" sz="1500" dirty="0"/>
-              <a:t>    "permissions": </a:t>
+            <a:r>
+              <a:rPr lang="ru-RU" sz="1500" dirty="0" smtClean="0"/>
+              <a:t>– файл в котором содержится базовая информация о расширении (описание расширения для браузера </a:t>
             </a:r>
             <a:r>
               <a:rPr lang="en-US" sz="1500" dirty="0" smtClean="0"/>
-              <a:t>[</a:t>
-            </a:r>
-            <a:endParaRPr lang="ru-RU" sz="1500" dirty="0" smtClean="0"/>
-          </a:p>
-          <a:p>
-            <a:r>
-              <a:rPr lang="en-US" sz="1500" dirty="0"/>
-              <a:t>        "</a:t>
-            </a:r>
-            <a:r>
-              <a:rPr lang="en-US" sz="1500" dirty="0" err="1" smtClean="0"/>
-              <a:t>activeTab</a:t>
-            </a:r>
-            <a:r>
-              <a:rPr lang="en-US" sz="1500" dirty="0" smtClean="0"/>
-              <a:t>“</a:t>
-            </a:r>
-          </a:p>
-          <a:p>
-            <a:r>
-              <a:rPr lang="en-US" sz="1500" dirty="0"/>
-              <a:t>    </a:t>
-            </a:r>
-            <a:r>
-              <a:rPr lang="en-US" sz="1500" dirty="0" smtClean="0"/>
-              <a:t>],</a:t>
-            </a:r>
-            <a:r>
-              <a:rPr lang="ru-RU" sz="1500" dirty="0" smtClean="0"/>
-              <a:t> - массив из прав, которые требует данное расширение, в нашем случае нужен доступ к </a:t>
-            </a:r>
-            <a:r>
-              <a:rPr lang="ru-RU" sz="1500" dirty="0" smtClean="0"/>
-              <a:t>активной вкладке</a:t>
-            </a:r>
-            <a:endParaRPr lang="en-US" sz="1500" dirty="0"/>
-          </a:p>
-          <a:p>
-            <a:r>
-              <a:rPr lang="en-US" sz="1500" dirty="0"/>
-              <a:t>    "</a:t>
-            </a:r>
-            <a:r>
-              <a:rPr lang="en-US" sz="1500" dirty="0" err="1"/>
-              <a:t>browser_action</a:t>
-            </a:r>
-            <a:r>
-              <a:rPr lang="en-US" sz="1500" dirty="0"/>
-              <a:t>": {</a:t>
-            </a:r>
-          </a:p>
-          <a:p>
-            <a:r>
-              <a:rPr lang="en-US" sz="1500" dirty="0"/>
-              <a:t>        "</a:t>
-            </a:r>
-            <a:r>
-              <a:rPr lang="en-US" sz="1500" dirty="0" err="1"/>
-              <a:t>default_title</a:t>
-            </a:r>
-            <a:r>
-              <a:rPr lang="en-US" sz="1500" dirty="0"/>
-              <a:t>": "</a:t>
-            </a:r>
-            <a:r>
-              <a:rPr lang="en-US" sz="1500" dirty="0" err="1"/>
-              <a:t>AutofillExtension</a:t>
-            </a:r>
-            <a:r>
-              <a:rPr lang="en-US" sz="1500" dirty="0" smtClean="0"/>
-              <a:t>",</a:t>
-            </a:r>
-            <a:r>
-              <a:rPr lang="ru-RU" sz="1500" dirty="0" smtClean="0"/>
-              <a:t> - название расширения (выводится в панели расширений)</a:t>
-            </a:r>
-            <a:endParaRPr lang="en-US" sz="1500" dirty="0"/>
-          </a:p>
-          <a:p>
-            <a:r>
-              <a:rPr lang="en-US" sz="1500" dirty="0"/>
-              <a:t>        "</a:t>
-            </a:r>
-            <a:r>
-              <a:rPr lang="en-US" sz="1500" dirty="0" err="1"/>
-              <a:t>default_popup</a:t>
-            </a:r>
-            <a:r>
-              <a:rPr lang="en-US" sz="1500" dirty="0"/>
-              <a:t>": </a:t>
-            </a:r>
-            <a:r>
-              <a:rPr lang="ru-RU" sz="1500" dirty="0" smtClean="0"/>
-              <a:t>«</a:t>
-            </a:r>
-            <a:r>
-              <a:rPr lang="en-US" sz="1500" dirty="0" smtClean="0"/>
-              <a:t>index.htm</a:t>
-            </a:r>
-            <a:r>
-              <a:rPr lang="en-US" sz="1500" dirty="0"/>
-              <a:t>l</a:t>
-            </a:r>
-            <a:r>
-              <a:rPr lang="ru-RU" sz="1500" dirty="0" smtClean="0"/>
-              <a:t>»  - точка входа расширения</a:t>
-            </a:r>
-            <a:endParaRPr lang="en-US" sz="1500" dirty="0"/>
-          </a:p>
-          <a:p>
-            <a:r>
-              <a:rPr lang="en-US" sz="1500" dirty="0"/>
-              <a:t>    }</a:t>
-            </a:r>
-          </a:p>
-          <a:p>
-            <a:r>
-              <a:rPr lang="en-US" sz="1500" dirty="0"/>
-              <a:t>}</a:t>
-            </a:r>
-          </a:p>
-          <a:p>
+              <a:t>chrome)</a:t>
+            </a:r>
             <a:endParaRPr lang="en-US" sz="1500" dirty="0"/>
           </a:p>
         </p:txBody>
@@ -6857,13 +6764,32 @@
     </p:spTree>
     <p:extLst>
       <p:ext uri="{BB962C8B-B14F-4D97-AF65-F5344CB8AC3E}">
-        <p14:creationId xmlns:p14="http://schemas.microsoft.com/office/powerpoint/2010/main" val="2806923622"/>
+        <p14:creationId xmlns:p14="http://schemas.microsoft.com/office/powerpoint/2010/main" val="1401296313"/>
       </p:ext>
     </p:extLst>
   </p:cSld>
   <p:clrMapOvr>
     <a:masterClrMapping/>
   </p:clrMapOvr>
+  <mc:AlternateContent xmlns:mc="http://schemas.openxmlformats.org/markup-compatibility/2006">
+    <mc:Choice xmlns:p14="http://schemas.microsoft.com/office/powerpoint/2010/main" Requires="p14">
+      <p:transition spd="med" p14:dur="700">
+        <p:fade/>
+      </p:transition>
+    </mc:Choice>
+    <mc:Fallback>
+      <p:transition spd="med">
+        <p:fade/>
+      </p:transition>
+    </mc:Fallback>
+  </mc:AlternateContent>
+  <p:timing>
+    <p:tnLst>
+      <p:par>
+        <p:cTn id="1" dur="indefinite" restart="never" nodeType="tmRoot"/>
+      </p:par>
+    </p:tnLst>
+  </p:timing>
 </p:sld>
 </file>
 
@@ -6900,8 +6826,8 @@
           <a:lstStyle/>
           <a:p>
             <a:r>
-              <a:rPr lang="en-US" sz="3500" dirty="0" smtClean="0"/>
-              <a:t>Index.html</a:t>
+              <a:rPr lang="en-US" sz="3500" dirty="0" err="1" smtClean="0"/>
+              <a:t>Manifest.json</a:t>
             </a:r>
             <a:endParaRPr lang="en-US" sz="3500" dirty="0"/>
           </a:p>
@@ -6915,8 +6841,8 @@
         </p:nvSpPr>
         <p:spPr>
           <a:xfrm>
-            <a:off x="646111" y="1479250"/>
-            <a:ext cx="10809838" cy="3323987"/>
+            <a:off x="646111" y="1476145"/>
+            <a:ext cx="11193855" cy="4062651"/>
           </a:xfrm>
           <a:prstGeom prst="rect">
             <a:avLst/>
@@ -6931,116 +6857,233 @@
           <a:p>
             <a:r>
               <a:rPr lang="ru-RU" sz="1500" dirty="0" smtClean="0"/>
-              <a:t>Имеет простую структуру, содержит </a:t>
+              <a:t>Файл-описание для расширения (необходим для корректного парсинга расширения браузером)</a:t>
+            </a:r>
+            <a:endParaRPr lang="en-US" sz="1500" dirty="0"/>
+          </a:p>
+          <a:p>
+            <a:endParaRPr lang="en-US" sz="1500" dirty="0" smtClean="0"/>
+          </a:p>
+          <a:p>
+            <a:r>
+              <a:rPr lang="en-US" sz="1500" dirty="0" smtClean="0"/>
+              <a:t>{</a:t>
+            </a:r>
+            <a:endParaRPr lang="en-US" sz="1500" dirty="0"/>
+          </a:p>
+          <a:p>
+            <a:r>
+              <a:rPr lang="en-US" sz="1500" dirty="0"/>
+              <a:t>    "name": "</a:t>
+            </a:r>
+            <a:r>
+              <a:rPr lang="en-US" sz="1500" dirty="0" err="1"/>
+              <a:t>AutofillExtension</a:t>
+            </a:r>
+            <a:r>
+              <a:rPr lang="en-US" sz="1500" dirty="0" smtClean="0"/>
+              <a:t>",  - </a:t>
             </a:r>
             <a:r>
               <a:rPr lang="ru-RU" sz="1500" dirty="0" smtClean="0"/>
-              <a:t>кнопку </a:t>
+              <a:t>название расширения</a:t>
+            </a:r>
+            <a:endParaRPr lang="en-US" sz="1500" dirty="0"/>
+          </a:p>
+          <a:p>
+            <a:r>
+              <a:rPr lang="en-US" sz="1500" dirty="0"/>
+              <a:t>    "version": "0.1</a:t>
+            </a:r>
+            <a:r>
+              <a:rPr lang="en-US" sz="1500" dirty="0" smtClean="0"/>
+              <a:t>",</a:t>
             </a:r>
             <a:r>
               <a:rPr lang="ru-RU" sz="1500" dirty="0" smtClean="0"/>
-              <a:t>- </a:t>
-            </a:r>
+              <a:t> - версия расширения</a:t>
+            </a:r>
+            <a:endParaRPr lang="en-US" sz="1500" dirty="0"/>
+          </a:p>
+          <a:p>
             <a:r>
               <a:rPr lang="en-US" sz="1500" dirty="0"/>
-              <a:t>Generate and </a:t>
+              <a:t>    "</a:t>
+            </a:r>
+            <a:r>
+              <a:rPr lang="en-US" sz="1500" dirty="0" err="1"/>
+              <a:t>manifest_version</a:t>
+            </a:r>
+            <a:r>
+              <a:rPr lang="en-US" sz="1500" dirty="0"/>
+              <a:t>": 2</a:t>
             </a:r>
             <a:r>
               <a:rPr lang="en-US" sz="1500" dirty="0" smtClean="0"/>
-              <a:t>send</a:t>
+              <a:t>,</a:t>
             </a:r>
             <a:r>
               <a:rPr lang="ru-RU" sz="1500" dirty="0" smtClean="0"/>
-              <a:t>.</a:t>
+              <a:t> </a:t>
+            </a:r>
+            <a:endParaRPr lang="en-US" sz="1500" dirty="0"/>
+          </a:p>
+          <a:p>
+            <a:r>
+              <a:rPr lang="en-US" sz="1500" dirty="0"/>
+              <a:t>    "permissions": </a:t>
+            </a:r>
+            <a:r>
+              <a:rPr lang="en-US" sz="1500" dirty="0" smtClean="0"/>
+              <a:t>[</a:t>
+            </a:r>
+            <a:endParaRPr lang="ru-RU" sz="1500" dirty="0" smtClean="0"/>
+          </a:p>
+          <a:p>
+            <a:r>
+              <a:rPr lang="en-US" sz="1500" dirty="0"/>
+              <a:t>        "</a:t>
+            </a:r>
+            <a:r>
+              <a:rPr lang="en-US" sz="1500" dirty="0" err="1" smtClean="0"/>
+              <a:t>activeTab</a:t>
+            </a:r>
+            <a:r>
+              <a:rPr lang="en-US" sz="1500" dirty="0" smtClean="0"/>
+              <a:t>“</a:t>
+            </a:r>
+          </a:p>
+          <a:p>
+            <a:r>
+              <a:rPr lang="en-US" sz="1500" dirty="0"/>
+              <a:t>    </a:t>
+            </a:r>
+            <a:r>
+              <a:rPr lang="en-US" sz="1500" dirty="0" smtClean="0"/>
+              <a:t>],</a:t>
+            </a:r>
+            <a:r>
+              <a:rPr lang="ru-RU" sz="1500" dirty="0" smtClean="0"/>
+              <a:t> - массив из прав, которые требует данное расширение, в нашем случае нужен доступ к активной вкладке</a:t>
+            </a:r>
+            <a:endParaRPr lang="en-US" sz="1500" dirty="0"/>
+          </a:p>
+          <a:p>
+            <a:r>
+              <a:rPr lang="en-US" sz="1500" dirty="0"/>
+              <a:t>    "</a:t>
+            </a:r>
+            <a:r>
+              <a:rPr lang="en-US" sz="1500" dirty="0" err="1"/>
+              <a:t>browser_action</a:t>
+            </a:r>
+            <a:r>
+              <a:rPr lang="en-US" sz="1500" dirty="0"/>
+              <a:t>": {</a:t>
+            </a:r>
+          </a:p>
+          <a:p>
+            <a:r>
+              <a:rPr lang="en-US" sz="1500" dirty="0"/>
+              <a:t>        "</a:t>
+            </a:r>
+            <a:r>
+              <a:rPr lang="en-US" sz="1500" dirty="0" err="1"/>
+              <a:t>default_title</a:t>
+            </a:r>
+            <a:r>
+              <a:rPr lang="en-US" sz="1500" dirty="0"/>
+              <a:t>": "</a:t>
+            </a:r>
+            <a:r>
+              <a:rPr lang="en-US" sz="1500" dirty="0" err="1"/>
+              <a:t>AutofillExtension</a:t>
+            </a:r>
+            <a:r>
+              <a:rPr lang="en-US" sz="1500" dirty="0" smtClean="0"/>
+              <a:t>",</a:t>
+            </a:r>
+            <a:r>
+              <a:rPr lang="ru-RU" sz="1500" dirty="0" smtClean="0"/>
+              <a:t> - название расширения (выводится в панели расширений)</a:t>
+            </a:r>
+            <a:endParaRPr lang="en-US" sz="1500" dirty="0"/>
+          </a:p>
+          <a:p>
+            <a:r>
+              <a:rPr lang="en-US" sz="1500" dirty="0"/>
+              <a:t>        "</a:t>
+            </a:r>
+            <a:r>
+              <a:rPr lang="en-US" sz="1500" dirty="0" err="1"/>
+              <a:t>default_popup</a:t>
+            </a:r>
+            <a:r>
+              <a:rPr lang="en-US" sz="1500" dirty="0"/>
+              <a:t>": </a:t>
+            </a:r>
+            <a:r>
+              <a:rPr lang="en-US" sz="1500" dirty="0" smtClean="0"/>
+              <a:t>“</a:t>
+            </a:r>
+            <a:r>
+              <a:rPr lang="en-US" sz="1500" dirty="0" smtClean="0"/>
+              <a:t>index.html”,</a:t>
+            </a:r>
+            <a:r>
+              <a:rPr lang="ru-RU" sz="1500" dirty="0" smtClean="0"/>
+              <a:t>  </a:t>
+            </a:r>
+            <a:r>
+              <a:rPr lang="ru-RU" sz="1500" dirty="0" smtClean="0"/>
+              <a:t>- точка входа </a:t>
+            </a:r>
+            <a:r>
+              <a:rPr lang="ru-RU" sz="1500" dirty="0" smtClean="0"/>
+              <a:t>расширения</a:t>
             </a:r>
             <a:endParaRPr lang="en-US" sz="1500" dirty="0" smtClean="0"/>
           </a:p>
           <a:p>
+            <a:r>
+              <a:rPr lang="en-US" sz="1500" dirty="0"/>
+              <a:t>	</a:t>
+            </a:r>
+            <a:r>
+              <a:rPr lang="en-US" sz="1500" dirty="0" smtClean="0"/>
+              <a:t>"</a:t>
+            </a:r>
+            <a:r>
+              <a:rPr lang="en-US" sz="1500" dirty="0" err="1"/>
+              <a:t>default_icon</a:t>
+            </a:r>
+            <a:r>
+              <a:rPr lang="en-US" sz="1500" dirty="0"/>
+              <a:t>": "</a:t>
+            </a:r>
+            <a:r>
+              <a:rPr lang="en-US" sz="1500" dirty="0" smtClean="0"/>
+              <a:t>icon.png“ – </a:t>
+            </a:r>
+            <a:r>
+              <a:rPr lang="ru-RU" sz="1500" dirty="0" smtClean="0"/>
+              <a:t>иконка приложения</a:t>
+            </a:r>
             <a:endParaRPr lang="en-US" sz="1500" dirty="0"/>
           </a:p>
           <a:p>
+            <a:endParaRPr lang="en-US" sz="1500" dirty="0"/>
+          </a:p>
+          <a:p>
             <a:r>
               <a:rPr lang="en-US" sz="1500" dirty="0"/>
-              <a:t>&lt;!DOCTYPE html&gt;</a:t>
+              <a:t>    }</a:t>
             </a:r>
           </a:p>
           <a:p>
             <a:r>
               <a:rPr lang="en-US" sz="1500" dirty="0"/>
-              <a:t>&lt;html&gt;</a:t>
-            </a:r>
-          </a:p>
-          <a:p>
-            <a:r>
-              <a:rPr lang="en-US" sz="1500" dirty="0"/>
-              <a:t/>
-            </a:r>
-            <a:br>
-              <a:rPr lang="en-US" sz="1500" dirty="0"/>
-            </a:br>
-            <a:r>
-              <a:rPr lang="en-US" sz="1500" dirty="0"/>
-              <a:t>&lt;head&gt;&lt;/head&gt;</a:t>
-            </a:r>
-          </a:p>
-          <a:p>
-            <a:r>
-              <a:rPr lang="en-US" sz="1500" dirty="0"/>
-              <a:t/>
-            </a:r>
-            <a:br>
-              <a:rPr lang="en-US" sz="1500" dirty="0"/>
-            </a:br>
-            <a:r>
-              <a:rPr lang="en-US" sz="1500" dirty="0"/>
-              <a:t>&lt;body&gt;</a:t>
-            </a:r>
-          </a:p>
-          <a:p>
-            <a:r>
-              <a:rPr lang="en-US" sz="1500" dirty="0"/>
-              <a:t>&lt;button id="</a:t>
-            </a:r>
-            <a:r>
-              <a:rPr lang="en-US" sz="1500" dirty="0" err="1"/>
-              <a:t>btn</a:t>
-            </a:r>
-            <a:r>
-              <a:rPr lang="en-US" sz="1500" dirty="0"/>
-              <a:t>"&gt;Generate and send&lt;/button&gt;</a:t>
-            </a:r>
-          </a:p>
-          <a:p>
-            <a:r>
-              <a:rPr lang="en-US" sz="1500" dirty="0"/>
-              <a:t>&lt;script </a:t>
-            </a:r>
-            <a:r>
-              <a:rPr lang="en-US" sz="1500" dirty="0" err="1"/>
-              <a:t>src</a:t>
-            </a:r>
-            <a:r>
-              <a:rPr lang="en-US" sz="1500" dirty="0"/>
-              <a:t>="main.js"&gt;&lt;/script&gt;</a:t>
-            </a:r>
-          </a:p>
-          <a:p>
-            <a:r>
-              <a:rPr lang="en-US" sz="1500" dirty="0"/>
-              <a:t>&lt;/body&gt;</a:t>
-            </a:r>
-          </a:p>
-          <a:p>
-            <a:r>
-              <a:rPr lang="en-US" sz="1500" dirty="0"/>
-              <a:t/>
-            </a:r>
-            <a:br>
-              <a:rPr lang="en-US" sz="1500" dirty="0"/>
-            </a:br>
-            <a:r>
-              <a:rPr lang="en-US" sz="1500" dirty="0"/>
-              <a:t>&lt;/html&gt;</a:t>
+              <a:t>}</a:t>
             </a:r>
           </a:p>
           <a:p>
@@ -7051,13 +7094,32 @@
     </p:spTree>
     <p:extLst>
       <p:ext uri="{BB962C8B-B14F-4D97-AF65-F5344CB8AC3E}">
-        <p14:creationId xmlns:p14="http://schemas.microsoft.com/office/powerpoint/2010/main" val="1568928114"/>
+        <p14:creationId xmlns:p14="http://schemas.microsoft.com/office/powerpoint/2010/main" val="2806923622"/>
       </p:ext>
     </p:extLst>
   </p:cSld>
   <p:clrMapOvr>
     <a:masterClrMapping/>
   </p:clrMapOvr>
+  <mc:AlternateContent xmlns:mc="http://schemas.openxmlformats.org/markup-compatibility/2006">
+    <mc:Choice xmlns:p14="http://schemas.microsoft.com/office/powerpoint/2010/main" Requires="p14">
+      <p:transition spd="med" p14:dur="700">
+        <p:fade/>
+      </p:transition>
+    </mc:Choice>
+    <mc:Fallback>
+      <p:transition spd="med">
+        <p:fade/>
+      </p:transition>
+    </mc:Fallback>
+  </mc:AlternateContent>
+  <p:timing>
+    <p:tnLst>
+      <p:par>
+        <p:cTn id="1" dur="indefinite" restart="never" nodeType="tmRoot"/>
+      </p:par>
+    </p:tnLst>
+  </p:timing>
 </p:sld>
 </file>
 
@@ -7088,6 +7150,251 @@
             <p:ph type="title"/>
           </p:nvPr>
         </p:nvSpPr>
+        <p:spPr/>
+        <p:txBody>
+          <a:bodyPr/>
+          <a:lstStyle/>
+          <a:p>
+            <a:r>
+              <a:rPr lang="en-US" sz="3500" dirty="0" smtClean="0"/>
+              <a:t>Index.html</a:t>
+            </a:r>
+            <a:endParaRPr lang="en-US" sz="3500" dirty="0"/>
+          </a:p>
+        </p:txBody>
+      </p:sp>
+      <p:sp>
+        <p:nvSpPr>
+          <p:cNvPr id="3" name="TextBox 2"/>
+          <p:cNvSpPr txBox="1"/>
+          <p:nvPr/>
+        </p:nvSpPr>
+        <p:spPr>
+          <a:xfrm>
+            <a:off x="646111" y="1479250"/>
+            <a:ext cx="10809838" cy="3785652"/>
+          </a:xfrm>
+          <a:prstGeom prst="rect">
+            <a:avLst/>
+          </a:prstGeom>
+          <a:noFill/>
+        </p:spPr>
+        <p:txBody>
+          <a:bodyPr wrap="square" rtlCol="0">
+            <a:spAutoFit/>
+          </a:bodyPr>
+          <a:lstStyle/>
+          <a:p>
+            <a:r>
+              <a:rPr lang="ru-RU" sz="1500" dirty="0" smtClean="0"/>
+              <a:t>Имеет простую структуру, содержит кнопку - </a:t>
+            </a:r>
+            <a:r>
+              <a:rPr lang="en-US" sz="1500" dirty="0" smtClean="0"/>
+              <a:t>Post</a:t>
+            </a:r>
+            <a:r>
+              <a:rPr lang="ru-RU" sz="1500" dirty="0" smtClean="0"/>
+              <a:t>.</a:t>
+            </a:r>
+            <a:endParaRPr lang="en-US" sz="1500" dirty="0" smtClean="0"/>
+          </a:p>
+          <a:p>
+            <a:endParaRPr lang="en-US" sz="1500" dirty="0"/>
+          </a:p>
+          <a:p>
+            <a:r>
+              <a:rPr lang="en-US" sz="1500" dirty="0"/>
+              <a:t>&lt;!DOCTYPE html&gt;</a:t>
+            </a:r>
+          </a:p>
+          <a:p>
+            <a:r>
+              <a:rPr lang="en-US" sz="1500" dirty="0"/>
+              <a:t>&lt;html&gt;</a:t>
+            </a:r>
+          </a:p>
+          <a:p>
+            <a:r>
+              <a:rPr lang="en-US" sz="1500" dirty="0"/>
+              <a:t/>
+            </a:r>
+            <a:br>
+              <a:rPr lang="en-US" sz="1500" dirty="0"/>
+            </a:br>
+            <a:r>
+              <a:rPr lang="en-US" sz="1500" dirty="0"/>
+              <a:t>&lt;head&gt;&lt;/head&gt;</a:t>
+            </a:r>
+          </a:p>
+          <a:p>
+            <a:r>
+              <a:rPr lang="en-US" sz="1500" dirty="0"/>
+              <a:t/>
+            </a:r>
+            <a:br>
+              <a:rPr lang="en-US" sz="1500" dirty="0"/>
+            </a:br>
+            <a:r>
+              <a:rPr lang="en-US" sz="1500" dirty="0"/>
+              <a:t>&lt;body&gt;</a:t>
+            </a:r>
+          </a:p>
+          <a:p>
+            <a:r>
+              <a:rPr lang="en-US" sz="1500" dirty="0"/>
+              <a:t>&lt;</a:t>
+            </a:r>
+            <a:r>
+              <a:rPr lang="en-US" sz="1500" dirty="0" err="1"/>
+              <a:t>img</a:t>
+            </a:r>
+            <a:r>
+              <a:rPr lang="en-US" sz="1500" dirty="0"/>
+              <a:t> </a:t>
+            </a:r>
+            <a:r>
+              <a:rPr lang="en-US" sz="1500" dirty="0" err="1"/>
+              <a:t>src</a:t>
+            </a:r>
+            <a:r>
+              <a:rPr lang="en-US" sz="1500" dirty="0"/>
+              <a:t>="image.jpg"&gt;</a:t>
+            </a:r>
+          </a:p>
+          <a:p>
+            <a:r>
+              <a:rPr lang="en-US" sz="1500" dirty="0"/>
+              <a:t>&lt;button id="</a:t>
+            </a:r>
+            <a:r>
+              <a:rPr lang="en-US" sz="1500" dirty="0" err="1"/>
+              <a:t>btn</a:t>
+            </a:r>
+            <a:r>
+              <a:rPr lang="en-US" sz="1500" dirty="0"/>
+              <a:t>"&gt;Post&lt;/button&gt;</a:t>
+            </a:r>
+          </a:p>
+          <a:p>
+            <a:r>
+              <a:rPr lang="en-US" sz="1500" dirty="0"/>
+              <a:t>&lt;script </a:t>
+            </a:r>
+            <a:r>
+              <a:rPr lang="en-US" sz="1500" dirty="0" err="1"/>
+              <a:t>src</a:t>
+            </a:r>
+            <a:r>
+              <a:rPr lang="en-US" sz="1500" dirty="0"/>
+              <a:t>="main.js"&gt;&lt;/script&gt;</a:t>
+            </a:r>
+          </a:p>
+          <a:p>
+            <a:r>
+              <a:rPr lang="en-US" sz="1500" dirty="0"/>
+              <a:t>&lt;link </a:t>
+            </a:r>
+            <a:r>
+              <a:rPr lang="en-US" sz="1500" dirty="0" err="1"/>
+              <a:t>rel</a:t>
+            </a:r>
+            <a:r>
+              <a:rPr lang="en-US" sz="1500" dirty="0"/>
+              <a:t>="stylesheet" </a:t>
+            </a:r>
+            <a:r>
+              <a:rPr lang="en-US" sz="1500" dirty="0" err="1"/>
+              <a:t>href</a:t>
+            </a:r>
+            <a:r>
+              <a:rPr lang="en-US" sz="1500" dirty="0"/>
+              <a:t>="styles.css"&gt;</a:t>
+            </a:r>
+          </a:p>
+          <a:p>
+            <a:r>
+              <a:rPr lang="en-US" sz="1500" dirty="0"/>
+              <a:t>&lt;/body&gt;</a:t>
+            </a:r>
+          </a:p>
+          <a:p>
+            <a:r>
+              <a:rPr lang="en-US" sz="1500" dirty="0"/>
+              <a:t/>
+            </a:r>
+            <a:br>
+              <a:rPr lang="en-US" sz="1500" dirty="0"/>
+            </a:br>
+            <a:r>
+              <a:rPr lang="en-US" sz="1500" dirty="0"/>
+              <a:t>&lt;/html&gt;</a:t>
+            </a:r>
+          </a:p>
+          <a:p>
+            <a:endParaRPr lang="en-US" sz="1500" dirty="0"/>
+          </a:p>
+        </p:txBody>
+      </p:sp>
+    </p:spTree>
+    <p:extLst>
+      <p:ext uri="{BB962C8B-B14F-4D97-AF65-F5344CB8AC3E}">
+        <p14:creationId xmlns:p14="http://schemas.microsoft.com/office/powerpoint/2010/main" val="1568928114"/>
+      </p:ext>
+    </p:extLst>
+  </p:cSld>
+  <p:clrMapOvr>
+    <a:masterClrMapping/>
+  </p:clrMapOvr>
+  <mc:AlternateContent xmlns:mc="http://schemas.openxmlformats.org/markup-compatibility/2006">
+    <mc:Choice xmlns:p14="http://schemas.microsoft.com/office/powerpoint/2010/main" Requires="p14">
+      <p:transition spd="med" p14:dur="700">
+        <p:fade/>
+      </p:transition>
+    </mc:Choice>
+    <mc:Fallback>
+      <p:transition spd="med">
+        <p:fade/>
+      </p:transition>
+    </mc:Fallback>
+  </mc:AlternateContent>
+  <p:timing>
+    <p:tnLst>
+      <p:par>
+        <p:cTn id="1" dur="indefinite" restart="never" nodeType="tmRoot"/>
+      </p:par>
+    </p:tnLst>
+  </p:timing>
+</p:sld>
+</file>
+
+<file path=ppt/slides/slide7.xml><?xml version="1.0" encoding="utf-8"?>
+<p:sld xmlns:a="http://schemas.openxmlformats.org/drawingml/2006/main" xmlns:r="http://schemas.openxmlformats.org/officeDocument/2006/relationships" xmlns:p="http://schemas.openxmlformats.org/presentationml/2006/main">
+  <p:cSld>
+    <p:spTree>
+      <p:nvGrpSpPr>
+        <p:cNvPr id="1" name=""/>
+        <p:cNvGrpSpPr/>
+        <p:nvPr/>
+      </p:nvGrpSpPr>
+      <p:grpSpPr>
+        <a:xfrm>
+          <a:off x="0" y="0"/>
+          <a:ext cx="0" cy="0"/>
+          <a:chOff x="0" y="0"/>
+          <a:chExt cx="0" cy="0"/>
+        </a:xfrm>
+      </p:grpSpPr>
+      <p:sp>
+        <p:nvSpPr>
+          <p:cNvPr id="2" name="Title 1"/>
+          <p:cNvSpPr>
+            <a:spLocks noGrp="1"/>
+          </p:cNvSpPr>
+          <p:nvPr>
+            <p:ph type="title"/>
+          </p:nvPr>
+        </p:nvSpPr>
         <p:spPr>
           <a:xfrm>
             <a:off x="838200" y="261258"/>
@@ -7117,7 +7424,7 @@
         <p:spPr>
           <a:xfrm>
             <a:off x="838200" y="1158241"/>
-            <a:ext cx="10421293" cy="4939814"/>
+            <a:ext cx="10421293" cy="5170646"/>
           </a:xfrm>
           <a:prstGeom prst="rect">
             <a:avLst/>
@@ -7236,87 +7543,19 @@
             </a:br>
             <a:r>
               <a:rPr lang="ru-RU" sz="1500" dirty="0"/>
-              <a:t>    </a:t>
-            </a:r>
-            <a:r>
-              <a:rPr lang="ru-RU" sz="1500" dirty="0" err="1"/>
-              <a:t>let</a:t>
-            </a:r>
-            <a:r>
-              <a:rPr lang="ru-RU" sz="1500" dirty="0"/>
-              <a:t> </a:t>
-            </a:r>
-            <a:r>
-              <a:rPr lang="ru-RU" sz="1500" dirty="0" err="1"/>
-              <a:t>randomInRange</a:t>
-            </a:r>
-            <a:r>
-              <a:rPr lang="ru-RU" sz="1500" dirty="0"/>
-              <a:t> = (</a:t>
-            </a:r>
-            <a:r>
-              <a:rPr lang="ru-RU" sz="1500" dirty="0" err="1"/>
-              <a:t>min</a:t>
-            </a:r>
-            <a:r>
-              <a:rPr lang="ru-RU" sz="1500" dirty="0"/>
-              <a:t>, </a:t>
-            </a:r>
-            <a:r>
-              <a:rPr lang="ru-RU" sz="1500" dirty="0" err="1"/>
-              <a:t>max</a:t>
-            </a:r>
-            <a:r>
-              <a:rPr lang="ru-RU" sz="1500" dirty="0"/>
-              <a:t>) =&gt; </a:t>
-            </a:r>
-            <a:r>
-              <a:rPr lang="ru-RU" sz="1500" dirty="0" err="1"/>
-              <a:t>Math.floor</a:t>
-            </a:r>
-            <a:r>
-              <a:rPr lang="ru-RU" sz="1500" dirty="0"/>
-              <a:t>(</a:t>
-            </a:r>
-            <a:r>
-              <a:rPr lang="ru-RU" sz="1500" dirty="0" err="1"/>
-              <a:t>Math.random</a:t>
-            </a:r>
-            <a:r>
-              <a:rPr lang="ru-RU" sz="1500" dirty="0"/>
-              <a:t>() * (</a:t>
-            </a:r>
-            <a:r>
-              <a:rPr lang="ru-RU" sz="1500" dirty="0" err="1"/>
-              <a:t>max</a:t>
-            </a:r>
-            <a:r>
-              <a:rPr lang="ru-RU" sz="1500" dirty="0"/>
-              <a:t> - </a:t>
-            </a:r>
-            <a:r>
-              <a:rPr lang="ru-RU" sz="1500" dirty="0" err="1"/>
-              <a:t>min</a:t>
-            </a:r>
-            <a:r>
-              <a:rPr lang="ru-RU" sz="1500" dirty="0"/>
-              <a:t> + 1)) + </a:t>
-            </a:r>
-            <a:r>
-              <a:rPr lang="ru-RU" sz="1500" dirty="0" err="1"/>
-              <a:t>min</a:t>
+              <a:t>    let randomInRange = (min, max) =&gt; Math.floor(Math.random() * (max - min + 1)) + min</a:t>
             </a:r>
             <a:r>
               <a:rPr lang="ru-RU" sz="1500" dirty="0" smtClean="0"/>
               <a:t>; //генератор </a:t>
             </a:r>
             <a:r>
-              <a:rPr lang="ru-RU" sz="1500" dirty="0" err="1" smtClean="0"/>
-              <a:t>рандомных</a:t>
-            </a:r>
-            <a:r>
               <a:rPr lang="ru-RU" sz="1500" dirty="0" smtClean="0"/>
-              <a:t> чисел в промежутке</a:t>
+              <a:t>	рандомных </a:t>
+            </a:r>
+            <a:r>
+              <a:rPr lang="ru-RU" sz="1500" dirty="0" smtClean="0"/>
+              <a:t>чисел в промежутке</a:t>
             </a:r>
             <a:endParaRPr lang="ru-RU" sz="1500" dirty="0"/>
           </a:p>
@@ -7435,34 +7674,77 @@
           </a:p>
           <a:p>
             <a:r>
-              <a:rPr lang="ru-RU" sz="1500" dirty="0"/>
+              <a:rPr lang="ru-RU" sz="1500" dirty="0" smtClean="0"/>
               <a:t>    </a:t>
             </a:r>
             <a:r>
-              <a:rPr lang="ru-RU" sz="1500" dirty="0" err="1"/>
-              <a:t>input.textContent</a:t>
-            </a:r>
-            <a:r>
-              <a:rPr lang="ru-RU" sz="1500" dirty="0"/>
+              <a:rPr lang="en-US" sz="1500" dirty="0" err="1"/>
+              <a:t>input.innerHTML</a:t>
+            </a:r>
+            <a:r>
+              <a:rPr lang="en-US" sz="1500" dirty="0"/>
               <a:t> = </a:t>
             </a:r>
             <a:r>
-              <a:rPr lang="ru-RU" sz="1500" dirty="0" err="1"/>
+              <a:rPr lang="en-US" sz="1500" dirty="0" err="1"/>
               <a:t>textArr</a:t>
             </a:r>
             <a:r>
-              <a:rPr lang="ru-RU" sz="1500" dirty="0"/>
+              <a:rPr lang="en-US" sz="1500" dirty="0"/>
               <a:t>[</a:t>
             </a:r>
             <a:r>
-              <a:rPr lang="ru-RU" sz="1500" dirty="0" err="1"/>
+              <a:rPr lang="en-US" sz="1500" dirty="0" err="1"/>
               <a:t>randomIndex</a:t>
             </a:r>
             <a:r>
+              <a:rPr lang="en-US" sz="1500" dirty="0"/>
+              <a:t>].replace(/	/g, '&lt;</a:t>
+            </a:r>
+            <a:r>
+              <a:rPr lang="en-US" sz="1500" dirty="0" err="1"/>
+              <a:t>br</a:t>
+            </a:r>
+            <a:r>
+              <a:rPr lang="en-US" sz="1500" dirty="0"/>
+              <a:t>/&gt;').replace(/[&lt;</a:t>
+            </a:r>
+            <a:r>
+              <a:rPr lang="en-US" sz="1500" dirty="0" err="1"/>
+              <a:t>br</a:t>
+            </a:r>
+            <a:r>
+              <a:rPr lang="en-US" sz="1500" dirty="0"/>
+              <a:t>\/&gt;]+/g, '&lt;</a:t>
+            </a:r>
+            <a:r>
+              <a:rPr lang="en-US" sz="1500" dirty="0" err="1"/>
+              <a:t>br</a:t>
+            </a:r>
+            <a:r>
+              <a:rPr lang="en-US" sz="1500" dirty="0"/>
+              <a:t>/&gt;');</a:t>
+            </a:r>
+            <a:r>
               <a:rPr lang="ru-RU" sz="1500" dirty="0" smtClean="0"/>
-              <a:t>]; //вставляем туда текст</a:t>
-            </a:r>
-            <a:endParaRPr lang="ru-RU" sz="1500" dirty="0"/>
+              <a:t>//заменяем 	переносы строк на </a:t>
+            </a:r>
+            <a:r>
+              <a:rPr lang="en-US" sz="1500" dirty="0" smtClean="0"/>
+              <a:t>&lt;</a:t>
+            </a:r>
+            <a:r>
+              <a:rPr lang="en-US" sz="1500" dirty="0" err="1" smtClean="0"/>
+              <a:t>br</a:t>
+            </a:r>
+            <a:r>
+              <a:rPr lang="en-US" sz="1500" dirty="0" smtClean="0"/>
+              <a:t>/&gt; </a:t>
+            </a:r>
+            <a:r>
+              <a:rPr lang="ru-RU" sz="1500" dirty="0" smtClean="0"/>
+              <a:t>и вставляем разметку в инпут</a:t>
+            </a:r>
           </a:p>
           <a:p>
             <a:r>
@@ -7570,47 +7852,11 @@
             </a:br>
             <a:r>
               <a:rPr lang="ru-RU" sz="1500" dirty="0"/>
-              <a:t>  </a:t>
-            </a:r>
-            <a:r>
-              <a:rPr lang="ru-RU" sz="1500" dirty="0" err="1"/>
-              <a:t>chrome.tabs.executeScript</a:t>
-            </a:r>
-            <a:r>
-              <a:rPr lang="ru-RU" sz="1500" dirty="0"/>
-              <a:t>( { </a:t>
-            </a:r>
-            <a:r>
-              <a:rPr lang="ru-RU" sz="1500" dirty="0" err="1"/>
-              <a:t>code</a:t>
-            </a:r>
-            <a:r>
-              <a:rPr lang="ru-RU" sz="1500" dirty="0"/>
-              <a:t>: '(' + </a:t>
-            </a:r>
-            <a:r>
-              <a:rPr lang="ru-RU" sz="1500" dirty="0" err="1"/>
-              <a:t>modifyDOM</a:t>
-            </a:r>
-            <a:r>
-              <a:rPr lang="ru-RU" sz="1500" dirty="0"/>
-              <a:t> + ')();' }, (</a:t>
-            </a:r>
-            <a:r>
-              <a:rPr lang="ru-RU" sz="1500" dirty="0" err="1"/>
-              <a:t>results</a:t>
-            </a:r>
-            <a:r>
-              <a:rPr lang="ru-RU" sz="1500" dirty="0"/>
-              <a:t>) =&gt; { } </a:t>
+              <a:t>  chrome.tabs.executeScript( { code: '(' + modifyDOM + ')();' }, (results) =&gt; { } </a:t>
             </a:r>
             <a:r>
               <a:rPr lang="ru-RU" sz="1500" dirty="0" smtClean="0"/>
-              <a:t>); //функция </a:t>
-            </a:r>
-            <a:r>
-              <a:rPr lang="ru-RU" sz="1500" dirty="0" err="1" smtClean="0"/>
-              <a:t>executeScript</a:t>
+              <a:t>); //функция executeScript</a:t>
             </a:r>
             <a:r>
               <a:rPr lang="ru-RU" sz="1500" dirty="0"/>
@@ -7618,10 +7864,14 @@
             </a:r>
             <a:r>
               <a:rPr lang="ru-RU" sz="1500" dirty="0" smtClean="0"/>
-              <a:t>позволяет исполнить сторонний скрипт (</a:t>
-            </a:r>
-            <a:r>
-              <a:rPr lang="ru-RU" sz="1500" dirty="0" err="1"/>
+              <a:t>	позволяет </a:t>
+            </a:r>
+            <a:r>
+              <a:rPr lang="ru-RU" sz="1500" dirty="0" smtClean="0"/>
+              <a:t>исполнить сторонний скрипт (</a:t>
+            </a:r>
+            <a:r>
+              <a:rPr lang="ru-RU" sz="1500" dirty="0"/>
               <a:t>modifyDOM</a:t>
             </a:r>
             <a:r>
@@ -7642,6 +7892,25 @@
   <p:clrMapOvr>
     <a:masterClrMapping/>
   </p:clrMapOvr>
+  <mc:AlternateContent xmlns:mc="http://schemas.openxmlformats.org/markup-compatibility/2006">
+    <mc:Choice xmlns:p14="http://schemas.microsoft.com/office/powerpoint/2010/main" Requires="p14">
+      <p:transition spd="med" p14:dur="700">
+        <p:fade/>
+      </p:transition>
+    </mc:Choice>
+    <mc:Fallback>
+      <p:transition spd="med">
+        <p:fade/>
+      </p:transition>
+    </mc:Fallback>
+  </mc:AlternateContent>
+  <p:timing>
+    <p:tnLst>
+      <p:par>
+        <p:cTn id="1" dur="indefinite" restart="never" nodeType="tmRoot"/>
+      </p:par>
+    </p:tnLst>
+  </p:timing>
 </p:sld>
 </file>
 
